--- a/observability/slides.pptx
+++ b/observability/slides.pptx
@@ -4,9 +4,6 @@
   <p:sldMasterIdLst>
     <p:sldMasterId id="2147483648" r:id="rId1"/>
   </p:sldMasterIdLst>
-  <p:notesMasterIdLst>
-    <p:NotesMasterId r:id="rId9"/>
-  </p:notesMasterIdLst>
   <p:sldIdLst>
     <p:sldId id="256" r:id="rId2"/>
     <p:sldId id="257" r:id="rId3"/>
@@ -130,708 +127,6 @@
     </p:ext>
   </p:extLst>
 </p:presentation>
-</file>
-
-<file path=ppt/notesMasters/notesMaster1.xml><?xml version="1.0" encoding="utf-8"?>
-<p:notesMaster xmlns:a="http://schemas.openxmlformats.org/drawingml/2006/main" xmlns:r="http://schemas.openxmlformats.org/officeDocument/2006/relationships" xmlns:p="http://schemas.openxmlformats.org/presentationml/2006/main">
-  <p:cSld>
-    <p:bg>
-      <p:bgRef idx="1001">
-        <a:schemeClr val="bg1"/>
-      </p:bgRef>
-    </p:bg>
-    <p:spTree>
-      <p:nvGrpSpPr>
-        <p:cNvPr id="1" name=""/>
-        <p:cNvGrpSpPr/>
-        <p:nvPr/>
-      </p:nvGrpSpPr>
-      <p:grpSpPr>
-        <a:xfrm>
-          <a:off x="0" y="0"/>
-          <a:ext cx="0" cy="0"/>
-          <a:chOff x="0" y="0"/>
-          <a:chExt cx="0" cy="0"/>
-        </a:xfrm>
-      </p:grpSpPr>
-      <p:sp>
-        <p:nvSpPr>
-          <p:cNvPr id="2" name="Header Placeholder 1"/>
-          <p:cNvSpPr>
-            <a:spLocks noGrp="1"/>
-          </p:cNvSpPr>
-          <p:nvPr>
-            <p:ph type="hdr" sz="quarter"/>
-          </p:nvPr>
-        </p:nvSpPr>
-        <p:spPr>
-          <a:xfrm>
-            <a:off x="0" y="0"/>
-            <a:ext cx="2971800" cy="458788"/>
-          </a:xfrm>
-          <a:prstGeom prst="rect">
-            <a:avLst/>
-          </a:prstGeom>
-        </p:spPr>
-        <p:txBody>
-          <a:bodyPr vert="horz" lIns="91440" tIns="45720" rIns="91440" bIns="45720" rtlCol="0"/>
-          <a:lstStyle>
-            <a:lvl1pPr algn="l">
-              <a:defRPr sz="1200"/>
-            </a:lvl1pPr>
-          </a:lstStyle>
-          <a:p>
-            <a:endParaRPr lang="en-US"/>
-          </a:p>
-        </p:txBody>
-      </p:sp>
-      <p:sp>
-        <p:nvSpPr>
-          <p:cNvPr id="3" name="Date Placeholder 2"/>
-          <p:cNvSpPr>
-            <a:spLocks noGrp="1"/>
-          </p:cNvSpPr>
-          <p:nvPr>
-            <p:ph type="dt" idx="1"/>
-          </p:nvPr>
-        </p:nvSpPr>
-        <p:spPr>
-          <a:xfrm>
-            <a:off x="3884613" y="0"/>
-            <a:ext cx="2971800" cy="458788"/>
-          </a:xfrm>
-          <a:prstGeom prst="rect">
-            <a:avLst/>
-          </a:prstGeom>
-        </p:spPr>
-        <p:txBody>
-          <a:bodyPr vert="horz" lIns="91440" tIns="45720" rIns="91440" bIns="45720" rtlCol="0"/>
-          <a:lstStyle>
-            <a:lvl1pPr algn="r">
-              <a:defRPr sz="1200"/>
-            </a:lvl1pPr>
-          </a:lstStyle>
-          <a:p>
-            <a:fld id="{0F9C1CCF-B725-44A7-AA57-5E433BD85C9F}" type="datetimeFigureOut">
-              <a:rPr lang="en-US" smtClean="0"/>
-              <a:t>4/5/2019</a:t>
-            </a:fld>
-            <a:endParaRPr lang="en-US"/>
-          </a:p>
-        </p:txBody>
-      </p:sp>
-      <p:sp>
-        <p:nvSpPr>
-          <p:cNvPr id="4" name="Slide Image Placeholder 3"/>
-          <p:cNvSpPr>
-            <a:spLocks noGrp="1" noRot="1" noChangeAspect="1"/>
-          </p:cNvSpPr>
-          <p:nvPr>
-            <p:ph type="sldImg" idx="2"/>
-          </p:nvPr>
-        </p:nvSpPr>
-        <p:spPr>
-          <a:xfrm>
-            <a:off x="1371600" y="1143000"/>
-            <a:ext cx="4114800" cy="3086100"/>
-          </a:xfrm>
-          <a:prstGeom prst="rect">
-            <a:avLst/>
-          </a:prstGeom>
-          <a:noFill/>
-          <a:ln w="12700">
-            <a:solidFill>
-              <a:prstClr val="black"/>
-            </a:solidFill>
-          </a:ln>
-        </p:spPr>
-        <p:txBody>
-          <a:bodyPr vert="horz" lIns="91440" tIns="45720" rIns="91440" bIns="45720" rtlCol="0" anchor="ctr"/>
-          <a:lstStyle/>
-          <a:p>
-            <a:endParaRPr lang="en-US"/>
-          </a:p>
-        </p:txBody>
-      </p:sp>
-      <p:sp>
-        <p:nvSpPr>
-          <p:cNvPr id="5" name="Notes Placeholder 4"/>
-          <p:cNvSpPr>
-            <a:spLocks noGrp="1"/>
-          </p:cNvSpPr>
-          <p:nvPr>
-            <p:ph type="body" sz="quarter" idx="3"/>
-          </p:nvPr>
-        </p:nvSpPr>
-        <p:spPr>
-          <a:xfrm>
-            <a:off x="685800" y="4400550"/>
-            <a:ext cx="5486400" cy="3600450"/>
-          </a:xfrm>
-          <a:prstGeom prst="rect">
-            <a:avLst/>
-          </a:prstGeom>
-        </p:spPr>
-        <p:txBody>
-          <a:bodyPr vert="horz" lIns="91440" tIns="45720" rIns="91440" bIns="45720" rtlCol="0"/>
-          <a:lstStyle/>
-          <a:p>
-            <a:pPr lvl="0"/>
-            <a:r>
-              <a:rPr lang="en-US" smtClean="0"/>
-              <a:t>Click to edit Master text styles</a:t>
-            </a:r>
-          </a:p>
-          <a:p>
-            <a:pPr lvl="1"/>
-            <a:r>
-              <a:rPr lang="en-US" smtClean="0"/>
-              <a:t>Second level</a:t>
-            </a:r>
-          </a:p>
-          <a:p>
-            <a:pPr lvl="2"/>
-            <a:r>
-              <a:rPr lang="en-US" smtClean="0"/>
-              <a:t>Third level</a:t>
-            </a:r>
-          </a:p>
-          <a:p>
-            <a:pPr lvl="3"/>
-            <a:r>
-              <a:rPr lang="en-US" smtClean="0"/>
-              <a:t>Fourth level</a:t>
-            </a:r>
-          </a:p>
-          <a:p>
-            <a:pPr lvl="4"/>
-            <a:r>
-              <a:rPr lang="en-US" smtClean="0"/>
-              <a:t>Fifth level</a:t>
-            </a:r>
-            <a:endParaRPr lang="en-US"/>
-          </a:p>
-        </p:txBody>
-      </p:sp>
-      <p:sp>
-        <p:nvSpPr>
-          <p:cNvPr id="6" name="Footer Placeholder 5"/>
-          <p:cNvSpPr>
-            <a:spLocks noGrp="1"/>
-          </p:cNvSpPr>
-          <p:nvPr>
-            <p:ph type="ftr" sz="quarter" idx="4"/>
-          </p:nvPr>
-        </p:nvSpPr>
-        <p:spPr>
-          <a:xfrm>
-            <a:off x="0" y="8685213"/>
-            <a:ext cx="2971800" cy="458787"/>
-          </a:xfrm>
-          <a:prstGeom prst="rect">
-            <a:avLst/>
-          </a:prstGeom>
-        </p:spPr>
-        <p:txBody>
-          <a:bodyPr vert="horz" lIns="91440" tIns="45720" rIns="91440" bIns="45720" rtlCol="0" anchor="b"/>
-          <a:lstStyle>
-            <a:lvl1pPr algn="l">
-              <a:defRPr sz="1200"/>
-            </a:lvl1pPr>
-          </a:lstStyle>
-          <a:p>
-            <a:endParaRPr lang="en-US"/>
-          </a:p>
-        </p:txBody>
-      </p:sp>
-      <p:sp>
-        <p:nvSpPr>
-          <p:cNvPr id="7" name="Slide Number Placeholder 6"/>
-          <p:cNvSpPr>
-            <a:spLocks noGrp="1"/>
-          </p:cNvSpPr>
-          <p:nvPr>
-            <p:ph type="sldNum" sz="quarter" idx="5"/>
-          </p:nvPr>
-        </p:nvSpPr>
-        <p:spPr>
-          <a:xfrm>
-            <a:off x="3884613" y="8685213"/>
-            <a:ext cx="2971800" cy="458787"/>
-          </a:xfrm>
-          <a:prstGeom prst="rect">
-            <a:avLst/>
-          </a:prstGeom>
-        </p:spPr>
-        <p:txBody>
-          <a:bodyPr vert="horz" lIns="91440" tIns="45720" rIns="91440" bIns="45720" rtlCol="0" anchor="b"/>
-          <a:lstStyle>
-            <a:lvl1pPr algn="r">
-              <a:defRPr sz="1200"/>
-            </a:lvl1pPr>
-          </a:lstStyle>
-          <a:p>
-            <a:fld id="{18BDFEC3-8487-43E8-A154-7C12CBC1FFF2}" type="slidenum">
-              <a:rPr lang="en-US" smtClean="0"/>
-              <a:t>‹#›</a:t>
-            </a:fld>
-            <a:endParaRPr lang="en-US"/>
-          </a:p>
-        </p:txBody>
-      </p:sp>
-    </p:spTree>
-    <p:extLst>
-      <p:ext uri="{BB962C8B-B14F-4D97-AF65-F5344CB8AC3E}">
-        <p14:creationId xmlns:p14="http://schemas.microsoft.com/office/powerpoint/2010/main" val="3782709779"/>
-      </p:ext>
-    </p:extLst>
-  </p:cSld>
-  <p:clrMap bg1="lt1" tx1="dk1" bg2="lt2" tx2="dk2" accent1="accent1" accent2="accent2" accent3="accent3" accent4="accent4" accent5="accent5" accent6="accent6" hlink="hlink" folHlink="folHlink"/>
-  <p:notesStyle>
-    <a:lvl1pPr marL="0" algn="l" defTabSz="914400" rtl="0" eaLnBrk="1" latinLnBrk="0" hangingPunct="1">
-      <a:defRPr sz="1200" kern="1200">
-        <a:solidFill>
-          <a:schemeClr val="tx1"/>
-        </a:solidFill>
-        <a:latin typeface="+mn-lt"/>
-        <a:ea typeface="+mn-ea"/>
-        <a:cs typeface="+mn-cs"/>
-      </a:defRPr>
-    </a:lvl1pPr>
-    <a:lvl2pPr marL="457200" algn="l" defTabSz="914400" rtl="0" eaLnBrk="1" latinLnBrk="0" hangingPunct="1">
-      <a:defRPr sz="1200" kern="1200">
-        <a:solidFill>
-          <a:schemeClr val="tx1"/>
-        </a:solidFill>
-        <a:latin typeface="+mn-lt"/>
-        <a:ea typeface="+mn-ea"/>
-        <a:cs typeface="+mn-cs"/>
-      </a:defRPr>
-    </a:lvl2pPr>
-    <a:lvl3pPr marL="914400" algn="l" defTabSz="914400" rtl="0" eaLnBrk="1" latinLnBrk="0" hangingPunct="1">
-      <a:defRPr sz="1200" kern="1200">
-        <a:solidFill>
-          <a:schemeClr val="tx1"/>
-        </a:solidFill>
-        <a:latin typeface="+mn-lt"/>
-        <a:ea typeface="+mn-ea"/>
-        <a:cs typeface="+mn-cs"/>
-      </a:defRPr>
-    </a:lvl3pPr>
-    <a:lvl4pPr marL="1371600" algn="l" defTabSz="914400" rtl="0" eaLnBrk="1" latinLnBrk="0" hangingPunct="1">
-      <a:defRPr sz="1200" kern="1200">
-        <a:solidFill>
-          <a:schemeClr val="tx1"/>
-        </a:solidFill>
-        <a:latin typeface="+mn-lt"/>
-        <a:ea typeface="+mn-ea"/>
-        <a:cs typeface="+mn-cs"/>
-      </a:defRPr>
-    </a:lvl4pPr>
-    <a:lvl5pPr marL="1828800" algn="l" defTabSz="914400" rtl="0" eaLnBrk="1" latinLnBrk="0" hangingPunct="1">
-      <a:defRPr sz="1200" kern="1200">
-        <a:solidFill>
-          <a:schemeClr val="tx1"/>
-        </a:solidFill>
-        <a:latin typeface="+mn-lt"/>
-        <a:ea typeface="+mn-ea"/>
-        <a:cs typeface="+mn-cs"/>
-      </a:defRPr>
-    </a:lvl5pPr>
-    <a:lvl6pPr marL="2286000" algn="l" defTabSz="914400" rtl="0" eaLnBrk="1" latinLnBrk="0" hangingPunct="1">
-      <a:defRPr sz="1200" kern="1200">
-        <a:solidFill>
-          <a:schemeClr val="tx1"/>
-        </a:solidFill>
-        <a:latin typeface="+mn-lt"/>
-        <a:ea typeface="+mn-ea"/>
-        <a:cs typeface="+mn-cs"/>
-      </a:defRPr>
-    </a:lvl6pPr>
-    <a:lvl7pPr marL="2743200" algn="l" defTabSz="914400" rtl="0" eaLnBrk="1" latinLnBrk="0" hangingPunct="1">
-      <a:defRPr sz="1200" kern="1200">
-        <a:solidFill>
-          <a:schemeClr val="tx1"/>
-        </a:solidFill>
-        <a:latin typeface="+mn-lt"/>
-        <a:ea typeface="+mn-ea"/>
-        <a:cs typeface="+mn-cs"/>
-      </a:defRPr>
-    </a:lvl7pPr>
-    <a:lvl8pPr marL="3200400" algn="l" defTabSz="914400" rtl="0" eaLnBrk="1" latinLnBrk="0" hangingPunct="1">
-      <a:defRPr sz="1200" kern="1200">
-        <a:solidFill>
-          <a:schemeClr val="tx1"/>
-        </a:solidFill>
-        <a:latin typeface="+mn-lt"/>
-        <a:ea typeface="+mn-ea"/>
-        <a:cs typeface="+mn-cs"/>
-      </a:defRPr>
-    </a:lvl8pPr>
-    <a:lvl9pPr marL="3657600" algn="l" defTabSz="914400" rtl="0" eaLnBrk="1" latinLnBrk="0" hangingPunct="1">
-      <a:defRPr sz="1200" kern="1200">
-        <a:solidFill>
-          <a:schemeClr val="tx1"/>
-        </a:solidFill>
-        <a:latin typeface="+mn-lt"/>
-        <a:ea typeface="+mn-ea"/>
-        <a:cs typeface="+mn-cs"/>
-      </a:defRPr>
-    </a:lvl9pPr>
-  </p:notesStyle>
-</p:notesMaster>
-</file>
-
-<file path=ppt/notesSlides/notesSlide1.xml><?xml version="1.0" encoding="utf-8"?>
-<p:notes xmlns:a="http://schemas.openxmlformats.org/drawingml/2006/main" xmlns:r="http://schemas.openxmlformats.org/officeDocument/2006/relationships" xmlns:p="http://schemas.openxmlformats.org/presentationml/2006/main">
-  <p:cSld>
-    <p:spTree>
-      <p:nvGrpSpPr>
-        <p:cNvPr id="1" name=""/>
-        <p:cNvGrpSpPr/>
-        <p:nvPr/>
-      </p:nvGrpSpPr>
-      <p:grpSpPr>
-        <a:xfrm>
-          <a:off x="0" y="0"/>
-          <a:ext cx="0" cy="0"/>
-          <a:chOff x="0" y="0"/>
-          <a:chExt cx="0" cy="0"/>
-        </a:xfrm>
-      </p:grpSpPr>
-      <p:sp>
-        <p:nvSpPr>
-          <p:cNvPr id="2" name="Slide Image Placeholder 1"/>
-          <p:cNvSpPr>
-            <a:spLocks noGrp="1" noRot="1" noChangeAspect="1"/>
-          </p:cNvSpPr>
-          <p:nvPr>
-            <p:ph type="sldImg"/>
-          </p:nvPr>
-        </p:nvSpPr>
-        <p:spPr/>
-      </p:sp>
-      <p:sp>
-        <p:nvSpPr>
-          <p:cNvPr id="3" name="Notes Placeholder 2"/>
-          <p:cNvSpPr>
-            <a:spLocks noGrp="1"/>
-          </p:cNvSpPr>
-          <p:nvPr>
-            <p:ph type="body" idx="1"/>
-          </p:nvPr>
-        </p:nvSpPr>
-        <p:spPr/>
-        <p:txBody>
-          <a:bodyPr/>
-          <a:lstStyle/>
-          <a:p>
-            <a:pPr lvl="0" marL="0" indent="0">
-              <a:buNone/>
-            </a:pPr>
-            <a:r>
-              <a:rPr/>
-              <a:t>This</a:t>
-            </a:r>
-            <a:r>
-              <a:rPr/>
-              <a:t> </a:t>
-            </a:r>
-            <a:r>
-              <a:rPr/>
-              <a:t>is</a:t>
-            </a:r>
-            <a:r>
-              <a:rPr/>
-              <a:t> </a:t>
-            </a:r>
-            <a:r>
-              <a:rPr/>
-              <a:t>a</a:t>
-            </a:r>
-            <a:r>
-              <a:rPr/>
-              <a:t> </a:t>
-            </a:r>
-            <a:r>
-              <a:rPr/>
-              <a:t>speaker</a:t>
-            </a:r>
-            <a:r>
-              <a:rPr/>
-              <a:t> </a:t>
-            </a:r>
-            <a:r>
-              <a:rPr/>
-              <a:t>note.</a:t>
-            </a:r>
-          </a:p>
-          <a:p>
-            <a:pPr lvl="0" marL="0" indent="0">
-              <a:buNone/>
-            </a:pPr>
-          </a:p>
-          <a:p>
-            <a:pPr lvl="1"/>
-            <a:r>
-              <a:rPr/>
-              <a:t>Use</a:t>
-            </a:r>
-            <a:r>
-              <a:rPr/>
-              <a:t> </a:t>
-            </a:r>
-            <a:r>
-              <a:rPr/>
-              <a:t>basic</a:t>
-            </a:r>
-            <a:r>
-              <a:rPr/>
-              <a:t> </a:t>
-            </a:r>
-            <a:r>
-              <a:rPr/>
-              <a:t>Markdown</a:t>
-            </a:r>
-          </a:p>
-          <a:p>
-            <a:pPr lvl="0" marL="0" indent="0">
-              <a:buNone/>
-            </a:pPr>
-          </a:p>
-          <a:p>
-            <a:pPr lvl="1"/>
-            <a:r>
-              <a:rPr/>
-              <a:t>like</a:t>
-            </a:r>
-            <a:r>
-              <a:rPr/>
-              <a:t> </a:t>
-            </a:r>
-            <a:r>
-              <a:rPr/>
-              <a:t>this</a:t>
-            </a:r>
-            <a:r>
-              <a:rPr/>
-              <a:t> </a:t>
-            </a:r>
-            <a:r>
-              <a:rPr/>
-              <a:t>list</a:t>
-            </a:r>
-          </a:p>
-          <a:p>
-            <a:pPr lvl="0" marL="0" indent="0">
-              <a:buNone/>
-            </a:pPr>
-          </a:p>
-          <a:p>
-            <a:pPr lvl="1"/>
-            <a:r>
-              <a:rPr i="1"/>
-              <a:t>and</a:t>
-            </a:r>
-            <a:r>
-              <a:rPr i="1"/>
-              <a:t> </a:t>
-            </a:r>
-            <a:r>
-              <a:rPr i="1"/>
-              <a:t>inline</a:t>
-            </a:r>
-            <a:r>
-              <a:rPr i="1"/>
-              <a:t> </a:t>
-            </a:r>
-            <a:r>
-              <a:rPr i="1"/>
-              <a:t>formatting</a:t>
-            </a:r>
-          </a:p>
-        </p:txBody>
-      </p:sp>
-      <p:sp>
-        <p:nvSpPr>
-          <p:cNvPr id="4" name="Slide Number Placeholder 3"/>
-          <p:cNvSpPr>
-            <a:spLocks noGrp="1"/>
-          </p:cNvSpPr>
-          <p:nvPr>
-            <p:ph type="sldNum" sz="quarter" idx="10"/>
-          </p:nvPr>
-        </p:nvSpPr>
-        <p:spPr/>
-        <p:txBody>
-          <a:bodyPr/>
-          <a:lstStyle/>
-          <a:p>
-            <a:fld id="{18BDFEC3-8487-43E8-A154-7C12CBC1FFF2}" type="slidenum">
-              <a:rPr lang="en-US"/>
-              <a:t>5</a:t>
-            </a:fld>
-            <a:endParaRPr lang="en-US"/>
-          </a:p>
-        </p:txBody>
-      </p:sp>
-    </p:spTree>
-  </p:cSld>
-</p:notes>
-</file>
-
-<file path=ppt/notesSlides/notesSlide2.xml><?xml version="1.0" encoding="utf-8"?>
-<p:notes xmlns:a="http://schemas.openxmlformats.org/drawingml/2006/main" xmlns:r="http://schemas.openxmlformats.org/officeDocument/2006/relationships" xmlns:p="http://schemas.openxmlformats.org/presentationml/2006/main">
-  <p:cSld>
-    <p:spTree>
-      <p:nvGrpSpPr>
-        <p:cNvPr id="1" name=""/>
-        <p:cNvGrpSpPr/>
-        <p:nvPr/>
-      </p:nvGrpSpPr>
-      <p:grpSpPr>
-        <a:xfrm>
-          <a:off x="0" y="0"/>
-          <a:ext cx="0" cy="0"/>
-          <a:chOff x="0" y="0"/>
-          <a:chExt cx="0" cy="0"/>
-        </a:xfrm>
-      </p:grpSpPr>
-      <p:sp>
-        <p:nvSpPr>
-          <p:cNvPr id="2" name="Slide Image Placeholder 1"/>
-          <p:cNvSpPr>
-            <a:spLocks noGrp="1" noRot="1" noChangeAspect="1"/>
-          </p:cNvSpPr>
-          <p:nvPr>
-            <p:ph type="sldImg"/>
-          </p:nvPr>
-        </p:nvSpPr>
-        <p:spPr/>
-      </p:sp>
-      <p:sp>
-        <p:nvSpPr>
-          <p:cNvPr id="3" name="Notes Placeholder 2"/>
-          <p:cNvSpPr>
-            <a:spLocks noGrp="1"/>
-          </p:cNvSpPr>
-          <p:nvPr>
-            <p:ph type="body" idx="1"/>
-          </p:nvPr>
-        </p:nvSpPr>
-        <p:spPr/>
-        <p:txBody>
-          <a:bodyPr/>
-          <a:lstStyle/>
-          <a:p>
-            <a:pPr lvl="0" marL="0" indent="0">
-              <a:buNone/>
-            </a:pPr>
-            <a:r>
-              <a:rPr/>
-              <a:t>I</a:t>
-            </a:r>
-            <a:r>
-              <a:rPr/>
-              <a:t> </a:t>
-            </a:r>
-            <a:r>
-              <a:rPr/>
-              <a:t>am</a:t>
-            </a:r>
-            <a:r>
-              <a:rPr/>
-              <a:t> </a:t>
-            </a:r>
-            <a:r>
-              <a:rPr/>
-              <a:t>thinking</a:t>
-            </a:r>
-            <a:r>
-              <a:rPr/>
-              <a:t> </a:t>
-            </a:r>
-            <a:r>
-              <a:rPr/>
-              <a:t>that</a:t>
-            </a:r>
-            <a:r>
-              <a:rPr/>
-              <a:t> </a:t>
-            </a:r>
-            <a:r>
-              <a:rPr/>
-              <a:t>this</a:t>
-            </a:r>
-            <a:r>
-              <a:rPr/>
-              <a:t> </a:t>
-            </a:r>
-            <a:r>
-              <a:rPr/>
-              <a:t>will</a:t>
-            </a:r>
-            <a:r>
-              <a:rPr/>
-              <a:t> </a:t>
-            </a:r>
-            <a:r>
-              <a:rPr/>
-              <a:t>be</a:t>
-            </a:r>
-            <a:r>
-              <a:rPr/>
-              <a:t> </a:t>
-            </a:r>
-            <a:r>
-              <a:rPr/>
-              <a:t>in</a:t>
-            </a:r>
-            <a:r>
-              <a:rPr/>
-              <a:t> </a:t>
-            </a:r>
-            <a:r>
-              <a:rPr/>
-              <a:t>javascript</a:t>
-            </a:r>
-            <a:r>
-              <a:rPr/>
-              <a:t> </a:t>
-            </a:r>
-            <a:r>
-              <a:rPr/>
-              <a:t>format</a:t>
-            </a:r>
-          </a:p>
-        </p:txBody>
-      </p:sp>
-      <p:sp>
-        <p:nvSpPr>
-          <p:cNvPr id="4" name="Slide Number Placeholder 3"/>
-          <p:cNvSpPr>
-            <a:spLocks noGrp="1"/>
-          </p:cNvSpPr>
-          <p:nvPr>
-            <p:ph type="sldNum" sz="quarter" idx="10"/>
-          </p:nvPr>
-        </p:nvSpPr>
-        <p:spPr/>
-        <p:txBody>
-          <a:bodyPr/>
-          <a:lstStyle/>
-          <a:p>
-            <a:fld id="{18BDFEC3-8487-43E8-A154-7C12CBC1FFF2}" type="slidenum">
-              <a:rPr lang="en-US"/>
-              <a:t>6</a:t>
-            </a:fld>
-            <a:endParaRPr lang="en-US"/>
-          </a:p>
-        </p:txBody>
-      </p:sp>
-    </p:spTree>
-  </p:cSld>
-</p:notes>
 </file>
 
 <file path=ppt/slideLayouts/slideLayout1.xml><?xml version="1.0" encoding="utf-8"?>
@@ -3847,31 +3142,7 @@
             </a:pPr>
             <a:r>
               <a:rPr/>
-              <a:t>Title</a:t>
-            </a:r>
-            <a:r>
-              <a:rPr/>
-              <a:t> </a:t>
-            </a:r>
-            <a:r>
-              <a:rPr/>
-              <a:t>slide</a:t>
-            </a:r>
-            <a:r>
-              <a:rPr/>
-              <a:t> </a:t>
-            </a:r>
-            <a:r>
-              <a:rPr/>
-              <a:t>(Slide</a:t>
-            </a:r>
-            <a:r>
-              <a:rPr/>
-              <a:t> </a:t>
-            </a:r>
-            <a:r>
-              <a:rPr/>
-              <a:t>1)</a:t>
+              <a:t>Observability</a:t>
             </a:r>
           </a:p>
         </p:txBody>
@@ -3936,12 +3207,7 @@
             <p:ph type="title"/>
           </p:nvPr>
         </p:nvSpPr>
-        <p:spPr>
-          <a:xfrm>
-            <a:off x="722313" y="4406900"/>
-            <a:ext cx="7772400" cy="1362075"/>
-          </a:xfrm>
-        </p:spPr>
+        <p:spPr/>
         <p:txBody>
           <a:bodyPr/>
           <a:lstStyle/>
@@ -3951,31 +3217,103 @@
             </a:pPr>
             <a:r>
               <a:rPr/>
-              <a:t>Section</a:t>
-            </a:r>
-            <a:r>
-              <a:rPr/>
-              <a:t> </a:t>
-            </a:r>
-            <a:r>
-              <a:rPr/>
-              <a:t>header</a:t>
-            </a:r>
-            <a:r>
-              <a:rPr/>
-              <a:t> </a:t>
-            </a:r>
-            <a:r>
-              <a:rPr/>
-              <a:t>(Slide</a:t>
-            </a:r>
-            <a:r>
-              <a:rPr/>
-              <a:t> </a:t>
-            </a:r>
-            <a:r>
-              <a:rPr/>
-              <a:t>2)</a:t>
+              <a:t>Agenda</a:t>
+            </a:r>
+          </a:p>
+        </p:txBody>
+      </p:sp>
+      <p:sp>
+        <p:nvSpPr>
+          <p:cNvPr id="3" name="Content Placeholder 2"/>
+          <p:cNvSpPr>
+            <a:spLocks noGrp="1"/>
+          </p:cNvSpPr>
+          <p:nvPr>
+            <p:ph idx="1"/>
+          </p:nvPr>
+        </p:nvSpPr>
+        <p:spPr/>
+        <p:txBody>
+          <a:bodyPr/>
+          <a:lstStyle/>
+          <a:p>
+            <a:pPr lvl="1"/>
+            <a:r>
+              <a:rPr/>
+              <a:t>Introduce the Challenge/Activity</a:t>
+            </a:r>
+          </a:p>
+          <a:p>
+            <a:pPr lvl="1"/>
+            <a:r>
+              <a:rPr/>
+              <a:t>Theory to support learning outcomes and the Activity</a:t>
+            </a:r>
+          </a:p>
+          <a:p>
+            <a:pPr lvl="1"/>
+            <a:r>
+              <a:rPr/>
+              <a:t>Initial demo of activity</a:t>
+            </a:r>
+          </a:p>
+          <a:p>
+            <a:pPr lvl="0" marL="0" indent="0">
+              <a:spcBef>
+                <a:spcPts val="3000"/>
+              </a:spcBef>
+              <a:buNone/>
+            </a:pPr>
+            <a:r>
+              <a:rPr b="1"/>
+              <a:t>The Challenge</a:t>
+            </a:r>
+          </a:p>
+          <a:p>
+            <a:pPr lvl="0" marL="0" indent="0">
+              <a:buNone/>
+            </a:pPr>
+            <a:r>
+              <a:rPr/>
+              <a:t>Create a codespace from the </a:t>
+            </a:r>
+            <a:r>
+              <a:rPr>
+                <a:hlinkClick r:id="rId2"/>
+              </a:rPr>
+              <a:t>github template</a:t>
+            </a:r>
+            <a:r>
+              <a:rPr/>
+              <a:t> and run:</a:t>
+            </a:r>
+          </a:p>
+          <a:p>
+            <a:pPr lvl="0" indent="0">
+              <a:buNone/>
+            </a:pPr>
+            <a:r>
+              <a:rPr>
+                <a:latin typeface="Courier"/>
+              </a:rPr>
+              <a:t>ansible-playbook toaster.yml</a:t>
+            </a:r>
+          </a:p>
+          <a:p>
+            <a:pPr lvl="0" marL="0" indent="0">
+              <a:buNone/>
+            </a:pPr>
+            <a:r>
+              <a:rPr/>
+              <a:t>Observe the running system and use the umlet vscode plugin to document it with a deployment diagram. Submit the deployment diagram with the uploader at the </a:t>
+            </a:r>
+            <a:r>
+              <a:rPr/>
+              <a:t>end of the presentation</a:t>
+            </a:r>
+            <a:r>
+              <a:rPr/>
+              <a:t>.</a:t>
             </a:r>
           </a:p>
         </p:txBody>
@@ -4012,12 +3350,7 @@
             <p:ph type="title"/>
           </p:nvPr>
         </p:nvSpPr>
-        <p:spPr>
-          <a:xfrm>
-            <a:off x="722313" y="4406900"/>
-            <a:ext cx="7772400" cy="1362075"/>
-          </a:xfrm>
-        </p:spPr>
+        <p:spPr/>
         <p:txBody>
           <a:bodyPr/>
           <a:lstStyle/>
@@ -4027,7 +3360,7 @@
             </a:pPr>
             <a:r>
               <a:rPr/>
-              <a:t>Section</a:t>
+              <a:t>Unit</a:t>
             </a:r>
             <a:r>
               <a:rPr/>
@@ -4035,7 +3368,7 @@
             </a:r>
             <a:r>
               <a:rPr/>
-              <a:t>header</a:t>
+              <a:t>Learning</a:t>
             </a:r>
             <a:r>
               <a:rPr/>
@@ -4043,15 +3376,60 @@
             </a:r>
             <a:r>
               <a:rPr/>
-              <a:t>(Slide</a:t>
-            </a:r>
-            <a:r>
-              <a:rPr/>
-              <a:t> </a:t>
-            </a:r>
-            <a:r>
-              <a:rPr/>
-              <a:t>3)</a:t>
+              <a:t>Objectives</a:t>
+            </a:r>
+          </a:p>
+        </p:txBody>
+      </p:sp>
+      <p:sp>
+        <p:nvSpPr>
+          <p:cNvPr id="3" name="Content Placeholder 2"/>
+          <p:cNvSpPr>
+            <a:spLocks noGrp="1"/>
+          </p:cNvSpPr>
+          <p:nvPr>
+            <p:ph idx="1"/>
+          </p:nvPr>
+        </p:nvSpPr>
+        <p:spPr/>
+        <p:txBody>
+          <a:bodyPr/>
+          <a:lstStyle/>
+          <a:p>
+            <a:pPr lvl="1"/>
+            <a:r>
+              <a:rPr/>
+              <a:t>Explain the advantages tracing has over plain logging for root cause analysis of an issue.</a:t>
+            </a:r>
+          </a:p>
+          <a:p>
+            <a:pPr lvl="1"/>
+            <a:r>
+              <a:rPr/>
+              <a:t>Consider metrics like utilization, saturation and errors for system health.</a:t>
+            </a:r>
+          </a:p>
+          <a:p>
+            <a:pPr lvl="1"/>
+            <a:r>
+              <a:rPr/>
+              <a:t>Give reasons for REDS/Google golden metrics being an improvement for understanding how happy users will be with a system.</a:t>
+            </a:r>
+          </a:p>
+          <a:p>
+            <a:pPr lvl="1"/>
+            <a:r>
+              <a:rPr/>
+              <a:t>Consider logs, log levels and log models as a way of understanding software issues.</a:t>
+            </a:r>
+          </a:p>
+          <a:p>
+            <a:pPr lvl="0" marL="0" indent="0">
+              <a:buNone/>
+            </a:pPr>
+            <a:r>
+              <a:rPr/>
+              <a:t>Note: See chapter 1 and 2 from the text</a:t>
             </a:r>
           </a:p>
         </p:txBody>
@@ -4098,7 +3476,7 @@
             </a:pPr>
             <a:r>
               <a:rPr/>
-              <a:t>Slide</a:t>
+              <a:t>Consider</a:t>
             </a:r>
             <a:r>
               <a:rPr/>
@@ -4106,7 +3484,7 @@
             </a:r>
             <a:r>
               <a:rPr/>
-              <a:t>Title</a:t>
+              <a:t>the</a:t>
             </a:r>
             <a:r>
               <a:rPr/>
@@ -4114,15 +3492,7 @@
             </a:r>
             <a:r>
               <a:rPr/>
-              <a:t>(Slide</a:t>
-            </a:r>
-            <a:r>
-              <a:rPr/>
-              <a:t> </a:t>
-            </a:r>
-            <a:r>
-              <a:rPr/>
-              <a:t>4)</a:t>
+              <a:t>bus</a:t>
             </a:r>
           </a:p>
         </p:txBody>
@@ -4147,31 +3517,7 @@
             </a:pPr>
             <a:r>
               <a:rPr/>
-              <a:t>Slide Content (by default this content sets the slide level to three)</a:t>
-            </a:r>
-          </a:p>
-          <a:p>
-            <a:pPr lvl="0" marL="0" indent="0">
-              <a:spcBef>
-                <a:spcPts val="3000"/>
-              </a:spcBef>
-              <a:buNone/>
-            </a:pPr>
-            <a:r>
-              <a:rPr b="1"/>
-              <a:t>Slide content header (Slide 4)</a:t>
-            </a:r>
-          </a:p>
-          <a:p>
-            <a:pPr lvl="0" marL="0" indent="0">
-              <a:spcBef>
-                <a:spcPts val="3000"/>
-              </a:spcBef>
-              <a:buNone/>
-            </a:pPr>
-            <a:r>
-              <a:rPr b="1"/>
-              <a:t>Slide content header (Slide 4)</a:t>
+              <a:t>Who came by bus today? GRT Map</a:t>
             </a:r>
           </a:p>
         </p:txBody>
@@ -4218,7 +3564,7 @@
             </a:pPr>
             <a:r>
               <a:rPr/>
-              <a:t>Slide</a:t>
+              <a:t>Bus</a:t>
             </a:r>
             <a:r>
               <a:rPr/>
@@ -4226,79 +3572,7 @@
             </a:r>
             <a:r>
               <a:rPr/>
-              <a:t>Title</a:t>
-            </a:r>
-            <a:r>
-              <a:rPr/>
-              <a:t> </a:t>
-            </a:r>
-            <a:r>
-              <a:rPr/>
-              <a:t>(Slide</a:t>
-            </a:r>
-            <a:r>
-              <a:rPr/>
-              <a:t> </a:t>
-            </a:r>
-            <a:r>
-              <a:rPr/>
-              <a:t>5)</a:t>
-            </a:r>
-          </a:p>
-        </p:txBody>
-      </p:sp>
-      <p:sp>
-        <p:nvSpPr>
-          <p:cNvPr id="3" name="Content Placeholder 2"/>
-          <p:cNvSpPr>
-            <a:spLocks noGrp="1"/>
-          </p:cNvSpPr>
-          <p:nvPr>
-            <p:ph idx="1"/>
-          </p:nvPr>
-        </p:nvSpPr>
-        <p:spPr/>
-        <p:txBody>
-          <a:bodyPr/>
-          <a:lstStyle/>
-          <a:p>
-            <a:pPr lvl="1"/>
-            <a:r>
-              <a:rPr/>
-              <a:t>list item 1</a:t>
-            </a:r>
-          </a:p>
-          <a:p>
-            <a:pPr lvl="1"/>
-            <a:r>
-              <a:rPr/>
-              <a:t>list item 2</a:t>
-            </a:r>
-          </a:p>
-          <a:p>
-            <a:pPr lvl="0" marL="0" indent="0">
-              <a:spcBef>
-                <a:spcPts val="3000"/>
-              </a:spcBef>
-              <a:buNone/>
-            </a:pPr>
-            <a:r>
-              <a:rPr b="1"/>
-              <a:t>List 2</a:t>
-            </a:r>
-          </a:p>
-          <a:p>
-            <a:pPr lvl="1"/>
-            <a:r>
-              <a:rPr/>
-              <a:t>list item 1</a:t>
-            </a:r>
-          </a:p>
-          <a:p>
-            <a:pPr lvl="1"/>
-            <a:r>
-              <a:rPr/>
-              <a:t>list item 2</a:t>
+              <a:t>observers</a:t>
             </a:r>
           </a:p>
         </p:txBody>
@@ -4335,7 +3609,12 @@
             <p:ph type="title"/>
           </p:nvPr>
         </p:nvSpPr>
-        <p:spPr/>
+        <p:spPr>
+          <a:xfrm>
+            <a:off x="722313" y="4406900"/>
+            <a:ext cx="7772400" cy="1362075"/>
+          </a:xfrm>
+        </p:spPr>
         <p:txBody>
           <a:bodyPr/>
           <a:lstStyle/>
@@ -4345,7 +3624,7 @@
             </a:pPr>
             <a:r>
               <a:rPr/>
-              <a:t>Code</a:t>
+              <a:t>Do</a:t>
             </a:r>
             <a:r>
               <a:rPr/>
@@ -4353,109 +3632,47 @@
             </a:r>
             <a:r>
               <a:rPr/>
-              <a:t>here</a:t>
-            </a:r>
-          </a:p>
-        </p:txBody>
-      </p:sp>
-      <p:sp>
-        <p:nvSpPr>
-          <p:cNvPr id="3" name="Content Placeholder 2"/>
-          <p:cNvSpPr>
-            <a:spLocks noGrp="1"/>
-          </p:cNvSpPr>
-          <p:nvPr>
-            <p:ph idx="1"/>
-          </p:nvPr>
-        </p:nvSpPr>
-        <p:spPr/>
-        <p:txBody>
-          <a:bodyPr/>
-          <a:lstStyle/>
-          <a:p>
-            <a:pPr lvl="0" indent="0">
-              <a:buNone/>
-            </a:pPr>
-            <a:br/>
-            <a:r>
-              <a:rPr i="1">
-                <a:solidFill>
-                  <a:srgbClr val="60A0B0"/>
-                </a:solidFill>
-                <a:latin typeface="Courier"/>
-              </a:rPr>
-              <a:t>// This is javascript code</a:t>
-            </a:r>
-            <a:br/>
-            <a:br/>
-            <a:r>
-              <a:rPr>
-                <a:latin typeface="Courier"/>
-              </a:rPr>
-              <a:t>console</a:t>
-            </a:r>
-            <a:r>
-              <a:rPr>
-                <a:solidFill>
-                  <a:srgbClr val="666666"/>
-                </a:solidFill>
-                <a:latin typeface="Courier"/>
-              </a:rPr>
-              <a:t>.</a:t>
-            </a:r>
-            <a:r>
-              <a:rPr>
-                <a:solidFill>
-                  <a:srgbClr val="06287E"/>
-                </a:solidFill>
-                <a:latin typeface="Courier"/>
-              </a:rPr>
-              <a:t>log</a:t>
-            </a:r>
-            <a:r>
-              <a:rPr>
-                <a:latin typeface="Courier"/>
-              </a:rPr>
-              <a:t>(</a:t>
-            </a:r>
-            <a:r>
-              <a:rPr>
-                <a:solidFill>
-                  <a:srgbClr val="4070A0"/>
-                </a:solidFill>
-                <a:latin typeface="Courier"/>
-              </a:rPr>
-              <a:t>`${</a:t>
-            </a:r>
-            <a:r>
-              <a:rPr>
-                <a:latin typeface="Courier"/>
-              </a:rPr>
-              <a:t>name</a:t>
-            </a:r>
-            <a:r>
-              <a:rPr>
-                <a:solidFill>
-                  <a:srgbClr val="4070A0"/>
-                </a:solidFill>
-                <a:latin typeface="Courier"/>
-              </a:rPr>
-              <a:t>} was here`</a:t>
-            </a:r>
-            <a:r>
-              <a:rPr>
-                <a:latin typeface="Courier"/>
-              </a:rPr>
-              <a:t>)</a:t>
-            </a:r>
-            <a:r>
-              <a:rPr>
-                <a:solidFill>
-                  <a:srgbClr val="666666"/>
-                </a:solidFill>
-                <a:latin typeface="Courier"/>
-              </a:rPr>
-              <a:t>;</a:t>
+              <a:t>they</a:t>
+            </a:r>
+            <a:r>
+              <a:rPr/>
+              <a:t> </a:t>
+            </a:r>
+            <a:r>
+              <a:rPr/>
+              <a:t>all</a:t>
+            </a:r>
+            <a:r>
+              <a:rPr/>
+              <a:t> </a:t>
+            </a:r>
+            <a:r>
+              <a:rPr/>
+              <a:t>observe</a:t>
+            </a:r>
+            <a:r>
+              <a:rPr/>
+              <a:t> </a:t>
+            </a:r>
+            <a:r>
+              <a:rPr/>
+              <a:t>the</a:t>
+            </a:r>
+            <a:r>
+              <a:rPr/>
+              <a:t> </a:t>
+            </a:r>
+            <a:r>
+              <a:rPr/>
+              <a:t>same</a:t>
+            </a:r>
+            <a:r>
+              <a:rPr/>
+              <a:t> </a:t>
+            </a:r>
+            <a:r>
+              <a:rPr/>
+              <a:t>things?</a:t>
             </a:r>
           </a:p>
         </p:txBody>
@@ -4484,39 +3701,6 @@
       </p:grpSpPr>
       <p:sp>
         <p:nvSpPr>
-          <p:cNvPr id="2" name="Title 1"/>
-          <p:cNvSpPr>
-            <a:spLocks noGrp="1"/>
-          </p:cNvSpPr>
-          <p:nvPr>
-            <p:ph type="title"/>
-          </p:nvPr>
-        </p:nvSpPr>
-        <p:spPr/>
-        <p:txBody>
-          <a:bodyPr/>
-          <a:lstStyle/>
-          <a:p>
-            <a:pPr lvl="0" marL="0" indent="0">
-              <a:buNone/>
-            </a:pPr>
-            <a:r>
-              <a:rPr/>
-              <a:t>Another</a:t>
-            </a:r>
-            <a:r>
-              <a:rPr/>
-              <a:t> </a:t>
-            </a:r>
-            <a:r>
-              <a:rPr/>
-              <a:t>Slide</a:t>
-            </a:r>
-          </a:p>
-        </p:txBody>
-      </p:sp>
-      <p:sp>
-        <p:nvSpPr>
           <p:cNvPr id="3" name="Content Placeholder 2"/>
           <p:cNvSpPr>
             <a:spLocks noGrp="1"/>
@@ -4533,14 +3717,35 @@
             <a:pPr lvl="1"/>
             <a:r>
               <a:rPr/>
-              <a:t>I don’t think this should work???</a:t>
+              <a:t>riders</a:t>
             </a:r>
           </a:p>
           <a:p>
             <a:pPr lvl="1"/>
             <a:r>
               <a:rPr/>
-              <a:t>lets see</a:t>
+              <a:t>municipality</a:t>
+            </a:r>
+          </a:p>
+          <a:p>
+            <a:pPr lvl="1"/>
+            <a:r>
+              <a:rPr/>
+              <a:t>the garage</a:t>
+            </a:r>
+          </a:p>
+          <a:p>
+            <a:pPr lvl="1"/>
+            <a:r>
+              <a:rPr/>
+              <a:t>drivers</a:t>
+            </a:r>
+          </a:p>
+          <a:p>
+            <a:pPr lvl="1"/>
+            <a:r>
+              <a:rPr/>
+              <a:t>staffing coordinators</a:t>
             </a:r>
           </a:p>
         </p:txBody>
@@ -4868,265 +4073,4 @@
   </a:objectDefaults>
   <a:extraClrSchemeLst/>
 </a:theme>
-</file>
-
-<file path=ppt/theme/theme2.xml><?xml version="1.0" encoding="utf-8"?>
-<a:theme xmlns:a="http://schemas.openxmlformats.org/drawingml/2006/main" name="Office Theme">
-  <a:themeElements>
-    <a:clrScheme name="Office">
-      <a:dk1>
-        <a:sysClr val="windowText" lastClr="000000"/>
-      </a:dk1>
-      <a:lt1>
-        <a:sysClr val="window" lastClr="FFFFFF"/>
-      </a:lt1>
-      <a:dk2>
-        <a:srgbClr val="44546A"/>
-      </a:dk2>
-      <a:lt2>
-        <a:srgbClr val="E7E6E6"/>
-      </a:lt2>
-      <a:accent1>
-        <a:srgbClr val="5B9BD5"/>
-      </a:accent1>
-      <a:accent2>
-        <a:srgbClr val="ED7D31"/>
-      </a:accent2>
-      <a:accent3>
-        <a:srgbClr val="A5A5A5"/>
-      </a:accent3>
-      <a:accent4>
-        <a:srgbClr val="FFC000"/>
-      </a:accent4>
-      <a:accent5>
-        <a:srgbClr val="4472C4"/>
-      </a:accent5>
-      <a:accent6>
-        <a:srgbClr val="70AD47"/>
-      </a:accent6>
-      <a:hlink>
-        <a:srgbClr val="0563C1"/>
-      </a:hlink>
-      <a:folHlink>
-        <a:srgbClr val="954F72"/>
-      </a:folHlink>
-    </a:clrScheme>
-    <a:fontScheme name="Office">
-      <a:majorFont>
-        <a:latin typeface="Calibri Light" panose="020F0302020204030204"/>
-        <a:ea typeface=""/>
-        <a:cs typeface=""/>
-        <a:font script="Jpan" typeface="ＭＳ Ｐゴシック"/>
-        <a:font script="Hang" typeface="맑은 고딕"/>
-        <a:font script="Hans" typeface="宋体"/>
-        <a:font script="Hant" typeface="新細明體"/>
-        <a:font script="Arab" typeface="Times New Roman"/>
-        <a:font script="Hebr" typeface="Times New Roman"/>
-        <a:font script="Thai" typeface="Angsana New"/>
-        <a:font script="Ethi" typeface="Nyala"/>
-        <a:font script="Beng" typeface="Vrinda"/>
-        <a:font script="Gujr" typeface="Shruti"/>
-        <a:font script="Khmr" typeface="MoolBoran"/>
-        <a:font script="Knda" typeface="Tunga"/>
-        <a:font script="Guru" typeface="Raavi"/>
-        <a:font script="Cans" typeface="Euphemia"/>
-        <a:font script="Cher" typeface="Plantagenet Cherokee"/>
-        <a:font script="Yiii" typeface="Microsoft Yi Baiti"/>
-        <a:font script="Tibt" typeface="Microsoft Himalaya"/>
-        <a:font script="Thaa" typeface="MV Boli"/>
-        <a:font script="Deva" typeface="Mangal"/>
-        <a:font script="Telu" typeface="Gautami"/>
-        <a:font script="Taml" typeface="Latha"/>
-        <a:font script="Syrc" typeface="Estrangelo Edessa"/>
-        <a:font script="Orya" typeface="Kalinga"/>
-        <a:font script="Mlym" typeface="Kartika"/>
-        <a:font script="Laoo" typeface="DokChampa"/>
-        <a:font script="Sinh" typeface="Iskoola Pota"/>
-        <a:font script="Mong" typeface="Mongolian Baiti"/>
-        <a:font script="Viet" typeface="Times New Roman"/>
-        <a:font script="Uigh" typeface="Microsoft Uighur"/>
-        <a:font script="Geor" typeface="Sylfaen"/>
-      </a:majorFont>
-      <a:minorFont>
-        <a:latin typeface="Calibri" panose="020F0502020204030204"/>
-        <a:ea typeface=""/>
-        <a:cs typeface=""/>
-        <a:font script="Jpan" typeface="ＭＳ Ｐゴシック"/>
-        <a:font script="Hang" typeface="맑은 고딕"/>
-        <a:font script="Hans" typeface="宋体"/>
-        <a:font script="Hant" typeface="新細明體"/>
-        <a:font script="Arab" typeface="Arial"/>
-        <a:font script="Hebr" typeface="Arial"/>
-        <a:font script="Thai" typeface="Cordia New"/>
-        <a:font script="Ethi" typeface="Nyala"/>
-        <a:font script="Beng" typeface="Vrinda"/>
-        <a:font script="Gujr" typeface="Shruti"/>
-        <a:font script="Khmr" typeface="DaunPenh"/>
-        <a:font script="Knda" typeface="Tunga"/>
-        <a:font script="Guru" typeface="Raavi"/>
-        <a:font script="Cans" typeface="Euphemia"/>
-        <a:font script="Cher" typeface="Plantagenet Cherokee"/>
-        <a:font script="Yiii" typeface="Microsoft Yi Baiti"/>
-        <a:font script="Tibt" typeface="Microsoft Himalaya"/>
-        <a:font script="Thaa" typeface="MV Boli"/>
-        <a:font script="Deva" typeface="Mangal"/>
-        <a:font script="Telu" typeface="Gautami"/>
-        <a:font script="Taml" typeface="Latha"/>
-        <a:font script="Syrc" typeface="Estrangelo Edessa"/>
-        <a:font script="Orya" typeface="Kalinga"/>
-        <a:font script="Mlym" typeface="Kartika"/>
-        <a:font script="Laoo" typeface="DokChampa"/>
-        <a:font script="Sinh" typeface="Iskoola Pota"/>
-        <a:font script="Mong" typeface="Mongolian Baiti"/>
-        <a:font script="Viet" typeface="Arial"/>
-        <a:font script="Uigh" typeface="Microsoft Uighur"/>
-        <a:font script="Geor" typeface="Sylfaen"/>
-      </a:minorFont>
-    </a:fontScheme>
-    <a:fmtScheme name="Office">
-      <a:fillStyleLst>
-        <a:solidFill>
-          <a:schemeClr val="phClr"/>
-        </a:solidFill>
-        <a:gradFill rotWithShape="1">
-          <a:gsLst>
-            <a:gs pos="0">
-              <a:schemeClr val="phClr">
-                <a:lumMod val="110000"/>
-                <a:satMod val="105000"/>
-                <a:tint val="67000"/>
-              </a:schemeClr>
-            </a:gs>
-            <a:gs pos="50000">
-              <a:schemeClr val="phClr">
-                <a:lumMod val="105000"/>
-                <a:satMod val="103000"/>
-                <a:tint val="73000"/>
-              </a:schemeClr>
-            </a:gs>
-            <a:gs pos="100000">
-              <a:schemeClr val="phClr">
-                <a:lumMod val="105000"/>
-                <a:satMod val="109000"/>
-                <a:tint val="81000"/>
-              </a:schemeClr>
-            </a:gs>
-          </a:gsLst>
-          <a:lin ang="5400000" scaled="0"/>
-        </a:gradFill>
-        <a:gradFill rotWithShape="1">
-          <a:gsLst>
-            <a:gs pos="0">
-              <a:schemeClr val="phClr">
-                <a:satMod val="103000"/>
-                <a:lumMod val="102000"/>
-                <a:tint val="94000"/>
-              </a:schemeClr>
-            </a:gs>
-            <a:gs pos="50000">
-              <a:schemeClr val="phClr">
-                <a:satMod val="110000"/>
-                <a:lumMod val="100000"/>
-                <a:shade val="100000"/>
-              </a:schemeClr>
-            </a:gs>
-            <a:gs pos="100000">
-              <a:schemeClr val="phClr">
-                <a:lumMod val="99000"/>
-                <a:satMod val="120000"/>
-                <a:shade val="78000"/>
-              </a:schemeClr>
-            </a:gs>
-          </a:gsLst>
-          <a:lin ang="5400000" scaled="0"/>
-        </a:gradFill>
-      </a:fillStyleLst>
-      <a:lnStyleLst>
-        <a:ln w="6350" cap="flat" cmpd="sng" algn="ctr">
-          <a:solidFill>
-            <a:schemeClr val="phClr"/>
-          </a:solidFill>
-          <a:prstDash val="solid"/>
-          <a:miter lim="800000"/>
-        </a:ln>
-        <a:ln w="12700" cap="flat" cmpd="sng" algn="ctr">
-          <a:solidFill>
-            <a:schemeClr val="phClr"/>
-          </a:solidFill>
-          <a:prstDash val="solid"/>
-          <a:miter lim="800000"/>
-        </a:ln>
-        <a:ln w="19050" cap="flat" cmpd="sng" algn="ctr">
-          <a:solidFill>
-            <a:schemeClr val="phClr"/>
-          </a:solidFill>
-          <a:prstDash val="solid"/>
-          <a:miter lim="800000"/>
-        </a:ln>
-      </a:lnStyleLst>
-      <a:effectStyleLst>
-        <a:effectStyle>
-          <a:effectLst/>
-        </a:effectStyle>
-        <a:effectStyle>
-          <a:effectLst/>
-        </a:effectStyle>
-        <a:effectStyle>
-          <a:effectLst>
-            <a:outerShdw blurRad="57150" dist="19050" dir="5400000" algn="ctr" rotWithShape="0">
-              <a:srgbClr val="000000">
-                <a:alpha val="63000"/>
-              </a:srgbClr>
-            </a:outerShdw>
-          </a:effectLst>
-        </a:effectStyle>
-      </a:effectStyleLst>
-      <a:bgFillStyleLst>
-        <a:solidFill>
-          <a:schemeClr val="phClr"/>
-        </a:solidFill>
-        <a:solidFill>
-          <a:schemeClr val="phClr">
-            <a:tint val="95000"/>
-            <a:satMod val="170000"/>
-          </a:schemeClr>
-        </a:solidFill>
-        <a:gradFill rotWithShape="1">
-          <a:gsLst>
-            <a:gs pos="0">
-              <a:schemeClr val="phClr">
-                <a:tint val="93000"/>
-                <a:satMod val="150000"/>
-                <a:shade val="98000"/>
-                <a:lumMod val="102000"/>
-              </a:schemeClr>
-            </a:gs>
-            <a:gs pos="50000">
-              <a:schemeClr val="phClr">
-                <a:tint val="98000"/>
-                <a:satMod val="130000"/>
-                <a:shade val="90000"/>
-                <a:lumMod val="103000"/>
-              </a:schemeClr>
-            </a:gs>
-            <a:gs pos="100000">
-              <a:schemeClr val="phClr">
-                <a:shade val="63000"/>
-                <a:satMod val="120000"/>
-              </a:schemeClr>
-            </a:gs>
-          </a:gsLst>
-          <a:lin ang="5400000" scaled="0"/>
-        </a:gradFill>
-      </a:bgFillStyleLst>
-    </a:fmtScheme>
-  </a:themeElements>
-  <a:objectDefaults/>
-  <a:extraClrSchemeLst/>
-  <a:extLst>
-    <a:ext uri="{05A4C25C-085E-4340-85A3-A5531E510DB2}">
-      <thm15:themeFamily xmlns:thm15="http://schemas.microsoft.com/office/thememl/2012/main" name="Office Theme" id="{62F939B6-93AF-4DB8-9C6B-D6C7DFDC589F}" vid="{4A3C46E8-61CC-4603-A589-7422A47A8E4A}"/>
-    </a:ext>
-  </a:extLst>
-</a:theme>
 </file>
--- a/observability/slides.pptx
+++ b/observability/slides.pptx
@@ -11,7 +11,6 @@
     <p:sldId id="259" r:id="rId5"/>
     <p:sldId id="260" r:id="rId6"/>
     <p:sldId id="261" r:id="rId7"/>
-    <p:sldId id="262" r:id="rId8"/>
   </p:sldIdLst>
   <p:sldSz cx="9144000" cy="6858000" type="screen4x3"/>
   <p:notesSz cx="6858000" cy="9144000"/>
@@ -3259,61 +3258,11 @@
           </a:p>
           <a:p>
             <a:pPr lvl="0" marL="0" indent="0">
-              <a:spcBef>
-                <a:spcPts val="3000"/>
-              </a:spcBef>
               <a:buNone/>
             </a:pPr>
             <a:r>
-              <a:rPr b="1"/>
-              <a:t>The Challenge</a:t>
-            </a:r>
-          </a:p>
-          <a:p>
-            <a:pPr lvl="0" marL="0" indent="0">
-              <a:buNone/>
-            </a:pPr>
-            <a:r>
-              <a:rPr/>
-              <a:t>Create a codespace from the </a:t>
-            </a:r>
-            <a:r>
-              <a:rPr>
-                <a:hlinkClick r:id="rId2"/>
-              </a:rPr>
-              <a:t>github template</a:t>
-            </a:r>
-            <a:r>
-              <a:rPr/>
-              <a:t> and run:</a:t>
-            </a:r>
-          </a:p>
-          <a:p>
-            <a:pPr lvl="0" indent="0">
-              <a:buNone/>
-            </a:pPr>
-            <a:r>
-              <a:rPr>
-                <a:latin typeface="Courier"/>
-              </a:rPr>
-              <a:t>ansible-playbook toaster.yml</a:t>
-            </a:r>
-          </a:p>
-          <a:p>
-            <a:pPr lvl="0" marL="0" indent="0">
-              <a:buNone/>
-            </a:pPr>
-            <a:r>
-              <a:rPr/>
-              <a:t>Observe the running system and use the umlet vscode plugin to document it with a deployment diagram. Submit the deployment diagram with the uploader at the </a:t>
-            </a:r>
-            <a:r>
-              <a:rPr/>
-              <a:t>end of the presentation</a:t>
-            </a:r>
-            <a:r>
-              <a:rPr/>
-              <a:t>.</a:t>
+              <a:rPr/>
+              <a:t>Note: See chapter 1 and 2 from the text</a:t>
             </a:r>
           </a:p>
         </p:txBody>
@@ -3360,7 +3309,7 @@
             </a:pPr>
             <a:r>
               <a:rPr/>
-              <a:t>Unit</a:t>
+              <a:t>The</a:t>
             </a:r>
             <a:r>
               <a:rPr/>
@@ -3368,15 +3317,7 @@
             </a:r>
             <a:r>
               <a:rPr/>
-              <a:t>Learning</a:t>
-            </a:r>
-            <a:r>
-              <a:rPr/>
-              <a:t> </a:t>
-            </a:r>
-            <a:r>
-              <a:rPr/>
-              <a:t>Objectives</a:t>
+              <a:t>Challenge</a:t>
             </a:r>
           </a:p>
         </p:txBody>
@@ -3396,40 +3337,50 @@
           <a:bodyPr/>
           <a:lstStyle/>
           <a:p>
-            <a:pPr lvl="1"/>
-            <a:r>
-              <a:rPr/>
-              <a:t>Explain the advantages tracing has over plain logging for root cause analysis of an issue.</a:t>
-            </a:r>
-          </a:p>
-          <a:p>
-            <a:pPr lvl="1"/>
-            <a:r>
-              <a:rPr/>
-              <a:t>Consider metrics like utilization, saturation and errors for system health.</a:t>
-            </a:r>
-          </a:p>
-          <a:p>
-            <a:pPr lvl="1"/>
-            <a:r>
-              <a:rPr/>
-              <a:t>Give reasons for REDS/Google golden metrics being an improvement for understanding how happy users will be with a system.</a:t>
-            </a:r>
-          </a:p>
-          <a:p>
-            <a:pPr lvl="1"/>
-            <a:r>
-              <a:rPr/>
-              <a:t>Consider logs, log levels and log models as a way of understanding software issues.</a:t>
-            </a:r>
-          </a:p>
-          <a:p>
             <a:pPr lvl="0" marL="0" indent="0">
               <a:buNone/>
             </a:pPr>
             <a:r>
               <a:rPr/>
-              <a:t>Note: See chapter 1 and 2 from the text</a:t>
+              <a:t>Create a codespace from the </a:t>
+            </a:r>
+            <a:r>
+              <a:rPr>
+                <a:hlinkClick r:id="rId2"/>
+              </a:rPr>
+              <a:t>github template</a:t>
+            </a:r>
+            <a:r>
+              <a:rPr/>
+              <a:t> and run:</a:t>
+            </a:r>
+          </a:p>
+          <a:p>
+            <a:pPr lvl="0" indent="0">
+              <a:buNone/>
+            </a:pPr>
+            <a:r>
+              <a:rPr>
+                <a:latin typeface="Courier"/>
+              </a:rPr>
+              <a:t>ansible-playbook toaster.yml</a:t>
+            </a:r>
+          </a:p>
+          <a:p>
+            <a:pPr lvl="0" marL="0" indent="0">
+              <a:buNone/>
+            </a:pPr>
+            <a:r>
+              <a:rPr/>
+              <a:t>Observe the running system and use the umlet vscode plugin to document it with a deployment diagram. Submit the deployment diagram with the uploader at the </a:t>
+            </a:r>
+            <a:r>
+              <a:rPr/>
+              <a:t>end of the presentation</a:t>
+            </a:r>
+            <a:r>
+              <a:rPr/>
+              <a:t>.</a:t>
             </a:r>
           </a:p>
         </p:txBody>
@@ -3476,7 +3427,7 @@
             </a:pPr>
             <a:r>
               <a:rPr/>
-              <a:t>Consider</a:t>
+              <a:t>Unit</a:t>
             </a:r>
             <a:r>
               <a:rPr/>
@@ -3484,7 +3435,7 @@
             </a:r>
             <a:r>
               <a:rPr/>
-              <a:t>the</a:t>
+              <a:t>Learning</a:t>
             </a:r>
             <a:r>
               <a:rPr/>
@@ -3492,7 +3443,7 @@
             </a:r>
             <a:r>
               <a:rPr/>
-              <a:t>bus</a:t>
+              <a:t>Objectives</a:t>
             </a:r>
           </a:p>
         </p:txBody>
@@ -3512,12 +3463,31 @@
           <a:bodyPr/>
           <a:lstStyle/>
           <a:p>
-            <a:pPr lvl="0" marL="0" indent="0">
-              <a:buNone/>
-            </a:pPr>
-            <a:r>
-              <a:rPr/>
-              <a:t>Who came by bus today? GRT Map</a:t>
+            <a:pPr lvl="1"/>
+            <a:r>
+              <a:rPr/>
+              <a:t>Explain the advantages tracing has over plain logging for root cause analysis of an issue.</a:t>
+            </a:r>
+          </a:p>
+          <a:p>
+            <a:pPr lvl="1"/>
+            <a:r>
+              <a:rPr/>
+              <a:t>Consider metrics like utilization, saturation and errors for system health.</a:t>
+            </a:r>
+          </a:p>
+          <a:p>
+            <a:pPr lvl="1"/>
+            <a:r>
+              <a:rPr/>
+              <a:t>Give reasons for REDS/Google golden metrics being an improvement for understanding how happy users will be with a system.</a:t>
+            </a:r>
+          </a:p>
+          <a:p>
+            <a:pPr lvl="1"/>
+            <a:r>
+              <a:rPr/>
+              <a:t>Consider logs, log levels and log models as a way of understanding software issues.</a:t>
             </a:r>
           </a:p>
         </p:txBody>
@@ -3564,7 +3534,7 @@
             </a:pPr>
             <a:r>
               <a:rPr/>
-              <a:t>Bus</a:t>
+              <a:t>Who</a:t>
             </a:r>
             <a:r>
               <a:rPr/>
@@ -3572,7 +3542,99 @@
             </a:r>
             <a:r>
               <a:rPr/>
-              <a:t>observers</a:t>
+              <a:t>came</a:t>
+            </a:r>
+            <a:r>
+              <a:rPr/>
+              <a:t> </a:t>
+            </a:r>
+            <a:r>
+              <a:rPr/>
+              <a:t>by</a:t>
+            </a:r>
+            <a:r>
+              <a:rPr/>
+              <a:t> </a:t>
+            </a:r>
+            <a:r>
+              <a:rPr/>
+              <a:t>bus</a:t>
+            </a:r>
+            <a:r>
+              <a:rPr/>
+              <a:t> </a:t>
+            </a:r>
+            <a:r>
+              <a:rPr/>
+              <a:t>today?</a:t>
+            </a:r>
+          </a:p>
+        </p:txBody>
+      </p:sp>
+      <p:pic>
+        <p:nvPicPr>
+          <p:cNvPr descr="images/transitMap.jpg" id="0" name="Picture 1"/>
+          <p:cNvPicPr>
+            <a:picLocks noGrp="1" noChangeAspect="1"/>
+          </p:cNvPicPr>
+          <p:nvPr/>
+        </p:nvPicPr>
+        <p:blipFill>
+          <a:blip r:embed="rId2"/>
+          <a:stretch>
+            <a:fillRect/>
+          </a:stretch>
+        </p:blipFill>
+        <p:spPr bwMode="auto">
+          <a:xfrm>
+            <a:off x="1562100" y="1600200"/>
+            <a:ext cx="6019800" cy="4013200"/>
+          </a:xfrm>
+          <a:prstGeom prst="rect">
+            <a:avLst/>
+          </a:prstGeom>
+          <a:noFill/>
+          <a:ln w="9525">
+            <a:noFill/>
+            <a:headEnd/>
+            <a:tailEnd/>
+          </a:ln>
+        </p:spPr>
+      </p:pic>
+      <p:sp>
+        <p:nvSpPr>
+          <p:cNvPr id="1" name="TextBox 3"/>
+          <p:cNvSpPr txBox="1"/>
+          <p:nvPr/>
+        </p:nvSpPr>
+        <p:spPr>
+          <a:xfrm>
+            <a:off x="457200" y="5613400"/>
+            <a:ext cx="8229600" cy="508000"/>
+          </a:xfrm>
+          <a:prstGeom prst="rect">
+            <a:avLst/>
+          </a:prstGeom>
+          <a:noFill/>
+        </p:spPr>
+        <p:txBody>
+          <a:bodyPr/>
+          <a:lstStyle/>
+          <a:p>
+            <a:pPr lvl="0" marL="0" indent="0" algn="ctr">
+              <a:buNone/>
+            </a:pPr>
+            <a:r>
+              <a:rPr/>
+              <a:t>GRT</a:t>
+            </a:r>
+            <a:r>
+              <a:rPr/>
+              <a:t> </a:t>
+            </a:r>
+            <a:r>
+              <a:rPr/>
+              <a:t>Map</a:t>
             </a:r>
           </a:p>
         </p:txBody>
@@ -3609,12 +3671,7 @@
             <p:ph type="title"/>
           </p:nvPr>
         </p:nvSpPr>
-        <p:spPr>
-          <a:xfrm>
-            <a:off x="722313" y="4406900"/>
-            <a:ext cx="7772400" cy="1362075"/>
-          </a:xfrm>
-        </p:spPr>
+        <p:spPr/>
         <p:txBody>
           <a:bodyPr/>
           <a:lstStyle/>
@@ -3624,7 +3681,7 @@
             </a:pPr>
             <a:r>
               <a:rPr/>
-              <a:t>Do</a:t>
+              <a:t>Bus</a:t>
             </a:r>
             <a:r>
               <a:rPr/>
@@ -3632,73 +3689,11 @@
             </a:r>
             <a:r>
               <a:rPr/>
-              <a:t>they</a:t>
-            </a:r>
-            <a:r>
-              <a:rPr/>
-              <a:t> </a:t>
-            </a:r>
-            <a:r>
-              <a:rPr/>
-              <a:t>all</a:t>
-            </a:r>
-            <a:r>
-              <a:rPr/>
-              <a:t> </a:t>
-            </a:r>
-            <a:r>
-              <a:rPr/>
-              <a:t>observe</a:t>
-            </a:r>
-            <a:r>
-              <a:rPr/>
-              <a:t> </a:t>
-            </a:r>
-            <a:r>
-              <a:rPr/>
-              <a:t>the</a:t>
-            </a:r>
-            <a:r>
-              <a:rPr/>
-              <a:t> </a:t>
-            </a:r>
-            <a:r>
-              <a:rPr/>
-              <a:t>same</a:t>
-            </a:r>
-            <a:r>
-              <a:rPr/>
-              <a:t> </a:t>
-            </a:r>
-            <a:r>
-              <a:rPr/>
-              <a:t>things?</a:t>
-            </a:r>
-          </a:p>
-        </p:txBody>
-      </p:sp>
-    </p:spTree>
-  </p:cSld>
-</p:sld>
-</file>
-
-<file path=ppt/slides/slide7.xml><?xml version="1.0" encoding="utf-8"?>
-<p:sld xmlns:a="http://schemas.openxmlformats.org/drawingml/2006/main" xmlns:r="http://schemas.openxmlformats.org/officeDocument/2006/relationships" xmlns:p="http://schemas.openxmlformats.org/presentationml/2006/main">
-  <p:cSld>
-    <p:spTree>
-      <p:nvGrpSpPr>
-        <p:cNvPr id="1" name=""/>
-        <p:cNvGrpSpPr/>
-        <p:nvPr/>
-      </p:nvGrpSpPr>
-      <p:grpSpPr>
-        <a:xfrm>
-          <a:off x="0" y="0"/>
-          <a:ext cx="0" cy="0"/>
-          <a:chOff x="0" y="0"/>
-          <a:chExt cx="0" cy="0"/>
-        </a:xfrm>
-      </p:grpSpPr>
+              <a:t>observers</a:t>
+            </a:r>
+          </a:p>
+        </p:txBody>
+      </p:sp>
       <p:sp>
         <p:nvSpPr>
           <p:cNvPr id="3" name="Content Placeholder 2"/>
@@ -3713,6 +3708,18 @@
         <p:txBody>
           <a:bodyPr/>
           <a:lstStyle/>
+          <a:p>
+            <a:pPr lvl="0" marL="0" indent="0">
+              <a:spcBef>
+                <a:spcPts val="3000"/>
+              </a:spcBef>
+              <a:buNone/>
+            </a:pPr>
+            <a:r>
+              <a:rPr b="1"/>
+              <a:t>Do they all observe the same things?</a:t>
+            </a:r>
+          </a:p>
           <a:p>
             <a:pPr lvl="1"/>
             <a:r>

--- a/observability/slides.pptx
+++ b/observability/slides.pptx
@@ -11,6 +11,12 @@
     <p:sldId id="259" r:id="rId5"/>
     <p:sldId id="260" r:id="rId6"/>
     <p:sldId id="261" r:id="rId7"/>
+    <p:sldId id="262" r:id="rId8"/>
+    <p:sldId id="263" r:id="rId9"/>
+    <p:sldId id="264" r:id="rId10"/>
+    <p:sldId id="265" r:id="rId11"/>
+    <p:sldId id="266" r:id="rId12"/>
+    <p:sldId id="267" r:id="rId13"/>
   </p:sldIdLst>
   <p:sldSz cx="9144000" cy="6858000" type="screen4x3"/>
   <p:notesSz cx="6858000" cy="9144000"/>
@@ -3179,6 +3185,360 @@
 </p:sld>
 </file>
 
+<file path=ppt/slides/slide10.xml><?xml version="1.0" encoding="utf-8"?>
+<p:sld xmlns:a="http://schemas.openxmlformats.org/drawingml/2006/main" xmlns:r="http://schemas.openxmlformats.org/officeDocument/2006/relationships" xmlns:p="http://schemas.openxmlformats.org/presentationml/2006/main">
+  <p:cSld>
+    <p:spTree>
+      <p:nvGrpSpPr>
+        <p:cNvPr id="1" name=""/>
+        <p:cNvGrpSpPr/>
+        <p:nvPr/>
+      </p:nvGrpSpPr>
+      <p:grpSpPr>
+        <a:xfrm>
+          <a:off x="0" y="0"/>
+          <a:ext cx="0" cy="0"/>
+          <a:chOff x="0" y="0"/>
+          <a:chExt cx="0" cy="0"/>
+        </a:xfrm>
+      </p:grpSpPr>
+      <p:sp>
+        <p:nvSpPr>
+          <p:cNvPr id="2" name="Title 1"/>
+          <p:cNvSpPr>
+            <a:spLocks noGrp="1"/>
+          </p:cNvSpPr>
+          <p:nvPr>
+            <p:ph type="title"/>
+          </p:nvPr>
+        </p:nvSpPr>
+        <p:spPr/>
+        <p:txBody>
+          <a:bodyPr/>
+          <a:lstStyle/>
+          <a:p>
+            <a:pPr lvl="0" marL="0" indent="0">
+              <a:buNone/>
+            </a:pPr>
+            <a:r>
+              <a:rPr/>
+              <a:t>Drivers</a:t>
+            </a:r>
+          </a:p>
+        </p:txBody>
+      </p:sp>
+      <p:sp>
+        <p:nvSpPr>
+          <p:cNvPr id="3" name="Content Placeholder 2"/>
+          <p:cNvSpPr>
+            <a:spLocks noGrp="1"/>
+          </p:cNvSpPr>
+          <p:nvPr>
+            <p:ph idx="1"/>
+          </p:nvPr>
+        </p:nvSpPr>
+        <p:spPr/>
+        <p:txBody>
+          <a:bodyPr/>
+          <a:lstStyle/>
+          <a:p>
+            <a:pPr lvl="1"/>
+            <a:r>
+              <a:rPr/>
+              <a:t>care about their own schedules</a:t>
+            </a:r>
+          </a:p>
+          <a:p>
+            <a:pPr lvl="1"/>
+            <a:r>
+              <a:rPr/>
+              <a:t>a customized report produced from the database for them</a:t>
+            </a:r>
+          </a:p>
+          <a:p>
+            <a:pPr lvl="1"/>
+            <a:r>
+              <a:rPr/>
+              <a:t>care about the scheduled arrival times at each stop</a:t>
+            </a:r>
+          </a:p>
+          <a:p>
+            <a:pPr lvl="1"/>
+            <a:r>
+              <a:rPr/>
+              <a:t>could add another difference from schedule attribute to the stop arrival metric in the previous slide with an alert when the metric is greater than 90 seconds in either direction</a:t>
+            </a:r>
+          </a:p>
+        </p:txBody>
+      </p:sp>
+    </p:spTree>
+  </p:cSld>
+</p:sld>
+</file>
+
+<file path=ppt/slides/slide11.xml><?xml version="1.0" encoding="utf-8"?>
+<p:sld xmlns:a="http://schemas.openxmlformats.org/drawingml/2006/main" xmlns:r="http://schemas.openxmlformats.org/officeDocument/2006/relationships" xmlns:p="http://schemas.openxmlformats.org/presentationml/2006/main">
+  <p:cSld>
+    <p:spTree>
+      <p:nvGrpSpPr>
+        <p:cNvPr id="1" name=""/>
+        <p:cNvGrpSpPr/>
+        <p:nvPr/>
+      </p:nvGrpSpPr>
+      <p:grpSpPr>
+        <a:xfrm>
+          <a:off x="0" y="0"/>
+          <a:ext cx="0" cy="0"/>
+          <a:chOff x="0" y="0"/>
+          <a:chExt cx="0" cy="0"/>
+        </a:xfrm>
+      </p:grpSpPr>
+      <p:sp>
+        <p:nvSpPr>
+          <p:cNvPr id="2" name="Title 1"/>
+          <p:cNvSpPr>
+            <a:spLocks noGrp="1"/>
+          </p:cNvSpPr>
+          <p:nvPr>
+            <p:ph type="title"/>
+          </p:nvPr>
+        </p:nvSpPr>
+        <p:spPr/>
+        <p:txBody>
+          <a:bodyPr/>
+          <a:lstStyle/>
+          <a:p>
+            <a:pPr lvl="0" marL="0" indent="0">
+              <a:buNone/>
+            </a:pPr>
+            <a:r>
+              <a:rPr/>
+              <a:t>Staffing</a:t>
+            </a:r>
+            <a:r>
+              <a:rPr/>
+              <a:t> </a:t>
+            </a:r>
+            <a:r>
+              <a:rPr/>
+              <a:t>Coordinators</a:t>
+            </a:r>
+          </a:p>
+        </p:txBody>
+      </p:sp>
+      <p:sp>
+        <p:nvSpPr>
+          <p:cNvPr id="3" name="Content Placeholder 2"/>
+          <p:cNvSpPr>
+            <a:spLocks noGrp="1"/>
+          </p:cNvSpPr>
+          <p:nvPr>
+            <p:ph idx="1"/>
+          </p:nvPr>
+        </p:nvSpPr>
+        <p:spPr/>
+        <p:txBody>
+          <a:bodyPr/>
+          <a:lstStyle/>
+          <a:p>
+            <a:pPr lvl="1"/>
+            <a:r>
+              <a:rPr/>
+              <a:t>care about ridership metrics somewhat for the rare occasions they could schedule an extra bus</a:t>
+            </a:r>
+          </a:p>
+          <a:p>
+            <a:pPr lvl="1"/>
+            <a:r>
+              <a:rPr/>
+              <a:t>care about stop arrival metrics that also include the drivers</a:t>
+            </a:r>
+          </a:p>
+          <a:p>
+            <a:pPr lvl="1"/>
+            <a:r>
+              <a:rPr/>
+              <a:t>drivers can’t be early or late at stops</a:t>
+            </a:r>
+          </a:p>
+        </p:txBody>
+      </p:sp>
+    </p:spTree>
+  </p:cSld>
+</p:sld>
+</file>
+
+<file path=ppt/slides/slide12.xml><?xml version="1.0" encoding="utf-8"?>
+<p:sld xmlns:a="http://schemas.openxmlformats.org/drawingml/2006/main" xmlns:r="http://schemas.openxmlformats.org/officeDocument/2006/relationships" xmlns:p="http://schemas.openxmlformats.org/presentationml/2006/main">
+  <p:cSld>
+    <p:spTree>
+      <p:nvGrpSpPr>
+        <p:cNvPr id="1" name=""/>
+        <p:cNvGrpSpPr/>
+        <p:nvPr/>
+      </p:nvGrpSpPr>
+      <p:grpSpPr>
+        <a:xfrm>
+          <a:off x="0" y="0"/>
+          <a:ext cx="0" cy="0"/>
+          <a:chOff x="0" y="0"/>
+          <a:chExt cx="0" cy="0"/>
+        </a:xfrm>
+      </p:grpSpPr>
+      <p:sp>
+        <p:nvSpPr>
+          <p:cNvPr id="2" name="Title 1"/>
+          <p:cNvSpPr>
+            <a:spLocks noGrp="1"/>
+          </p:cNvSpPr>
+          <p:nvPr>
+            <p:ph type="title"/>
+          </p:nvPr>
+        </p:nvSpPr>
+        <p:spPr/>
+        <p:txBody>
+          <a:bodyPr/>
+          <a:lstStyle/>
+          <a:p>
+            <a:pPr lvl="0" marL="0" indent="0">
+              <a:buNone/>
+            </a:pPr>
+            <a:r>
+              <a:rPr/>
+              <a:t>Different</a:t>
+            </a:r>
+            <a:r>
+              <a:rPr/>
+              <a:t> </a:t>
+            </a:r>
+            <a:r>
+              <a:rPr/>
+              <a:t>Observers</a:t>
+            </a:r>
+            <a:r>
+              <a:rPr/>
+              <a:t> </a:t>
+            </a:r>
+            <a:r>
+              <a:rPr/>
+              <a:t>Have</a:t>
+            </a:r>
+            <a:r>
+              <a:rPr/>
+              <a:t> </a:t>
+            </a:r>
+            <a:r>
+              <a:rPr/>
+              <a:t>Different</a:t>
+            </a:r>
+            <a:r>
+              <a:rPr/>
+              <a:t> </a:t>
+            </a:r>
+            <a:r>
+              <a:rPr/>
+              <a:t>Interests</a:t>
+            </a:r>
+          </a:p>
+        </p:txBody>
+      </p:sp>
+      <p:pic>
+        <p:nvPicPr>
+          <p:cNvPr descr="images/braid.png" id="0" name="Picture 1"/>
+          <p:cNvPicPr>
+            <a:picLocks noGrp="1" noChangeAspect="1"/>
+          </p:cNvPicPr>
+          <p:nvPr/>
+        </p:nvPicPr>
+        <p:blipFill>
+          <a:blip r:embed="rId2"/>
+          <a:stretch>
+            <a:fillRect/>
+          </a:stretch>
+        </p:blipFill>
+        <p:spPr bwMode="auto">
+          <a:xfrm>
+            <a:off x="457200" y="2679700"/>
+            <a:ext cx="8229600" cy="1854200"/>
+          </a:xfrm>
+          <a:prstGeom prst="rect">
+            <a:avLst/>
+          </a:prstGeom>
+          <a:noFill/>
+          <a:ln w="9525">
+            <a:noFill/>
+            <a:headEnd/>
+            <a:tailEnd/>
+          </a:ln>
+        </p:spPr>
+      </p:pic>
+      <p:sp>
+        <p:nvSpPr>
+          <p:cNvPr id="1" name="TextBox 3"/>
+          <p:cNvSpPr txBox="1"/>
+          <p:nvPr/>
+        </p:nvSpPr>
+        <p:spPr>
+          <a:xfrm>
+            <a:off x="457200" y="5613400"/>
+            <a:ext cx="8229600" cy="508000"/>
+          </a:xfrm>
+          <a:prstGeom prst="rect">
+            <a:avLst/>
+          </a:prstGeom>
+          <a:noFill/>
+        </p:spPr>
+        <p:txBody>
+          <a:bodyPr/>
+          <a:lstStyle/>
+          <a:p>
+            <a:pPr lvl="0" marL="0" indent="0" algn="ctr">
+              <a:buNone/>
+            </a:pPr>
+            <a:r>
+              <a:rPr/>
+              <a:t>The</a:t>
+            </a:r>
+            <a:r>
+              <a:rPr/>
+              <a:t> </a:t>
+            </a:r>
+            <a:r>
+              <a:rPr/>
+              <a:t>braid</a:t>
+            </a:r>
+            <a:r>
+              <a:rPr/>
+              <a:t> </a:t>
+            </a:r>
+            <a:r>
+              <a:rPr/>
+              <a:t>of</a:t>
+            </a:r>
+            <a:r>
+              <a:rPr/>
+              <a:t> </a:t>
+            </a:r>
+            <a:r>
+              <a:rPr/>
+              <a:t>open</a:t>
+            </a:r>
+            <a:r>
+              <a:rPr/>
+              <a:t> </a:t>
+            </a:r>
+            <a:r>
+              <a:rPr/>
+              <a:t>telemetry</a:t>
+            </a:r>
+          </a:p>
+        </p:txBody>
+      </p:sp>
+    </p:spTree>
+  </p:cSld>
+</p:sld>
+</file>
+
 <file path=ppt/slides/slide2.xml><?xml version="1.0" encoding="utf-8"?>
 <p:sld xmlns:a="http://schemas.openxmlformats.org/drawingml/2006/main" xmlns:r="http://schemas.openxmlformats.org/officeDocument/2006/relationships" xmlns:p="http://schemas.openxmlformats.org/presentationml/2006/main">
   <p:cSld>
@@ -3689,7 +4049,7 @@
             </a:r>
             <a:r>
               <a:rPr/>
-              <a:t>observers</a:t>
+              <a:t>Stakeholders</a:t>
             </a:r>
           </a:p>
         </p:txBody>
@@ -3717,7 +4077,7 @@
             </a:pPr>
             <a:r>
               <a:rPr b="1"/>
-              <a:t>Do they all observe the same things?</a:t>
+              <a:t>Do they all care about observing the same things?</a:t>
             </a:r>
           </a:p>
           <a:p>
@@ -3753,6 +4113,330 @@
             <a:r>
               <a:rPr/>
               <a:t>staffing coordinators</a:t>
+            </a:r>
+          </a:p>
+          <a:p>
+            <a:pPr lvl="0" marL="0" indent="0">
+              <a:spcBef>
+                <a:spcPts val="3000"/>
+              </a:spcBef>
+              <a:buNone/>
+            </a:pPr>
+            <a:r>
+              <a:rPr b="1"/>
+              <a:t>A complete view of observability integrates the needs of all Stakeholders</a:t>
+            </a:r>
+          </a:p>
+        </p:txBody>
+      </p:sp>
+    </p:spTree>
+  </p:cSld>
+</p:sld>
+</file>
+
+<file path=ppt/slides/slide7.xml><?xml version="1.0" encoding="utf-8"?>
+<p:sld xmlns:a="http://schemas.openxmlformats.org/drawingml/2006/main" xmlns:r="http://schemas.openxmlformats.org/officeDocument/2006/relationships" xmlns:p="http://schemas.openxmlformats.org/presentationml/2006/main">
+  <p:cSld>
+    <p:spTree>
+      <p:nvGrpSpPr>
+        <p:cNvPr id="1" name=""/>
+        <p:cNvGrpSpPr/>
+        <p:nvPr/>
+      </p:nvGrpSpPr>
+      <p:grpSpPr>
+        <a:xfrm>
+          <a:off x="0" y="0"/>
+          <a:ext cx="0" cy="0"/>
+          <a:chOff x="0" y="0"/>
+          <a:chExt cx="0" cy="0"/>
+        </a:xfrm>
+      </p:grpSpPr>
+      <p:sp>
+        <p:nvSpPr>
+          <p:cNvPr id="2" name="Title 1"/>
+          <p:cNvSpPr>
+            <a:spLocks noGrp="1"/>
+          </p:cNvSpPr>
+          <p:nvPr>
+            <p:ph type="title"/>
+          </p:nvPr>
+        </p:nvSpPr>
+        <p:spPr/>
+        <p:txBody>
+          <a:bodyPr/>
+          <a:lstStyle/>
+          <a:p>
+            <a:pPr lvl="0" marL="0" indent="0">
+              <a:buNone/>
+            </a:pPr>
+            <a:r>
+              <a:rPr/>
+              <a:t>Riders</a:t>
+            </a:r>
+            <a:r>
+              <a:rPr/>
+              <a:t> </a:t>
+            </a:r>
+            <a:r>
+              <a:rPr/>
+              <a:t>(users</a:t>
+            </a:r>
+            <a:r>
+              <a:rPr/>
+              <a:t> </a:t>
+            </a:r>
+            <a:r>
+              <a:rPr/>
+              <a:t>of</a:t>
+            </a:r>
+            <a:r>
+              <a:rPr/>
+              <a:t> </a:t>
+            </a:r>
+            <a:r>
+              <a:rPr/>
+              <a:t>the</a:t>
+            </a:r>
+            <a:r>
+              <a:rPr/>
+              <a:t> </a:t>
+            </a:r>
+            <a:r>
+              <a:rPr/>
+              <a:t>system)</a:t>
+            </a:r>
+          </a:p>
+        </p:txBody>
+      </p:sp>
+      <p:sp>
+        <p:nvSpPr>
+          <p:cNvPr id="3" name="Content Placeholder 2"/>
+          <p:cNvSpPr>
+            <a:spLocks noGrp="1"/>
+          </p:cNvSpPr>
+          <p:nvPr>
+            <p:ph idx="1"/>
+          </p:nvPr>
+        </p:nvSpPr>
+        <p:spPr/>
+        <p:txBody>
+          <a:bodyPr/>
+          <a:lstStyle/>
+          <a:p>
+            <a:pPr lvl="1"/>
+            <a:r>
+              <a:rPr/>
+              <a:t>care about the current location of the bus they wish to get on</a:t>
+            </a:r>
+          </a:p>
+          <a:p>
+            <a:pPr lvl="1"/>
+            <a:r>
+              <a:rPr/>
+              <a:t>a metric with attributes of bus: 1234, route: 201, lat: 43.48171410601913, long: -80.51813393653605 timestamp: 1725052424</a:t>
+            </a:r>
+          </a:p>
+          <a:p>
+            <a:pPr lvl="1"/>
+            <a:r>
+              <a:rPr/>
+              <a:t>the eta of the bus at their location</a:t>
+            </a:r>
+          </a:p>
+          <a:p>
+            <a:pPr lvl="1"/>
+            <a:r>
+              <a:rPr/>
+              <a:t>projection from a time series of the last 4 stops and the time it took last time</a:t>
+            </a:r>
+          </a:p>
+        </p:txBody>
+      </p:sp>
+    </p:spTree>
+  </p:cSld>
+</p:sld>
+</file>
+
+<file path=ppt/slides/slide8.xml><?xml version="1.0" encoding="utf-8"?>
+<p:sld xmlns:a="http://schemas.openxmlformats.org/drawingml/2006/main" xmlns:r="http://schemas.openxmlformats.org/officeDocument/2006/relationships" xmlns:p="http://schemas.openxmlformats.org/presentationml/2006/main">
+  <p:cSld>
+    <p:spTree>
+      <p:nvGrpSpPr>
+        <p:cNvPr id="1" name=""/>
+        <p:cNvGrpSpPr/>
+        <p:nvPr/>
+      </p:nvGrpSpPr>
+      <p:grpSpPr>
+        <a:xfrm>
+          <a:off x="0" y="0"/>
+          <a:ext cx="0" cy="0"/>
+          <a:chOff x="0" y="0"/>
+          <a:chExt cx="0" cy="0"/>
+        </a:xfrm>
+      </p:grpSpPr>
+      <p:sp>
+        <p:nvSpPr>
+          <p:cNvPr id="2" name="Title 1"/>
+          <p:cNvSpPr>
+            <a:spLocks noGrp="1"/>
+          </p:cNvSpPr>
+          <p:nvPr>
+            <p:ph type="title"/>
+          </p:nvPr>
+        </p:nvSpPr>
+        <p:spPr/>
+        <p:txBody>
+          <a:bodyPr/>
+          <a:lstStyle/>
+          <a:p>
+            <a:pPr lvl="0" marL="0" indent="0">
+              <a:buNone/>
+            </a:pPr>
+            <a:r>
+              <a:rPr/>
+              <a:t>Municipality</a:t>
+            </a:r>
+          </a:p>
+        </p:txBody>
+      </p:sp>
+      <p:sp>
+        <p:nvSpPr>
+          <p:cNvPr id="3" name="Content Placeholder 2"/>
+          <p:cNvSpPr>
+            <a:spLocks noGrp="1"/>
+          </p:cNvSpPr>
+          <p:nvPr>
+            <p:ph idx="1"/>
+          </p:nvPr>
+        </p:nvSpPr>
+        <p:spPr/>
+        <p:txBody>
+          <a:bodyPr/>
+          <a:lstStyle/>
+          <a:p>
+            <a:pPr lvl="1"/>
+            <a:r>
+              <a:rPr/>
+              <a:t>care about how riders use the system, which buses they take, how many transfers, what time of day</a:t>
+            </a:r>
+          </a:p>
+          <a:p>
+            <a:pPr lvl="1"/>
+            <a:r>
+              <a:rPr/>
+              <a:t>tracing a rider from when they get on their first bus to when they get off their last</a:t>
+            </a:r>
+          </a:p>
+          <a:p>
+            <a:pPr lvl="1"/>
+            <a:r>
+              <a:rPr/>
+              <a:t>care about how many riders are on each bus at any time and place</a:t>
+            </a:r>
+          </a:p>
+          <a:p>
+            <a:pPr lvl="1"/>
+            <a:r>
+              <a:rPr/>
+              <a:t>a metric with attributes of bus: 1234, route: 201, lat: 43.48171410601913, long: -80.51813393653605 timestamp: 1725052424, riders: 42</a:t>
+            </a:r>
+          </a:p>
+        </p:txBody>
+      </p:sp>
+    </p:spTree>
+  </p:cSld>
+</p:sld>
+</file>
+
+<file path=ppt/slides/slide9.xml><?xml version="1.0" encoding="utf-8"?>
+<p:sld xmlns:a="http://schemas.openxmlformats.org/drawingml/2006/main" xmlns:r="http://schemas.openxmlformats.org/officeDocument/2006/relationships" xmlns:p="http://schemas.openxmlformats.org/presentationml/2006/main">
+  <p:cSld>
+    <p:spTree>
+      <p:nvGrpSpPr>
+        <p:cNvPr id="1" name=""/>
+        <p:cNvGrpSpPr/>
+        <p:nvPr/>
+      </p:nvGrpSpPr>
+      <p:grpSpPr>
+        <a:xfrm>
+          <a:off x="0" y="0"/>
+          <a:ext cx="0" cy="0"/>
+          <a:chOff x="0" y="0"/>
+          <a:chExt cx="0" cy="0"/>
+        </a:xfrm>
+      </p:grpSpPr>
+      <p:sp>
+        <p:nvSpPr>
+          <p:cNvPr id="2" name="Title 1"/>
+          <p:cNvSpPr>
+            <a:spLocks noGrp="1"/>
+          </p:cNvSpPr>
+          <p:nvPr>
+            <p:ph type="title"/>
+          </p:nvPr>
+        </p:nvSpPr>
+        <p:spPr/>
+        <p:txBody>
+          <a:bodyPr/>
+          <a:lstStyle/>
+          <a:p>
+            <a:pPr lvl="0" marL="0" indent="0">
+              <a:buNone/>
+            </a:pPr>
+            <a:r>
+              <a:rPr/>
+              <a:t>Garage</a:t>
+            </a:r>
+          </a:p>
+        </p:txBody>
+      </p:sp>
+      <p:sp>
+        <p:nvSpPr>
+          <p:cNvPr id="3" name="Content Placeholder 2"/>
+          <p:cNvSpPr>
+            <a:spLocks noGrp="1"/>
+          </p:cNvSpPr>
+          <p:nvPr>
+            <p:ph idx="1"/>
+          </p:nvPr>
+        </p:nvSpPr>
+        <p:spPr/>
+        <p:txBody>
+          <a:bodyPr/>
+          <a:lstStyle/>
+          <a:p>
+            <a:pPr lvl="1"/>
+            <a:r>
+              <a:rPr/>
+              <a:t>care about logs for the particular bus that they have in front of them</a:t>
+            </a:r>
+          </a:p>
+          <a:p>
+            <a:pPr lvl="1"/>
+            <a:r>
+              <a:rPr/>
+              <a:t>they may do inspections, but will rely on logs to know any problems with the bus</a:t>
+            </a:r>
+          </a:p>
+          <a:p>
+            <a:pPr lvl="1"/>
+            <a:r>
+              <a:rPr/>
+              <a:t>need sensor data for other things like predictive maintenance</a:t>
+            </a:r>
+          </a:p>
+          <a:p>
+            <a:pPr lvl="1"/>
+            <a:r>
+              <a:rPr/>
+              <a:t>this could also be from logs on the bus or from metrics reported directly by sensors</a:t>
+            </a:r>
+          </a:p>
+          <a:p>
+            <a:pPr lvl="1"/>
+            <a:r>
+              <a:rPr/>
+              <a:t>metrics would allow them to get the bus in for predictive maintenance</a:t>
             </a:r>
           </a:p>
         </p:txBody>

--- a/observability/slides.pptx
+++ b/observability/slides.pptx
@@ -17,6 +17,13 @@
     <p:sldId id="265" r:id="rId11"/>
     <p:sldId id="266" r:id="rId12"/>
     <p:sldId id="267" r:id="rId13"/>
+    <p:sldId id="268" r:id="rId14"/>
+    <p:sldId id="269" r:id="rId15"/>
+    <p:sldId id="270" r:id="rId16"/>
+    <p:sldId id="271" r:id="rId17"/>
+    <p:sldId id="272" r:id="rId18"/>
+    <p:sldId id="273" r:id="rId19"/>
+    <p:sldId id="274" r:id="rId20"/>
   </p:sldIdLst>
   <p:sldSz cx="9144000" cy="6858000" type="screen4x3"/>
   <p:notesSz cx="6858000" cy="9144000"/>
@@ -3344,6 +3351,13 @@
             <a:pPr lvl="1"/>
             <a:r>
               <a:rPr/>
+              <a:t>rely on logs to know any problems with the bus</a:t>
+            </a:r>
+          </a:p>
+          <a:p>
+            <a:pPr lvl="1"/>
+            <a:r>
+              <a:rPr/>
               <a:t>care about ridership metrics somewhat for the rare occasions they could schedule an extra bus</a:t>
             </a:r>
           </a:p>
@@ -3351,14 +3365,7 @@
             <a:pPr lvl="1"/>
             <a:r>
               <a:rPr/>
-              <a:t>care about stop arrival metrics that also include the drivers</a:t>
-            </a:r>
-          </a:p>
-          <a:p>
-            <a:pPr lvl="1"/>
-            <a:r>
-              <a:rPr/>
-              <a:t>drivers can’t be early or late at stops</a:t>
+              <a:t>care about stop arrival metrics that also include whether the drivers are early or late at stops</a:t>
             </a:r>
           </a:p>
         </p:txBody>
@@ -3497,7 +3504,7 @@
             </a:pPr>
             <a:r>
               <a:rPr/>
-              <a:t>The</a:t>
+              <a:t>Learning</a:t>
             </a:r>
             <a:r>
               <a:rPr/>
@@ -3505,7 +3512,7 @@
             </a:r>
             <a:r>
               <a:rPr/>
-              <a:t>braid</a:t>
+              <a:t>Open</a:t>
             </a:r>
             <a:r>
               <a:rPr/>
@@ -3513,7 +3520,328 @@
             </a:r>
             <a:r>
               <a:rPr/>
-              <a:t>of</a:t>
+              <a:t>Telemetry</a:t>
+            </a:r>
+          </a:p>
+        </p:txBody>
+      </p:sp>
+    </p:spTree>
+  </p:cSld>
+</p:sld>
+</file>
+
+<file path=ppt/slides/slide13.xml><?xml version="1.0" encoding="utf-8"?>
+<p:sld xmlns:a="http://schemas.openxmlformats.org/drawingml/2006/main" xmlns:r="http://schemas.openxmlformats.org/officeDocument/2006/relationships" xmlns:p="http://schemas.openxmlformats.org/presentationml/2006/main">
+  <p:cSld>
+    <p:spTree>
+      <p:nvGrpSpPr>
+        <p:cNvPr id="1" name=""/>
+        <p:cNvGrpSpPr/>
+        <p:nvPr/>
+      </p:nvGrpSpPr>
+      <p:grpSpPr>
+        <a:xfrm>
+          <a:off x="0" y="0"/>
+          <a:ext cx="0" cy="0"/>
+          <a:chOff x="0" y="0"/>
+          <a:chExt cx="0" cy="0"/>
+        </a:xfrm>
+      </p:grpSpPr>
+      <p:sp>
+        <p:nvSpPr>
+          <p:cNvPr id="2" name="Title 1"/>
+          <p:cNvSpPr>
+            <a:spLocks noGrp="1"/>
+          </p:cNvSpPr>
+          <p:nvPr>
+            <p:ph type="title"/>
+          </p:nvPr>
+        </p:nvSpPr>
+        <p:spPr/>
+        <p:txBody>
+          <a:bodyPr/>
+          <a:lstStyle/>
+          <a:p>
+            <a:pPr lvl="0" marL="0" indent="0">
+              <a:buNone/>
+            </a:pPr>
+            <a:r>
+              <a:rPr/>
+              <a:t>Tracing</a:t>
+            </a:r>
+          </a:p>
+        </p:txBody>
+      </p:sp>
+      <p:sp>
+        <p:nvSpPr>
+          <p:cNvPr id="3" name="Content Placeholder 2"/>
+          <p:cNvSpPr>
+            <a:spLocks noGrp="1"/>
+          </p:cNvSpPr>
+          <p:nvPr>
+            <p:ph idx="1"/>
+          </p:nvPr>
+        </p:nvSpPr>
+        <p:spPr/>
+        <p:txBody>
+          <a:bodyPr/>
+          <a:lstStyle/>
+          <a:p>
+            <a:pPr lvl="1"/>
+            <a:r>
+              <a:rPr/>
+              <a:t>bus example traces a particular rider spanning their entire trip.</a:t>
+            </a:r>
+          </a:p>
+          <a:p>
+            <a:pPr lvl="1"/>
+            <a:r>
+              <a:rPr/>
+              <a:t>the advantage of tracing is that it provides observability of an actor as they go through multiple services</a:t>
+            </a:r>
+          </a:p>
+          <a:p>
+            <a:pPr lvl="1"/>
+            <a:r>
+              <a:rPr/>
+              <a:t>in contrast, logging is from the perspective of the system rather than the actor</a:t>
+            </a:r>
+          </a:p>
+        </p:txBody>
+      </p:sp>
+    </p:spTree>
+  </p:cSld>
+</p:sld>
+</file>
+
+<file path=ppt/slides/slide14.xml><?xml version="1.0" encoding="utf-8"?>
+<p:sld xmlns:a="http://schemas.openxmlformats.org/drawingml/2006/main" xmlns:r="http://schemas.openxmlformats.org/officeDocument/2006/relationships" xmlns:p="http://schemas.openxmlformats.org/presentationml/2006/main">
+  <p:cSld>
+    <p:spTree>
+      <p:nvGrpSpPr>
+        <p:cNvPr id="1" name=""/>
+        <p:cNvGrpSpPr/>
+        <p:nvPr/>
+      </p:nvGrpSpPr>
+      <p:grpSpPr>
+        <a:xfrm>
+          <a:off x="0" y="0"/>
+          <a:ext cx="0" cy="0"/>
+          <a:chOff x="0" y="0"/>
+          <a:chExt cx="0" cy="0"/>
+        </a:xfrm>
+      </p:grpSpPr>
+      <p:sp>
+        <p:nvSpPr>
+          <p:cNvPr id="2" name="Title 1"/>
+          <p:cNvSpPr>
+            <a:spLocks noGrp="1"/>
+          </p:cNvSpPr>
+          <p:nvPr>
+            <p:ph type="title"/>
+          </p:nvPr>
+        </p:nvSpPr>
+        <p:spPr/>
+        <p:txBody>
+          <a:bodyPr/>
+          <a:lstStyle/>
+          <a:p>
+            <a:pPr lvl="0" marL="0" indent="0">
+              <a:buNone/>
+            </a:pPr>
+            <a:r>
+              <a:rPr/>
+              <a:t>Metrics</a:t>
+            </a:r>
+          </a:p>
+        </p:txBody>
+      </p:sp>
+      <p:sp>
+        <p:nvSpPr>
+          <p:cNvPr id="3" name="Content Placeholder 2"/>
+          <p:cNvSpPr>
+            <a:spLocks noGrp="1"/>
+          </p:cNvSpPr>
+          <p:nvPr>
+            <p:ph idx="1"/>
+          </p:nvPr>
+        </p:nvSpPr>
+        <p:spPr/>
+        <p:txBody>
+          <a:bodyPr/>
+          <a:lstStyle/>
+          <a:p>
+            <a:pPr lvl="1"/>
+            <a:r>
+              <a:rPr/>
+              <a:t>key performance indicators for the different stakeholders of the system</a:t>
+            </a:r>
+          </a:p>
+          <a:p>
+            <a:pPr lvl="1"/>
+            <a:r>
+              <a:rPr/>
+              <a:t>in the bus example utilization would be riders</a:t>
+            </a:r>
+          </a:p>
+          <a:p>
+            <a:pPr lvl="1"/>
+            <a:r>
+              <a:rPr/>
+              <a:t>saturation is the riders divided by capacity of the bus</a:t>
+            </a:r>
+          </a:p>
+          <a:p>
+            <a:pPr lvl="1"/>
+            <a:r>
+              <a:rPr/>
+              <a:t>errors are drivers being 90 seconds or more early or late at stops</a:t>
+            </a:r>
+          </a:p>
+        </p:txBody>
+      </p:sp>
+    </p:spTree>
+  </p:cSld>
+</p:sld>
+</file>
+
+<file path=ppt/slides/slide15.xml><?xml version="1.0" encoding="utf-8"?>
+<p:sld xmlns:a="http://schemas.openxmlformats.org/drawingml/2006/main" xmlns:r="http://schemas.openxmlformats.org/officeDocument/2006/relationships" xmlns:p="http://schemas.openxmlformats.org/presentationml/2006/main">
+  <p:cSld>
+    <p:spTree>
+      <p:nvGrpSpPr>
+        <p:cNvPr id="1" name=""/>
+        <p:cNvGrpSpPr/>
+        <p:nvPr/>
+      </p:nvGrpSpPr>
+      <p:grpSpPr>
+        <a:xfrm>
+          <a:off x="0" y="0"/>
+          <a:ext cx="0" cy="0"/>
+          <a:chOff x="0" y="0"/>
+          <a:chExt cx="0" cy="0"/>
+        </a:xfrm>
+      </p:grpSpPr>
+      <p:sp>
+        <p:nvSpPr>
+          <p:cNvPr id="2" name="Title 1"/>
+          <p:cNvSpPr>
+            <a:spLocks noGrp="1"/>
+          </p:cNvSpPr>
+          <p:nvPr>
+            <p:ph type="title"/>
+          </p:nvPr>
+        </p:nvSpPr>
+        <p:spPr/>
+        <p:txBody>
+          <a:bodyPr/>
+          <a:lstStyle/>
+          <a:p>
+            <a:pPr lvl="0" marL="0" indent="0">
+              <a:buNone/>
+            </a:pPr>
+            <a:r>
+              <a:rPr/>
+              <a:t>REDS</a:t>
+            </a:r>
+          </a:p>
+        </p:txBody>
+      </p:sp>
+      <p:sp>
+        <p:nvSpPr>
+          <p:cNvPr id="3" name="Content Placeholder 2"/>
+          <p:cNvSpPr>
+            <a:spLocks noGrp="1"/>
+          </p:cNvSpPr>
+          <p:nvPr>
+            <p:ph idx="1"/>
+          </p:nvPr>
+        </p:nvSpPr>
+        <p:spPr/>
+        <p:txBody>
+          <a:bodyPr/>
+          <a:lstStyle/>
+          <a:p>
+            <a:pPr lvl="0" marL="0" indent="0">
+              <a:buNone/>
+            </a:pPr>
+            <a:r>
+              <a:rPr/>
+              <a:t>Requests</a:t>
+            </a:r>
+          </a:p>
+          <a:p>
+            <a:pPr lvl="0" marL="0" indent="0">
+              <a:buNone/>
+            </a:pPr>
+            <a:r>
+              <a:rPr/>
+              <a:t>Errors</a:t>
+            </a:r>
+          </a:p>
+          <a:p>
+            <a:pPr lvl="0" marL="0" indent="0">
+              <a:buNone/>
+            </a:pPr>
+            <a:r>
+              <a:rPr/>
+              <a:t>Duration</a:t>
+            </a:r>
+          </a:p>
+          <a:p>
+            <a:pPr lvl="0" marL="0" indent="0">
+              <a:buNone/>
+            </a:pPr>
+            <a:r>
+              <a:rPr/>
+              <a:t>Saturation</a:t>
+            </a:r>
+          </a:p>
+        </p:txBody>
+      </p:sp>
+    </p:spTree>
+  </p:cSld>
+</p:sld>
+</file>
+
+<file path=ppt/slides/slide16.xml><?xml version="1.0" encoding="utf-8"?>
+<p:sld xmlns:a="http://schemas.openxmlformats.org/drawingml/2006/main" xmlns:r="http://schemas.openxmlformats.org/officeDocument/2006/relationships" xmlns:p="http://schemas.openxmlformats.org/presentationml/2006/main">
+  <p:cSld>
+    <p:spTree>
+      <p:nvGrpSpPr>
+        <p:cNvPr id="1" name=""/>
+        <p:cNvGrpSpPr/>
+        <p:nvPr/>
+      </p:nvGrpSpPr>
+      <p:grpSpPr>
+        <a:xfrm>
+          <a:off x="0" y="0"/>
+          <a:ext cx="0" cy="0"/>
+          <a:chOff x="0" y="0"/>
+          <a:chExt cx="0" cy="0"/>
+        </a:xfrm>
+      </p:grpSpPr>
+      <p:sp>
+        <p:nvSpPr>
+          <p:cNvPr id="2" name="Title 1"/>
+          <p:cNvSpPr>
+            <a:spLocks noGrp="1"/>
+          </p:cNvSpPr>
+          <p:nvPr>
+            <p:ph type="title"/>
+          </p:nvPr>
+        </p:nvSpPr>
+        <p:spPr/>
+        <p:txBody>
+          <a:bodyPr/>
+          <a:lstStyle/>
+          <a:p>
+            <a:pPr lvl="0" marL="0" indent="0">
+              <a:buNone/>
+            </a:pPr>
+            <a:r>
+              <a:rPr/>
+              <a:t>REDS</a:t>
             </a:r>
             <a:r>
               <a:rPr/>
@@ -3521,7 +3849,98 @@
             </a:r>
             <a:r>
               <a:rPr/>
-              <a:t>open</a:t>
+              <a:t>adds</a:t>
+            </a:r>
+          </a:p>
+        </p:txBody>
+      </p:sp>
+      <p:sp>
+        <p:nvSpPr>
+          <p:cNvPr id="3" name="Content Placeholder 2"/>
+          <p:cNvSpPr>
+            <a:spLocks noGrp="1"/>
+          </p:cNvSpPr>
+          <p:nvPr>
+            <p:ph idx="1"/>
+          </p:nvPr>
+        </p:nvSpPr>
+        <p:spPr/>
+        <p:txBody>
+          <a:bodyPr/>
+          <a:lstStyle/>
+          <a:p>
+            <a:pPr lvl="1"/>
+            <a:r>
+              <a:rPr/>
+              <a:t>requests, for instance the number of riders that start trips</a:t>
+            </a:r>
+          </a:p>
+          <a:p>
+            <a:pPr lvl="1"/>
+            <a:r>
+              <a:rPr/>
+              <a:t>duration, the time they spend on the bus system</a:t>
+            </a:r>
+          </a:p>
+          <a:p>
+            <a:pPr lvl="1"/>
+            <a:r>
+              <a:rPr/>
+              <a:t>in the GRT we don’t tap off so this one is tricky</a:t>
+            </a:r>
+          </a:p>
+          <a:p>
+            <a:pPr lvl="1"/>
+            <a:r>
+              <a:rPr/>
+              <a:t>if we narrow focus to the ticket purchasing app see that errors, requests, and duration tell us something about our user experience</a:t>
+            </a:r>
+          </a:p>
+        </p:txBody>
+      </p:sp>
+    </p:spTree>
+  </p:cSld>
+</p:sld>
+</file>
+
+<file path=ppt/slides/slide17.xml><?xml version="1.0" encoding="utf-8"?>
+<p:sld xmlns:a="http://schemas.openxmlformats.org/drawingml/2006/main" xmlns:r="http://schemas.openxmlformats.org/officeDocument/2006/relationships" xmlns:p="http://schemas.openxmlformats.org/presentationml/2006/main">
+  <p:cSld>
+    <p:spTree>
+      <p:nvGrpSpPr>
+        <p:cNvPr id="1" name=""/>
+        <p:cNvGrpSpPr/>
+        <p:nvPr/>
+      </p:nvGrpSpPr>
+      <p:grpSpPr>
+        <a:xfrm>
+          <a:off x="0" y="0"/>
+          <a:ext cx="0" cy="0"/>
+          <a:chOff x="0" y="0"/>
+          <a:chExt cx="0" cy="0"/>
+        </a:xfrm>
+      </p:grpSpPr>
+      <p:sp>
+        <p:nvSpPr>
+          <p:cNvPr id="2" name="Title 1"/>
+          <p:cNvSpPr>
+            <a:spLocks noGrp="1"/>
+          </p:cNvSpPr>
+          <p:nvPr>
+            <p:ph type="title"/>
+          </p:nvPr>
+        </p:nvSpPr>
+        <p:spPr/>
+        <p:txBody>
+          <a:bodyPr/>
+          <a:lstStyle/>
+          <a:p>
+            <a:pPr lvl="0" marL="0" indent="0">
+              <a:buNone/>
+            </a:pPr>
+            <a:r>
+              <a:rPr/>
+              <a:t>Google</a:t>
             </a:r>
             <a:r>
               <a:rPr/>
@@ -3529,7 +3948,310 @@
             </a:r>
             <a:r>
               <a:rPr/>
-              <a:t>telemetry</a:t>
+              <a:t>Golden</a:t>
+            </a:r>
+            <a:r>
+              <a:rPr/>
+              <a:t> </a:t>
+            </a:r>
+            <a:r>
+              <a:rPr/>
+              <a:t>Signals</a:t>
+            </a:r>
+          </a:p>
+        </p:txBody>
+      </p:sp>
+      <p:sp>
+        <p:nvSpPr>
+          <p:cNvPr id="3" name="Content Placeholder 2"/>
+          <p:cNvSpPr>
+            <a:spLocks noGrp="1"/>
+          </p:cNvSpPr>
+          <p:nvPr>
+            <p:ph idx="1"/>
+          </p:nvPr>
+        </p:nvSpPr>
+        <p:spPr/>
+        <p:txBody>
+          <a:bodyPr/>
+          <a:lstStyle/>
+          <a:p>
+            <a:pPr lvl="0" marL="1270000" indent="0">
+              <a:buNone/>
+            </a:pPr>
+            <a:r>
+              <a:rPr sz="2000"/>
+              <a:t>The four golden signals of monitoring are latency, traffic, errors, and saturation. If you can only measure four metrics of your user-facing system, focus on these four.</a:t>
+            </a:r>
+          </a:p>
+          <a:p>
+            <a:pPr lvl="0" marL="0" indent="0">
+              <a:spcBef>
+                <a:spcPts val="3000"/>
+              </a:spcBef>
+              <a:buNone/>
+            </a:pPr>
+            <a:r>
+              <a:rPr b="1"/>
+              <a:t>Latency</a:t>
+            </a:r>
+          </a:p>
+          <a:p>
+            <a:pPr lvl="1"/>
+            <a:r>
+              <a:rPr/>
+              <a:t>The time it takes to service a request.</a:t>
+            </a:r>
+          </a:p>
+        </p:txBody>
+      </p:sp>
+    </p:spTree>
+  </p:cSld>
+</p:sld>
+</file>
+
+<file path=ppt/slides/slide18.xml><?xml version="1.0" encoding="utf-8"?>
+<p:sld xmlns:a="http://schemas.openxmlformats.org/drawingml/2006/main" xmlns:r="http://schemas.openxmlformats.org/officeDocument/2006/relationships" xmlns:p="http://schemas.openxmlformats.org/presentationml/2006/main">
+  <p:cSld>
+    <p:spTree>
+      <p:nvGrpSpPr>
+        <p:cNvPr id="1" name=""/>
+        <p:cNvGrpSpPr/>
+        <p:nvPr/>
+      </p:nvGrpSpPr>
+      <p:grpSpPr>
+        <a:xfrm>
+          <a:off x="0" y="0"/>
+          <a:ext cx="0" cy="0"/>
+          <a:chOff x="0" y="0"/>
+          <a:chExt cx="0" cy="0"/>
+        </a:xfrm>
+      </p:grpSpPr>
+      <p:sp>
+        <p:nvSpPr>
+          <p:cNvPr id="2" name="Title 1"/>
+          <p:cNvSpPr>
+            <a:spLocks noGrp="1"/>
+          </p:cNvSpPr>
+          <p:nvPr>
+            <p:ph type="title"/>
+          </p:nvPr>
+        </p:nvSpPr>
+        <p:spPr/>
+        <p:txBody>
+          <a:bodyPr/>
+          <a:lstStyle/>
+          <a:p>
+            <a:pPr lvl="0" marL="0" indent="0">
+              <a:buNone/>
+            </a:pPr>
+            <a:r>
+              <a:rPr/>
+              <a:t>Google</a:t>
+            </a:r>
+            <a:r>
+              <a:rPr/>
+              <a:t> </a:t>
+            </a:r>
+            <a:r>
+              <a:rPr/>
+              <a:t>Golden</a:t>
+            </a:r>
+            <a:r>
+              <a:rPr/>
+              <a:t> </a:t>
+            </a:r>
+            <a:r>
+              <a:rPr/>
+              <a:t>Signals</a:t>
+            </a:r>
+            <a:r>
+              <a:rPr/>
+              <a:t> </a:t>
+            </a:r>
+            <a:r>
+              <a:rPr/>
+              <a:t>(cont.)</a:t>
+            </a:r>
+          </a:p>
+        </p:txBody>
+      </p:sp>
+      <p:sp>
+        <p:nvSpPr>
+          <p:cNvPr id="3" name="Content Placeholder 2"/>
+          <p:cNvSpPr>
+            <a:spLocks noGrp="1"/>
+          </p:cNvSpPr>
+          <p:nvPr>
+            <p:ph idx="1"/>
+          </p:nvPr>
+        </p:nvSpPr>
+        <p:spPr/>
+        <p:txBody>
+          <a:bodyPr/>
+          <a:lstStyle/>
+          <a:p>
+            <a:pPr lvl="0" marL="0" indent="0">
+              <a:spcBef>
+                <a:spcPts val="3000"/>
+              </a:spcBef>
+              <a:buNone/>
+            </a:pPr>
+            <a:r>
+              <a:rPr b="1"/>
+              <a:t>Traffic</a:t>
+            </a:r>
+          </a:p>
+          <a:p>
+            <a:pPr lvl="1"/>
+            <a:r>
+              <a:rPr/>
+              <a:t>A measure of how much demand is being placed on your system.</a:t>
+            </a:r>
+          </a:p>
+          <a:p>
+            <a:pPr lvl="0" marL="0" indent="0">
+              <a:spcBef>
+                <a:spcPts val="3000"/>
+              </a:spcBef>
+              <a:buNone/>
+            </a:pPr>
+            <a:r>
+              <a:rPr b="1"/>
+              <a:t>Errors</a:t>
+            </a:r>
+          </a:p>
+          <a:p>
+            <a:pPr lvl="1"/>
+            <a:r>
+              <a:rPr/>
+              <a:t>The rate of requests that fail.</a:t>
+            </a:r>
+          </a:p>
+          <a:p>
+            <a:pPr lvl="0" marL="0" indent="0">
+              <a:spcBef>
+                <a:spcPts val="3000"/>
+              </a:spcBef>
+              <a:buNone/>
+            </a:pPr>
+            <a:r>
+              <a:rPr b="1"/>
+              <a:t>Saturation</a:t>
+            </a:r>
+          </a:p>
+          <a:p>
+            <a:pPr lvl="1"/>
+            <a:r>
+              <a:rPr/>
+              <a:t>How “full” your service is.</a:t>
+            </a:r>
+          </a:p>
+        </p:txBody>
+      </p:sp>
+    </p:spTree>
+  </p:cSld>
+</p:sld>
+</file>
+
+<file path=ppt/slides/slide19.xml><?xml version="1.0" encoding="utf-8"?>
+<p:sld xmlns:a="http://schemas.openxmlformats.org/drawingml/2006/main" xmlns:r="http://schemas.openxmlformats.org/officeDocument/2006/relationships" xmlns:p="http://schemas.openxmlformats.org/presentationml/2006/main">
+  <p:cSld>
+    <p:spTree>
+      <p:nvGrpSpPr>
+        <p:cNvPr id="1" name=""/>
+        <p:cNvGrpSpPr/>
+        <p:nvPr/>
+      </p:nvGrpSpPr>
+      <p:grpSpPr>
+        <a:xfrm>
+          <a:off x="0" y="0"/>
+          <a:ext cx="0" cy="0"/>
+          <a:chOff x="0" y="0"/>
+          <a:chExt cx="0" cy="0"/>
+        </a:xfrm>
+      </p:grpSpPr>
+      <p:sp>
+        <p:nvSpPr>
+          <p:cNvPr id="2" name="Title 1"/>
+          <p:cNvSpPr>
+            <a:spLocks noGrp="1"/>
+          </p:cNvSpPr>
+          <p:nvPr>
+            <p:ph type="title"/>
+          </p:nvPr>
+        </p:nvSpPr>
+        <p:spPr/>
+        <p:txBody>
+          <a:bodyPr/>
+          <a:lstStyle/>
+          <a:p>
+            <a:pPr lvl="0" marL="0" indent="0">
+              <a:buNone/>
+            </a:pPr>
+            <a:r>
+              <a:rPr/>
+              <a:t>Logs</a:t>
+            </a:r>
+          </a:p>
+        </p:txBody>
+      </p:sp>
+      <p:pic>
+        <p:nvPicPr>
+          <p:cNvPr descr="images/ThinkStockPhotos.png" id="0" name="Picture 1"/>
+          <p:cNvPicPr>
+            <a:picLocks noGrp="1" noChangeAspect="1"/>
+          </p:cNvPicPr>
+          <p:nvPr/>
+        </p:nvPicPr>
+        <p:blipFill>
+          <a:blip r:embed="rId2"/>
+          <a:stretch>
+            <a:fillRect/>
+          </a:stretch>
+        </p:blipFill>
+        <p:spPr bwMode="auto">
+          <a:xfrm>
+            <a:off x="1485900" y="1600200"/>
+            <a:ext cx="6184900" cy="4013200"/>
+          </a:xfrm>
+          <a:prstGeom prst="rect">
+            <a:avLst/>
+          </a:prstGeom>
+          <a:noFill/>
+          <a:ln w="9525">
+            <a:noFill/>
+            <a:headEnd/>
+            <a:tailEnd/>
+          </a:ln>
+        </p:spPr>
+      </p:pic>
+      <p:sp>
+        <p:nvSpPr>
+          <p:cNvPr id="1" name="TextBox 3"/>
+          <p:cNvSpPr txBox="1"/>
+          <p:nvPr/>
+        </p:nvSpPr>
+        <p:spPr>
+          <a:xfrm>
+            <a:off x="457200" y="5613400"/>
+            <a:ext cx="8229600" cy="508000"/>
+          </a:xfrm>
+          <a:prstGeom prst="rect">
+            <a:avLst/>
+          </a:prstGeom>
+          <a:noFill/>
+        </p:spPr>
+        <p:txBody>
+          <a:bodyPr/>
+          <a:lstStyle/>
+          <a:p>
+            <a:pPr lvl="0" marL="0" indent="0" algn="ctr">
+              <a:buNone/>
+            </a:pPr>
+            <a:r>
+              <a:rPr/>
+              <a:t>Thinkstock</a:t>
             </a:r>
           </a:p>
         </p:txBody>
@@ -4117,14 +4839,11 @@
           </a:p>
           <a:p>
             <a:pPr lvl="0" marL="0" indent="0">
-              <a:spcBef>
-                <a:spcPts val="3000"/>
-              </a:spcBef>
               <a:buNone/>
             </a:pPr>
             <a:r>
-              <a:rPr b="1"/>
-              <a:t>A complete view of observability integrates the needs of all Stakeholders</a:t>
+              <a:rPr/>
+              <a:t>Complete observability integrates the needs of all Stakeholders</a:t>
             </a:r>
           </a:p>
         </p:txBody>
@@ -4317,7 +5036,7 @@
             <a:pPr lvl="1"/>
             <a:r>
               <a:rPr/>
-              <a:t>care about how riders use the system, which buses they take, how many transfers, what time of day</a:t>
+              <a:t>care about which buses riders take, how many transfers, what time of day, how many riders are on each bus at any time and place</a:t>
             </a:r>
           </a:p>
           <a:p>
@@ -4325,13 +5044,6 @@
             <a:r>
               <a:rPr/>
               <a:t>tracing a rider from when they get on their first bus to when they get off their last</a:t>
-            </a:r>
-          </a:p>
-          <a:p>
-            <a:pPr lvl="1"/>
-            <a:r>
-              <a:rPr/>
-              <a:t>care about how many riders are on each bus at any time and place</a:t>
             </a:r>
           </a:p>
           <a:p>
@@ -4408,14 +5120,7 @@
             <a:pPr lvl="1"/>
             <a:r>
               <a:rPr/>
-              <a:t>care about logs for the particular bus that they have in front of them</a:t>
-            </a:r>
-          </a:p>
-          <a:p>
-            <a:pPr lvl="1"/>
-            <a:r>
-              <a:rPr/>
-              <a:t>they may do inspections, but will rely on logs to know any problems with the bus</a:t>
+              <a:t>care about problem logs for the particular bus that they have in front of them</a:t>
             </a:r>
           </a:p>
           <a:p>

--- a/observability/slides.pptx
+++ b/observability/slides.pptx
@@ -24,6 +24,13 @@
     <p:sldId id="272" r:id="rId18"/>
     <p:sldId id="273" r:id="rId19"/>
     <p:sldId id="274" r:id="rId20"/>
+    <p:sldId id="275" r:id="rId21"/>
+    <p:sldId id="276" r:id="rId22"/>
+    <p:sldId id="277" r:id="rId23"/>
+    <p:sldId id="278" r:id="rId24"/>
+    <p:sldId id="279" r:id="rId25"/>
+    <p:sldId id="280" r:id="rId26"/>
+    <p:sldId id="281" r:id="rId27"/>
   </p:sldIdLst>
   <p:sldSz cx="9144000" cy="6858000" type="screen4x3"/>
   <p:notesSz cx="6858000" cy="9144000"/>
@@ -4345,6 +4352,2115 @@
             <a:r>
               <a:rPr/>
               <a:t>Note: See chapter 1 and 2 from the text</a:t>
+            </a:r>
+          </a:p>
+        </p:txBody>
+      </p:sp>
+    </p:spTree>
+  </p:cSld>
+</p:sld>
+</file>
+
+<file path=ppt/slides/slide20.xml><?xml version="1.0" encoding="utf-8"?>
+<p:sld xmlns:a="http://schemas.openxmlformats.org/drawingml/2006/main" xmlns:r="http://schemas.openxmlformats.org/officeDocument/2006/relationships" xmlns:p="http://schemas.openxmlformats.org/presentationml/2006/main">
+  <p:cSld>
+    <p:spTree>
+      <p:nvGrpSpPr>
+        <p:cNvPr id="1" name=""/>
+        <p:cNvGrpSpPr/>
+        <p:nvPr/>
+      </p:nvGrpSpPr>
+      <p:grpSpPr>
+        <a:xfrm>
+          <a:off x="0" y="0"/>
+          <a:ext cx="0" cy="0"/>
+          <a:chOff x="0" y="0"/>
+          <a:chExt cx="0" cy="0"/>
+        </a:xfrm>
+      </p:grpSpPr>
+      <p:sp>
+        <p:nvSpPr>
+          <p:cNvPr id="2" name="Title 1"/>
+          <p:cNvSpPr>
+            <a:spLocks noGrp="1"/>
+          </p:cNvSpPr>
+          <p:nvPr>
+            <p:ph type="title"/>
+          </p:nvPr>
+        </p:nvSpPr>
+        <p:spPr/>
+        <p:txBody>
+          <a:bodyPr/>
+          <a:lstStyle/>
+          <a:p>
+            <a:pPr lvl="0" marL="0" indent="0">
+              <a:buNone/>
+            </a:pPr>
+            <a:r>
+              <a:rPr/>
+              <a:t>Logs</a:t>
+            </a:r>
+            <a:r>
+              <a:rPr/>
+              <a:t> </a:t>
+            </a:r>
+            <a:r>
+              <a:rPr/>
+              <a:t>…</a:t>
+            </a:r>
+            <a:r>
+              <a:rPr/>
+              <a:t> </a:t>
+            </a:r>
+            <a:r>
+              <a:rPr/>
+              <a:t>topic</a:t>
+            </a:r>
+            <a:r>
+              <a:rPr/>
+              <a:t> </a:t>
+            </a:r>
+            <a:r>
+              <a:rPr/>
+              <a:t>by</a:t>
+            </a:r>
+            <a:r>
+              <a:rPr/>
+              <a:t> </a:t>
+            </a:r>
+            <a:r>
+              <a:rPr/>
+              <a:t>themselves</a:t>
+            </a:r>
+          </a:p>
+        </p:txBody>
+      </p:sp>
+      <p:sp>
+        <p:nvSpPr>
+          <p:cNvPr id="3" name="Content Placeholder 2"/>
+          <p:cNvSpPr>
+            <a:spLocks noGrp="1"/>
+          </p:cNvSpPr>
+          <p:nvPr>
+            <p:ph idx="1"/>
+          </p:nvPr>
+        </p:nvSpPr>
+        <p:spPr/>
+        <p:txBody>
+          <a:bodyPr/>
+          <a:lstStyle/>
+          <a:p>
+            <a:pPr lvl="1"/>
+            <a:r>
+              <a:rPr/>
+              <a:t>text-based messages meant for human consumption that describe the state of a system or service</a:t>
+            </a:r>
+          </a:p>
+          <a:p>
+            <a:pPr lvl="1"/>
+            <a:r>
+              <a:rPr/>
+              <a:t>for instance, that a file couldn’t be written because the storage device was out of space</a:t>
+            </a:r>
+          </a:p>
+          <a:p>
+            <a:pPr lvl="1"/>
+            <a:r>
+              <a:rPr/>
+              <a:t>full observability, by contrast, track available storage capacity</a:t>
+            </a:r>
+          </a:p>
+          <a:p>
+            <a:pPr lvl="1"/>
+            <a:r>
+              <a:rPr/>
+              <a:t>leading indicators to prevent a failure that can be logged</a:t>
+            </a:r>
+          </a:p>
+        </p:txBody>
+      </p:sp>
+    </p:spTree>
+  </p:cSld>
+</p:sld>
+</file>
+
+<file path=ppt/slides/slide21.xml><?xml version="1.0" encoding="utf-8"?>
+<p:sld xmlns:a="http://schemas.openxmlformats.org/drawingml/2006/main" xmlns:r="http://schemas.openxmlformats.org/officeDocument/2006/relationships" xmlns:p="http://schemas.openxmlformats.org/presentationml/2006/main">
+  <p:cSld>
+    <p:spTree>
+      <p:nvGrpSpPr>
+        <p:cNvPr id="1" name=""/>
+        <p:cNvGrpSpPr/>
+        <p:nvPr/>
+      </p:nvGrpSpPr>
+      <p:grpSpPr>
+        <a:xfrm>
+          <a:off x="0" y="0"/>
+          <a:ext cx="0" cy="0"/>
+          <a:chOff x="0" y="0"/>
+          <a:chExt cx="0" cy="0"/>
+        </a:xfrm>
+      </p:grpSpPr>
+      <p:sp>
+        <p:nvSpPr>
+          <p:cNvPr id="2" name="Title 1"/>
+          <p:cNvSpPr>
+            <a:spLocks noGrp="1"/>
+          </p:cNvSpPr>
+          <p:nvPr>
+            <p:ph type="title"/>
+          </p:nvPr>
+        </p:nvSpPr>
+        <p:spPr/>
+        <p:txBody>
+          <a:bodyPr/>
+          <a:lstStyle/>
+          <a:p>
+            <a:pPr lvl="0" marL="0" indent="0">
+              <a:buNone/>
+            </a:pPr>
+            <a:r>
+              <a:rPr/>
+              <a:t>Log</a:t>
+            </a:r>
+            <a:r>
+              <a:rPr/>
+              <a:t> </a:t>
+            </a:r>
+            <a:r>
+              <a:rPr/>
+              <a:t>levels</a:t>
+            </a:r>
+          </a:p>
+        </p:txBody>
+      </p:sp>
+      <p:graphicFrame>
+        <p:nvGraphicFramePr>
+          <p:cNvPr id="6" name="Content Placeholder 5"/>
+          <p:cNvGraphicFramePr>
+            <a:graphicFrameLocks noGrp="1"/>
+          </p:cNvGraphicFramePr>
+          <p:nvPr>
+            <p:ph idx="1"/>
+          </p:nvPr>
+        </p:nvGraphicFramePr>
+        <p:xfrm>
+          <a:off x="457200" y="1600200"/>
+          <a:ext cx="8229600" cy="4521200"/>
+        </p:xfrm>
+        <a:graphic>
+          <a:graphicData uri="http://schemas.openxmlformats.org/drawingml/2006/table">
+            <a:tbl>
+              <a:tblPr firstRow="1" bandRow="1">
+                <a:tableStyleId>{5C22544A-7EE6-4342-B048-85BDC9FD1C3A}</a:tableStyleId>
+              </a:tblPr>
+              <a:tblGrid>
+                <a:gridCol w="4114800"/>
+                <a:gridCol w="4114800"/>
+              </a:tblGrid>
+              <a:tr h="0">
+                <a:tc>
+                  <a:txBody>
+                    <a:bodyPr/>
+                    <a:lstStyle/>
+                    <a:p>
+                      <a:pPr lvl="0" marL="0" indent="0">
+                        <a:buNone/>
+                      </a:pPr>
+                      <a:r>
+                        <a:rPr/>
+                        <a:t>Level</a:t>
+                      </a:r>
+                    </a:p>
+                  </a:txBody>
+                  <a:tcPr/>
+                </a:tc>
+                <a:tc>
+                  <a:txBody>
+                    <a:bodyPr/>
+                    <a:lstStyle/>
+                    <a:p>
+                      <a:pPr lvl="0" marL="0" indent="0">
+                        <a:buNone/>
+                      </a:pPr>
+                      <a:r>
+                        <a:rPr/>
+                        <a:t>What</a:t>
+                      </a:r>
+                      <a:r>
+                        <a:rPr/>
+                        <a:t> </a:t>
+                      </a:r>
+                      <a:r>
+                        <a:rPr/>
+                        <a:t>it</a:t>
+                      </a:r>
+                      <a:r>
+                        <a:rPr/>
+                        <a:t> </a:t>
+                      </a:r>
+                      <a:r>
+                        <a:rPr/>
+                        <a:t>means</a:t>
+                      </a:r>
+                      <a:r>
+                        <a:rPr/>
+                        <a:t> </a:t>
+                      </a:r>
+                      <a:r>
+                        <a:rPr/>
+                        <a:t>/</a:t>
+                      </a:r>
+                      <a:r>
+                        <a:rPr/>
+                        <a:t> </a:t>
+                      </a:r>
+                      <a:r>
+                        <a:rPr/>
+                        <a:t>When</a:t>
+                      </a:r>
+                      <a:r>
+                        <a:rPr/>
+                        <a:t> </a:t>
+                      </a:r>
+                      <a:r>
+                        <a:rPr/>
+                        <a:t>to</a:t>
+                      </a:r>
+                      <a:r>
+                        <a:rPr/>
+                        <a:t> </a:t>
+                      </a:r>
+                      <a:r>
+                        <a:rPr/>
+                        <a:t>use</a:t>
+                      </a:r>
+                      <a:r>
+                        <a:rPr/>
+                        <a:t> </a:t>
+                      </a:r>
+                      <a:r>
+                        <a:rPr/>
+                        <a:t>it</a:t>
+                      </a:r>
+                    </a:p>
+                  </a:txBody>
+                  <a:tcPr/>
+                </a:tc>
+              </a:tr>
+              <a:tr h="0">
+                <a:tc>
+                  <a:txBody>
+                    <a:bodyPr/>
+                    <a:lstStyle/>
+                    <a:p>
+                      <a:pPr lvl="0" marL="0" indent="0">
+                        <a:buNone/>
+                      </a:pPr>
+                      <a:r>
+                        <a:rPr/>
+                        <a:t>logging.NOTSET</a:t>
+                      </a:r>
+                    </a:p>
+                  </a:txBody>
+                </a:tc>
+                <a:tc>
+                  <a:txBody>
+                    <a:bodyPr/>
+                    <a:lstStyle/>
+                    <a:p>
+                      <a:pPr lvl="0" marL="0" indent="0">
+                        <a:buNone/>
+                      </a:pPr>
+                      <a:r>
+                        <a:rPr/>
+                        <a:t>When</a:t>
+                      </a:r>
+                      <a:r>
+                        <a:rPr/>
+                        <a:t> </a:t>
+                      </a:r>
+                      <a:r>
+                        <a:rPr/>
+                        <a:t>set</a:t>
+                      </a:r>
+                      <a:r>
+                        <a:rPr/>
+                        <a:t> </a:t>
+                      </a:r>
+                      <a:r>
+                        <a:rPr/>
+                        <a:t>on</a:t>
+                      </a:r>
+                      <a:r>
+                        <a:rPr/>
+                        <a:t> </a:t>
+                      </a:r>
+                      <a:r>
+                        <a:rPr/>
+                        <a:t>a</a:t>
+                      </a:r>
+                      <a:r>
+                        <a:rPr/>
+                        <a:t> </a:t>
+                      </a:r>
+                      <a:r>
+                        <a:rPr/>
+                        <a:t>logger,</a:t>
+                      </a:r>
+                      <a:r>
+                        <a:rPr/>
+                        <a:t> </a:t>
+                      </a:r>
+                      <a:r>
+                        <a:rPr/>
+                        <a:t>indicates</a:t>
+                      </a:r>
+                      <a:r>
+                        <a:rPr/>
+                        <a:t> </a:t>
+                      </a:r>
+                      <a:r>
+                        <a:rPr/>
+                        <a:t>that</a:t>
+                      </a:r>
+                      <a:r>
+                        <a:rPr/>
+                        <a:t> </a:t>
+                      </a:r>
+                      <a:r>
+                        <a:rPr/>
+                        <a:t>ancestor</a:t>
+                      </a:r>
+                      <a:r>
+                        <a:rPr/>
+                        <a:t> </a:t>
+                      </a:r>
+                      <a:r>
+                        <a:rPr/>
+                        <a:t>loggers</a:t>
+                      </a:r>
+                      <a:r>
+                        <a:rPr/>
+                        <a:t> </a:t>
+                      </a:r>
+                      <a:r>
+                        <a:rPr/>
+                        <a:t>are</a:t>
+                      </a:r>
+                      <a:r>
+                        <a:rPr/>
+                        <a:t> </a:t>
+                      </a:r>
+                      <a:r>
+                        <a:rPr/>
+                        <a:t>to</a:t>
+                      </a:r>
+                      <a:r>
+                        <a:rPr/>
+                        <a:t> </a:t>
+                      </a:r>
+                      <a:r>
+                        <a:rPr/>
+                        <a:t>be</a:t>
+                      </a:r>
+                      <a:r>
+                        <a:rPr/>
+                        <a:t> </a:t>
+                      </a:r>
+                      <a:r>
+                        <a:rPr/>
+                        <a:t>consulted</a:t>
+                      </a:r>
+                      <a:r>
+                        <a:rPr/>
+                        <a:t> </a:t>
+                      </a:r>
+                      <a:r>
+                        <a:rPr/>
+                        <a:t>to</a:t>
+                      </a:r>
+                      <a:r>
+                        <a:rPr/>
+                        <a:t> </a:t>
+                      </a:r>
+                      <a:r>
+                        <a:rPr/>
+                        <a:t>determine</a:t>
+                      </a:r>
+                      <a:r>
+                        <a:rPr/>
+                        <a:t> </a:t>
+                      </a:r>
+                      <a:r>
+                        <a:rPr/>
+                        <a:t>the</a:t>
+                      </a:r>
+                      <a:r>
+                        <a:rPr/>
+                        <a:t> </a:t>
+                      </a:r>
+                      <a:r>
+                        <a:rPr/>
+                        <a:t>effective</a:t>
+                      </a:r>
+                      <a:r>
+                        <a:rPr/>
+                        <a:t> </a:t>
+                      </a:r>
+                      <a:r>
+                        <a:rPr/>
+                        <a:t>level.</a:t>
+                      </a:r>
+                      <a:r>
+                        <a:rPr/>
+                        <a:t> </a:t>
+                      </a:r>
+                      <a:r>
+                        <a:rPr/>
+                        <a:t>If</a:t>
+                      </a:r>
+                      <a:r>
+                        <a:rPr/>
+                        <a:t> </a:t>
+                      </a:r>
+                      <a:r>
+                        <a:rPr/>
+                        <a:t>that</a:t>
+                      </a:r>
+                      <a:r>
+                        <a:rPr/>
+                        <a:t> </a:t>
+                      </a:r>
+                      <a:r>
+                        <a:rPr/>
+                        <a:t>still</a:t>
+                      </a:r>
+                      <a:r>
+                        <a:rPr/>
+                        <a:t> </a:t>
+                      </a:r>
+                      <a:r>
+                        <a:rPr/>
+                        <a:t>resolves</a:t>
+                      </a:r>
+                      <a:r>
+                        <a:rPr/>
+                        <a:t> </a:t>
+                      </a:r>
+                      <a:r>
+                        <a:rPr/>
+                        <a:t>to</a:t>
+                      </a:r>
+                      <a:r>
+                        <a:rPr/>
+                        <a:t> </a:t>
+                      </a:r>
+                      <a:r>
+                        <a:rPr/>
+                        <a:t>NOTSET,</a:t>
+                      </a:r>
+                      <a:r>
+                        <a:rPr/>
+                        <a:t> </a:t>
+                      </a:r>
+                      <a:r>
+                        <a:rPr/>
+                        <a:t>then</a:t>
+                      </a:r>
+                      <a:r>
+                        <a:rPr/>
+                        <a:t> </a:t>
+                      </a:r>
+                      <a:r>
+                        <a:rPr/>
+                        <a:t>all</a:t>
+                      </a:r>
+                      <a:r>
+                        <a:rPr/>
+                        <a:t> </a:t>
+                      </a:r>
+                      <a:r>
+                        <a:rPr/>
+                        <a:t>events</a:t>
+                      </a:r>
+                      <a:r>
+                        <a:rPr/>
+                        <a:t> </a:t>
+                      </a:r>
+                      <a:r>
+                        <a:rPr/>
+                        <a:t>are</a:t>
+                      </a:r>
+                      <a:r>
+                        <a:rPr/>
+                        <a:t> </a:t>
+                      </a:r>
+                      <a:r>
+                        <a:rPr/>
+                        <a:t>logged.</a:t>
+                      </a:r>
+                      <a:r>
+                        <a:rPr/>
+                        <a:t> </a:t>
+                      </a:r>
+                      <a:r>
+                        <a:rPr/>
+                        <a:t>When</a:t>
+                      </a:r>
+                      <a:r>
+                        <a:rPr/>
+                        <a:t> </a:t>
+                      </a:r>
+                      <a:r>
+                        <a:rPr/>
+                        <a:t>set</a:t>
+                      </a:r>
+                      <a:r>
+                        <a:rPr/>
+                        <a:t> </a:t>
+                      </a:r>
+                      <a:r>
+                        <a:rPr/>
+                        <a:t>on</a:t>
+                      </a:r>
+                      <a:r>
+                        <a:rPr/>
+                        <a:t> </a:t>
+                      </a:r>
+                      <a:r>
+                        <a:rPr/>
+                        <a:t>a</a:t>
+                      </a:r>
+                      <a:r>
+                        <a:rPr/>
+                        <a:t> </a:t>
+                      </a:r>
+                      <a:r>
+                        <a:rPr/>
+                        <a:t>handler,</a:t>
+                      </a:r>
+                      <a:r>
+                        <a:rPr/>
+                        <a:t> </a:t>
+                      </a:r>
+                      <a:r>
+                        <a:rPr/>
+                        <a:t>all</a:t>
+                      </a:r>
+                      <a:r>
+                        <a:rPr/>
+                        <a:t> </a:t>
+                      </a:r>
+                      <a:r>
+                        <a:rPr/>
+                        <a:t>events</a:t>
+                      </a:r>
+                      <a:r>
+                        <a:rPr/>
+                        <a:t> </a:t>
+                      </a:r>
+                      <a:r>
+                        <a:rPr/>
+                        <a:t>are</a:t>
+                      </a:r>
+                      <a:r>
+                        <a:rPr/>
+                        <a:t> </a:t>
+                      </a:r>
+                      <a:r>
+                        <a:rPr/>
+                        <a:t>handled.</a:t>
+                      </a:r>
+                    </a:p>
+                  </a:txBody>
+                </a:tc>
+              </a:tr>
+              <a:tr h="0">
+                <a:tc>
+                  <a:txBody>
+                    <a:bodyPr/>
+                    <a:lstStyle/>
+                    <a:p>
+                      <a:pPr lvl="0" marL="0" indent="0">
+                        <a:buNone/>
+                      </a:pPr>
+                      <a:r>
+                        <a:rPr/>
+                        <a:t>logging.DEBUG</a:t>
+                      </a:r>
+                    </a:p>
+                  </a:txBody>
+                </a:tc>
+                <a:tc>
+                  <a:txBody>
+                    <a:bodyPr/>
+                    <a:lstStyle/>
+                    <a:p>
+                      <a:pPr lvl="0" marL="0" indent="0">
+                        <a:buNone/>
+                      </a:pPr>
+                      <a:r>
+                        <a:rPr/>
+                        <a:t>Detailed</a:t>
+                      </a:r>
+                      <a:r>
+                        <a:rPr/>
+                        <a:t> </a:t>
+                      </a:r>
+                      <a:r>
+                        <a:rPr/>
+                        <a:t>information,</a:t>
+                      </a:r>
+                      <a:r>
+                        <a:rPr/>
+                        <a:t> </a:t>
+                      </a:r>
+                      <a:r>
+                        <a:rPr/>
+                        <a:t>typically</a:t>
+                      </a:r>
+                      <a:r>
+                        <a:rPr/>
+                        <a:t> </a:t>
+                      </a:r>
+                      <a:r>
+                        <a:rPr/>
+                        <a:t>only</a:t>
+                      </a:r>
+                      <a:r>
+                        <a:rPr/>
+                        <a:t> </a:t>
+                      </a:r>
+                      <a:r>
+                        <a:rPr/>
+                        <a:t>of</a:t>
+                      </a:r>
+                      <a:r>
+                        <a:rPr/>
+                        <a:t> </a:t>
+                      </a:r>
+                      <a:r>
+                        <a:rPr/>
+                        <a:t>interest</a:t>
+                      </a:r>
+                      <a:r>
+                        <a:rPr/>
+                        <a:t> </a:t>
+                      </a:r>
+                      <a:r>
+                        <a:rPr/>
+                        <a:t>to</a:t>
+                      </a:r>
+                      <a:r>
+                        <a:rPr/>
+                        <a:t> </a:t>
+                      </a:r>
+                      <a:r>
+                        <a:rPr/>
+                        <a:t>a</a:t>
+                      </a:r>
+                      <a:r>
+                        <a:rPr/>
+                        <a:t> </a:t>
+                      </a:r>
+                      <a:r>
+                        <a:rPr/>
+                        <a:t>developer</a:t>
+                      </a:r>
+                      <a:r>
+                        <a:rPr/>
+                        <a:t> </a:t>
+                      </a:r>
+                      <a:r>
+                        <a:rPr/>
+                        <a:t>trying</a:t>
+                      </a:r>
+                      <a:r>
+                        <a:rPr/>
+                        <a:t> </a:t>
+                      </a:r>
+                      <a:r>
+                        <a:rPr/>
+                        <a:t>to</a:t>
+                      </a:r>
+                      <a:r>
+                        <a:rPr/>
+                        <a:t> </a:t>
+                      </a:r>
+                      <a:r>
+                        <a:rPr/>
+                        <a:t>diagnose</a:t>
+                      </a:r>
+                      <a:r>
+                        <a:rPr/>
+                        <a:t> </a:t>
+                      </a:r>
+                      <a:r>
+                        <a:rPr/>
+                        <a:t>a</a:t>
+                      </a:r>
+                      <a:r>
+                        <a:rPr/>
+                        <a:t> </a:t>
+                      </a:r>
+                      <a:r>
+                        <a:rPr/>
+                        <a:t>problem.</a:t>
+                      </a:r>
+                    </a:p>
+                  </a:txBody>
+                </a:tc>
+              </a:tr>
+              <a:tr h="0">
+                <a:tc>
+                  <a:txBody>
+                    <a:bodyPr/>
+                    <a:lstStyle/>
+                    <a:p>
+                      <a:pPr lvl="0" marL="0" indent="0">
+                        <a:buNone/>
+                      </a:pPr>
+                      <a:r>
+                        <a:rPr/>
+                        <a:t>logging.INFO</a:t>
+                      </a:r>
+                    </a:p>
+                  </a:txBody>
+                </a:tc>
+                <a:tc>
+                  <a:txBody>
+                    <a:bodyPr/>
+                    <a:lstStyle/>
+                    <a:p>
+                      <a:pPr lvl="0" marL="0" indent="0">
+                        <a:buNone/>
+                      </a:pPr>
+                      <a:r>
+                        <a:rPr/>
+                        <a:t>Confirmation</a:t>
+                      </a:r>
+                      <a:r>
+                        <a:rPr/>
+                        <a:t> </a:t>
+                      </a:r>
+                      <a:r>
+                        <a:rPr/>
+                        <a:t>that</a:t>
+                      </a:r>
+                      <a:r>
+                        <a:rPr/>
+                        <a:t> </a:t>
+                      </a:r>
+                      <a:r>
+                        <a:rPr/>
+                        <a:t>things</a:t>
+                      </a:r>
+                      <a:r>
+                        <a:rPr/>
+                        <a:t> </a:t>
+                      </a:r>
+                      <a:r>
+                        <a:rPr/>
+                        <a:t>are</a:t>
+                      </a:r>
+                      <a:r>
+                        <a:rPr/>
+                        <a:t> </a:t>
+                      </a:r>
+                      <a:r>
+                        <a:rPr/>
+                        <a:t>working</a:t>
+                      </a:r>
+                      <a:r>
+                        <a:rPr/>
+                        <a:t> </a:t>
+                      </a:r>
+                      <a:r>
+                        <a:rPr/>
+                        <a:t>as</a:t>
+                      </a:r>
+                      <a:r>
+                        <a:rPr/>
+                        <a:t> </a:t>
+                      </a:r>
+                      <a:r>
+                        <a:rPr/>
+                        <a:t>expected.</a:t>
+                      </a:r>
+                    </a:p>
+                  </a:txBody>
+                </a:tc>
+              </a:tr>
+            </a:tbl>
+          </a:graphicData>
+        </a:graphic>
+      </p:graphicFrame>
+    </p:spTree>
+  </p:cSld>
+</p:sld>
+</file>
+
+<file path=ppt/slides/slide22.xml><?xml version="1.0" encoding="utf-8"?>
+<p:sld xmlns:a="http://schemas.openxmlformats.org/drawingml/2006/main" xmlns:r="http://schemas.openxmlformats.org/officeDocument/2006/relationships" xmlns:p="http://schemas.openxmlformats.org/presentationml/2006/main">
+  <p:cSld>
+    <p:spTree>
+      <p:nvGrpSpPr>
+        <p:cNvPr id="1" name=""/>
+        <p:cNvGrpSpPr/>
+        <p:nvPr/>
+      </p:nvGrpSpPr>
+      <p:grpSpPr>
+        <a:xfrm>
+          <a:off x="0" y="0"/>
+          <a:ext cx="0" cy="0"/>
+          <a:chOff x="0" y="0"/>
+          <a:chExt cx="0" cy="0"/>
+        </a:xfrm>
+      </p:grpSpPr>
+      <p:sp>
+        <p:nvSpPr>
+          <p:cNvPr id="2" name="Title 1"/>
+          <p:cNvSpPr>
+            <a:spLocks noGrp="1"/>
+          </p:cNvSpPr>
+          <p:nvPr>
+            <p:ph type="title"/>
+          </p:nvPr>
+        </p:nvSpPr>
+        <p:spPr/>
+        <p:txBody>
+          <a:bodyPr/>
+          <a:lstStyle/>
+          <a:p>
+            <a:pPr lvl="0" marL="0" indent="0">
+              <a:buNone/>
+            </a:pPr>
+            <a:r>
+              <a:rPr/>
+              <a:t>Log</a:t>
+            </a:r>
+            <a:r>
+              <a:rPr/>
+              <a:t> </a:t>
+            </a:r>
+            <a:r>
+              <a:rPr/>
+              <a:t>levels</a:t>
+            </a:r>
+            <a:r>
+              <a:rPr/>
+              <a:t> </a:t>
+            </a:r>
+            <a:r>
+              <a:rPr/>
+              <a:t>(cont)</a:t>
+            </a:r>
+          </a:p>
+        </p:txBody>
+      </p:sp>
+      <p:graphicFrame>
+        <p:nvGraphicFramePr>
+          <p:cNvPr id="6" name="Content Placeholder 5"/>
+          <p:cNvGraphicFramePr>
+            <a:graphicFrameLocks noGrp="1"/>
+          </p:cNvGraphicFramePr>
+          <p:nvPr>
+            <p:ph idx="1"/>
+          </p:nvPr>
+        </p:nvGraphicFramePr>
+        <p:xfrm>
+          <a:off x="457200" y="1600200"/>
+          <a:ext cx="8229600" cy="4521200"/>
+        </p:xfrm>
+        <a:graphic>
+          <a:graphicData uri="http://schemas.openxmlformats.org/drawingml/2006/table">
+            <a:tbl>
+              <a:tblPr firstRow="1" bandRow="1">
+                <a:tableStyleId>{5C22544A-7EE6-4342-B048-85BDC9FD1C3A}</a:tableStyleId>
+              </a:tblPr>
+              <a:tblGrid>
+                <a:gridCol w="4114800"/>
+                <a:gridCol w="4114800"/>
+              </a:tblGrid>
+              <a:tr h="0">
+                <a:tc>
+                  <a:txBody>
+                    <a:bodyPr/>
+                    <a:lstStyle/>
+                    <a:p>
+                      <a:pPr lvl="0" marL="0" indent="0">
+                        <a:buNone/>
+                      </a:pPr>
+                      <a:r>
+                        <a:rPr/>
+                        <a:t>Level</a:t>
+                      </a:r>
+                    </a:p>
+                  </a:txBody>
+                  <a:tcPr/>
+                </a:tc>
+                <a:tc>
+                  <a:txBody>
+                    <a:bodyPr/>
+                    <a:lstStyle/>
+                    <a:p>
+                      <a:pPr lvl="0" marL="0" indent="0">
+                        <a:buNone/>
+                      </a:pPr>
+                      <a:r>
+                        <a:rPr/>
+                        <a:t>What</a:t>
+                      </a:r>
+                      <a:r>
+                        <a:rPr/>
+                        <a:t> </a:t>
+                      </a:r>
+                      <a:r>
+                        <a:rPr/>
+                        <a:t>it</a:t>
+                      </a:r>
+                      <a:r>
+                        <a:rPr/>
+                        <a:t> </a:t>
+                      </a:r>
+                      <a:r>
+                        <a:rPr/>
+                        <a:t>means</a:t>
+                      </a:r>
+                      <a:r>
+                        <a:rPr/>
+                        <a:t> </a:t>
+                      </a:r>
+                      <a:r>
+                        <a:rPr/>
+                        <a:t>/</a:t>
+                      </a:r>
+                      <a:r>
+                        <a:rPr/>
+                        <a:t> </a:t>
+                      </a:r>
+                      <a:r>
+                        <a:rPr/>
+                        <a:t>When</a:t>
+                      </a:r>
+                      <a:r>
+                        <a:rPr/>
+                        <a:t> </a:t>
+                      </a:r>
+                      <a:r>
+                        <a:rPr/>
+                        <a:t>to</a:t>
+                      </a:r>
+                      <a:r>
+                        <a:rPr/>
+                        <a:t> </a:t>
+                      </a:r>
+                      <a:r>
+                        <a:rPr/>
+                        <a:t>use</a:t>
+                      </a:r>
+                      <a:r>
+                        <a:rPr/>
+                        <a:t> </a:t>
+                      </a:r>
+                      <a:r>
+                        <a:rPr/>
+                        <a:t>it</a:t>
+                      </a:r>
+                    </a:p>
+                  </a:txBody>
+                  <a:tcPr/>
+                </a:tc>
+              </a:tr>
+              <a:tr h="0">
+                <a:tc>
+                  <a:txBody>
+                    <a:bodyPr/>
+                    <a:lstStyle/>
+                    <a:p>
+                      <a:pPr lvl="0" marL="0" indent="0">
+                        <a:buNone/>
+                      </a:pPr>
+                      <a:r>
+                        <a:rPr/>
+                        <a:t>logging.WARNING</a:t>
+                      </a:r>
+                    </a:p>
+                  </a:txBody>
+                </a:tc>
+                <a:tc>
+                  <a:txBody>
+                    <a:bodyPr/>
+                    <a:lstStyle/>
+                    <a:p>
+                      <a:pPr lvl="0" marL="0" indent="0">
+                        <a:buNone/>
+                      </a:pPr>
+                      <a:r>
+                        <a:rPr/>
+                        <a:t>An</a:t>
+                      </a:r>
+                      <a:r>
+                        <a:rPr/>
+                        <a:t> </a:t>
+                      </a:r>
+                      <a:r>
+                        <a:rPr/>
+                        <a:t>indication</a:t>
+                      </a:r>
+                      <a:r>
+                        <a:rPr/>
+                        <a:t> </a:t>
+                      </a:r>
+                      <a:r>
+                        <a:rPr/>
+                        <a:t>that</a:t>
+                      </a:r>
+                      <a:r>
+                        <a:rPr/>
+                        <a:t> </a:t>
+                      </a:r>
+                      <a:r>
+                        <a:rPr/>
+                        <a:t>something</a:t>
+                      </a:r>
+                      <a:r>
+                        <a:rPr/>
+                        <a:t> </a:t>
+                      </a:r>
+                      <a:r>
+                        <a:rPr/>
+                        <a:t>unexpected</a:t>
+                      </a:r>
+                      <a:r>
+                        <a:rPr/>
+                        <a:t> </a:t>
+                      </a:r>
+                      <a:r>
+                        <a:rPr/>
+                        <a:t>happened,</a:t>
+                      </a:r>
+                      <a:r>
+                        <a:rPr/>
+                        <a:t> </a:t>
+                      </a:r>
+                      <a:r>
+                        <a:rPr/>
+                        <a:t>or</a:t>
+                      </a:r>
+                      <a:r>
+                        <a:rPr/>
+                        <a:t> </a:t>
+                      </a:r>
+                      <a:r>
+                        <a:rPr/>
+                        <a:t>that</a:t>
+                      </a:r>
+                      <a:r>
+                        <a:rPr/>
+                        <a:t> </a:t>
+                      </a:r>
+                      <a:r>
+                        <a:rPr/>
+                        <a:t>a</a:t>
+                      </a:r>
+                      <a:r>
+                        <a:rPr/>
+                        <a:t> </a:t>
+                      </a:r>
+                      <a:r>
+                        <a:rPr/>
+                        <a:t>problem</a:t>
+                      </a:r>
+                      <a:r>
+                        <a:rPr/>
+                        <a:t> </a:t>
+                      </a:r>
+                      <a:r>
+                        <a:rPr/>
+                        <a:t>might</a:t>
+                      </a:r>
+                      <a:r>
+                        <a:rPr/>
+                        <a:t> </a:t>
+                      </a:r>
+                      <a:r>
+                        <a:rPr/>
+                        <a:t>occur</a:t>
+                      </a:r>
+                      <a:r>
+                        <a:rPr/>
+                        <a:t> </a:t>
+                      </a:r>
+                      <a:r>
+                        <a:rPr/>
+                        <a:t>in</a:t>
+                      </a:r>
+                      <a:r>
+                        <a:rPr/>
+                        <a:t> </a:t>
+                      </a:r>
+                      <a:r>
+                        <a:rPr/>
+                        <a:t>the</a:t>
+                      </a:r>
+                      <a:r>
+                        <a:rPr/>
+                        <a:t> </a:t>
+                      </a:r>
+                      <a:r>
+                        <a:rPr/>
+                        <a:t>near</a:t>
+                      </a:r>
+                      <a:r>
+                        <a:rPr/>
+                        <a:t> </a:t>
+                      </a:r>
+                      <a:r>
+                        <a:rPr/>
+                        <a:t>future</a:t>
+                      </a:r>
+                      <a:r>
+                        <a:rPr/>
+                        <a:t> </a:t>
+                      </a:r>
+                      <a:r>
+                        <a:rPr/>
+                        <a:t>(e.g. </a:t>
+                      </a:r>
+                      <a:r>
+                        <a:rPr/>
+                        <a:t>‘</a:t>
+                      </a:r>
+                      <a:r>
+                        <a:rPr/>
+                        <a:t>disk</a:t>
+                      </a:r>
+                      <a:r>
+                        <a:rPr/>
+                        <a:t> </a:t>
+                      </a:r>
+                      <a:r>
+                        <a:rPr/>
+                        <a:t>space</a:t>
+                      </a:r>
+                      <a:r>
+                        <a:rPr/>
+                        <a:t> </a:t>
+                      </a:r>
+                      <a:r>
+                        <a:rPr/>
+                        <a:t>low</a:t>
+                      </a:r>
+                      <a:r>
+                        <a:rPr/>
+                        <a:t>’</a:t>
+                      </a:r>
+                      <a:r>
+                        <a:rPr/>
+                        <a:t>).</a:t>
+                      </a:r>
+                      <a:r>
+                        <a:rPr/>
+                        <a:t> </a:t>
+                      </a:r>
+                      <a:r>
+                        <a:rPr/>
+                        <a:t>The</a:t>
+                      </a:r>
+                      <a:r>
+                        <a:rPr/>
+                        <a:t> </a:t>
+                      </a:r>
+                      <a:r>
+                        <a:rPr/>
+                        <a:t>software</a:t>
+                      </a:r>
+                      <a:r>
+                        <a:rPr/>
+                        <a:t> </a:t>
+                      </a:r>
+                      <a:r>
+                        <a:rPr/>
+                        <a:t>is</a:t>
+                      </a:r>
+                      <a:r>
+                        <a:rPr/>
+                        <a:t> </a:t>
+                      </a:r>
+                      <a:r>
+                        <a:rPr/>
+                        <a:t>still</a:t>
+                      </a:r>
+                      <a:r>
+                        <a:rPr/>
+                        <a:t> </a:t>
+                      </a:r>
+                      <a:r>
+                        <a:rPr/>
+                        <a:t>working</a:t>
+                      </a:r>
+                      <a:r>
+                        <a:rPr/>
+                        <a:t> </a:t>
+                      </a:r>
+                      <a:r>
+                        <a:rPr/>
+                        <a:t>as</a:t>
+                      </a:r>
+                      <a:r>
+                        <a:rPr/>
+                        <a:t> </a:t>
+                      </a:r>
+                      <a:r>
+                        <a:rPr/>
+                        <a:t>expected.</a:t>
+                      </a:r>
+                    </a:p>
+                  </a:txBody>
+                </a:tc>
+              </a:tr>
+              <a:tr h="0">
+                <a:tc>
+                  <a:txBody>
+                    <a:bodyPr/>
+                    <a:lstStyle/>
+                    <a:p>
+                      <a:pPr lvl="0" marL="0" indent="0">
+                        <a:buNone/>
+                      </a:pPr>
+                      <a:r>
+                        <a:rPr/>
+                        <a:t>logging.ERROR</a:t>
+                      </a:r>
+                    </a:p>
+                  </a:txBody>
+                </a:tc>
+                <a:tc>
+                  <a:txBody>
+                    <a:bodyPr/>
+                    <a:lstStyle/>
+                    <a:p>
+                      <a:pPr lvl="0" marL="0" indent="0">
+                        <a:buNone/>
+                      </a:pPr>
+                      <a:r>
+                        <a:rPr/>
+                        <a:t>Due</a:t>
+                      </a:r>
+                      <a:r>
+                        <a:rPr/>
+                        <a:t> </a:t>
+                      </a:r>
+                      <a:r>
+                        <a:rPr/>
+                        <a:t>to</a:t>
+                      </a:r>
+                      <a:r>
+                        <a:rPr/>
+                        <a:t> </a:t>
+                      </a:r>
+                      <a:r>
+                        <a:rPr/>
+                        <a:t>a</a:t>
+                      </a:r>
+                      <a:r>
+                        <a:rPr/>
+                        <a:t> </a:t>
+                      </a:r>
+                      <a:r>
+                        <a:rPr/>
+                        <a:t>more</a:t>
+                      </a:r>
+                      <a:r>
+                        <a:rPr/>
+                        <a:t> </a:t>
+                      </a:r>
+                      <a:r>
+                        <a:rPr/>
+                        <a:t>serious</a:t>
+                      </a:r>
+                      <a:r>
+                        <a:rPr/>
+                        <a:t> </a:t>
+                      </a:r>
+                      <a:r>
+                        <a:rPr/>
+                        <a:t>problem,</a:t>
+                      </a:r>
+                      <a:r>
+                        <a:rPr/>
+                        <a:t> </a:t>
+                      </a:r>
+                      <a:r>
+                        <a:rPr/>
+                        <a:t>the</a:t>
+                      </a:r>
+                      <a:r>
+                        <a:rPr/>
+                        <a:t> </a:t>
+                      </a:r>
+                      <a:r>
+                        <a:rPr/>
+                        <a:t>software</a:t>
+                      </a:r>
+                      <a:r>
+                        <a:rPr/>
+                        <a:t> </a:t>
+                      </a:r>
+                      <a:r>
+                        <a:rPr/>
+                        <a:t>has</a:t>
+                      </a:r>
+                      <a:r>
+                        <a:rPr/>
+                        <a:t> </a:t>
+                      </a:r>
+                      <a:r>
+                        <a:rPr/>
+                        <a:t>not</a:t>
+                      </a:r>
+                      <a:r>
+                        <a:rPr/>
+                        <a:t> </a:t>
+                      </a:r>
+                      <a:r>
+                        <a:rPr/>
+                        <a:t>been</a:t>
+                      </a:r>
+                      <a:r>
+                        <a:rPr/>
+                        <a:t> </a:t>
+                      </a:r>
+                      <a:r>
+                        <a:rPr/>
+                        <a:t>able</a:t>
+                      </a:r>
+                      <a:r>
+                        <a:rPr/>
+                        <a:t> </a:t>
+                      </a:r>
+                      <a:r>
+                        <a:rPr/>
+                        <a:t>to</a:t>
+                      </a:r>
+                      <a:r>
+                        <a:rPr/>
+                        <a:t> </a:t>
+                      </a:r>
+                      <a:r>
+                        <a:rPr/>
+                        <a:t>perform</a:t>
+                      </a:r>
+                      <a:r>
+                        <a:rPr/>
+                        <a:t> </a:t>
+                      </a:r>
+                      <a:r>
+                        <a:rPr/>
+                        <a:t>some</a:t>
+                      </a:r>
+                      <a:r>
+                        <a:rPr/>
+                        <a:t> </a:t>
+                      </a:r>
+                      <a:r>
+                        <a:rPr/>
+                        <a:t>function.</a:t>
+                      </a:r>
+                    </a:p>
+                  </a:txBody>
+                </a:tc>
+              </a:tr>
+              <a:tr h="0">
+                <a:tc>
+                  <a:txBody>
+                    <a:bodyPr/>
+                    <a:lstStyle/>
+                    <a:p>
+                      <a:pPr lvl="0" marL="0" indent="0">
+                        <a:buNone/>
+                      </a:pPr>
+                      <a:r>
+                        <a:rPr/>
+                        <a:t>logging.CRITICAL</a:t>
+                      </a:r>
+                    </a:p>
+                  </a:txBody>
+                </a:tc>
+                <a:tc>
+                  <a:txBody>
+                    <a:bodyPr/>
+                    <a:lstStyle/>
+                    <a:p>
+                      <a:pPr lvl="0" marL="0" indent="0">
+                        <a:buNone/>
+                      </a:pPr>
+                      <a:r>
+                        <a:rPr/>
+                        <a:t>A</a:t>
+                      </a:r>
+                      <a:r>
+                        <a:rPr/>
+                        <a:t> </a:t>
+                      </a:r>
+                      <a:r>
+                        <a:rPr/>
+                        <a:t>serious</a:t>
+                      </a:r>
+                      <a:r>
+                        <a:rPr/>
+                        <a:t> </a:t>
+                      </a:r>
+                      <a:r>
+                        <a:rPr/>
+                        <a:t>error,</a:t>
+                      </a:r>
+                      <a:r>
+                        <a:rPr/>
+                        <a:t> </a:t>
+                      </a:r>
+                      <a:r>
+                        <a:rPr/>
+                        <a:t>indicating</a:t>
+                      </a:r>
+                      <a:r>
+                        <a:rPr/>
+                        <a:t> </a:t>
+                      </a:r>
+                      <a:r>
+                        <a:rPr/>
+                        <a:t>that</a:t>
+                      </a:r>
+                      <a:r>
+                        <a:rPr/>
+                        <a:t> </a:t>
+                      </a:r>
+                      <a:r>
+                        <a:rPr/>
+                        <a:t>the</a:t>
+                      </a:r>
+                      <a:r>
+                        <a:rPr/>
+                        <a:t> </a:t>
+                      </a:r>
+                      <a:r>
+                        <a:rPr/>
+                        <a:t>program</a:t>
+                      </a:r>
+                      <a:r>
+                        <a:rPr/>
+                        <a:t> </a:t>
+                      </a:r>
+                      <a:r>
+                        <a:rPr/>
+                        <a:t>itself</a:t>
+                      </a:r>
+                      <a:r>
+                        <a:rPr/>
+                        <a:t> </a:t>
+                      </a:r>
+                      <a:r>
+                        <a:rPr/>
+                        <a:t>may</a:t>
+                      </a:r>
+                      <a:r>
+                        <a:rPr/>
+                        <a:t> </a:t>
+                      </a:r>
+                      <a:r>
+                        <a:rPr/>
+                        <a:t>be</a:t>
+                      </a:r>
+                      <a:r>
+                        <a:rPr/>
+                        <a:t> </a:t>
+                      </a:r>
+                      <a:r>
+                        <a:rPr/>
+                        <a:t>unable</a:t>
+                      </a:r>
+                      <a:r>
+                        <a:rPr/>
+                        <a:t> </a:t>
+                      </a:r>
+                      <a:r>
+                        <a:rPr/>
+                        <a:t>to</a:t>
+                      </a:r>
+                      <a:r>
+                        <a:rPr/>
+                        <a:t> </a:t>
+                      </a:r>
+                      <a:r>
+                        <a:rPr/>
+                        <a:t>continue</a:t>
+                      </a:r>
+                      <a:r>
+                        <a:rPr/>
+                        <a:t> </a:t>
+                      </a:r>
+                      <a:r>
+                        <a:rPr/>
+                        <a:t>running.</a:t>
+                      </a:r>
+                    </a:p>
+                  </a:txBody>
+                </a:tc>
+              </a:tr>
+            </a:tbl>
+          </a:graphicData>
+        </a:graphic>
+      </p:graphicFrame>
+    </p:spTree>
+  </p:cSld>
+</p:sld>
+</file>
+
+<file path=ppt/slides/slide23.xml><?xml version="1.0" encoding="utf-8"?>
+<p:sld xmlns:a="http://schemas.openxmlformats.org/drawingml/2006/main" xmlns:r="http://schemas.openxmlformats.org/officeDocument/2006/relationships" xmlns:p="http://schemas.openxmlformats.org/presentationml/2006/main">
+  <p:cSld>
+    <p:spTree>
+      <p:nvGrpSpPr>
+        <p:cNvPr id="1" name=""/>
+        <p:cNvGrpSpPr/>
+        <p:nvPr/>
+      </p:nvGrpSpPr>
+      <p:grpSpPr>
+        <a:xfrm>
+          <a:off x="0" y="0"/>
+          <a:ext cx="0" cy="0"/>
+          <a:chOff x="0" y="0"/>
+          <a:chExt cx="0" cy="0"/>
+        </a:xfrm>
+      </p:grpSpPr>
+      <p:sp>
+        <p:nvSpPr>
+          <p:cNvPr id="2" name="Title 1"/>
+          <p:cNvSpPr>
+            <a:spLocks noGrp="1"/>
+          </p:cNvSpPr>
+          <p:nvPr>
+            <p:ph type="title"/>
+          </p:nvPr>
+        </p:nvSpPr>
+        <p:spPr/>
+        <p:txBody>
+          <a:bodyPr/>
+          <a:lstStyle/>
+          <a:p>
+            <a:pPr lvl="0" marL="0" indent="0">
+              <a:buNone/>
+            </a:pPr>
+            <a:r>
+              <a:rPr/>
+              <a:t>Log</a:t>
+            </a:r>
+            <a:r>
+              <a:rPr/>
+              <a:t> </a:t>
+            </a:r>
+            <a:r>
+              <a:rPr/>
+              <a:t>models</a:t>
+            </a:r>
+          </a:p>
+        </p:txBody>
+      </p:sp>
+      <p:sp>
+        <p:nvSpPr>
+          <p:cNvPr id="3" name="Content Placeholder 2"/>
+          <p:cNvSpPr>
+            <a:spLocks noGrp="1"/>
+          </p:cNvSpPr>
+          <p:nvPr>
+            <p:ph idx="1"/>
+          </p:nvPr>
+        </p:nvSpPr>
+        <p:spPr/>
+        <p:txBody>
+          <a:bodyPr/>
+          <a:lstStyle/>
+          <a:p>
+            <a:pPr lvl="0" marL="0" indent="0">
+              <a:buNone/>
+            </a:pPr>
+            <a:r>
+              <a:rPr/>
+              <a:t>models semi structure the data in the logs</a:t>
+            </a:r>
+          </a:p>
+          <a:p>
+            <a:pPr lvl="0" indent="0">
+              <a:buNone/>
+            </a:pPr>
+            <a:r>
+              <a:rPr>
+                <a:latin typeface="Courier"/>
+              </a:rPr>
+              <a:t>import logging</a:t>
+            </a:r>
+            <a:br/>
+            <a:br/>
+            <a:r>
+              <a:rPr>
+                <a:latin typeface="Courier"/>
+              </a:rPr>
+              <a:t>logging.basicConfig(format</a:t>
+            </a:r>
+            <a:r>
+              <a:rPr>
+                <a:solidFill>
+                  <a:srgbClr val="666666"/>
+                </a:solidFill>
+                <a:latin typeface="Courier"/>
+              </a:rPr>
+              <a:t>=</a:t>
+            </a:r>
+            <a:r>
+              <a:rPr>
+                <a:solidFill>
+                  <a:srgbClr val="4070A0"/>
+                </a:solidFill>
+                <a:latin typeface="Courier"/>
+              </a:rPr>
+              <a:t>'%(asctime)s %(clientip)-15s %(user)-8s %(message)s'</a:t>
+            </a:r>
+            <a:r>
+              <a:rPr>
+                <a:latin typeface="Courier"/>
+              </a:rPr>
+              <a:t>)</a:t>
+            </a:r>
+            <a:br/>
+            <a:r>
+              <a:rPr>
+                <a:latin typeface="Courier"/>
+              </a:rPr>
+              <a:t>logger </a:t>
+            </a:r>
+            <a:r>
+              <a:rPr>
+                <a:solidFill>
+                  <a:srgbClr val="666666"/>
+                </a:solidFill>
+                <a:latin typeface="Courier"/>
+              </a:rPr>
+              <a:t>=</a:t>
+            </a:r>
+            <a:r>
+              <a:rPr>
+                <a:latin typeface="Courier"/>
+              </a:rPr>
+              <a:t> logging.getLogger(</a:t>
+            </a:r>
+            <a:r>
+              <a:rPr>
+                <a:solidFill>
+                  <a:srgbClr val="4070A0"/>
+                </a:solidFill>
+                <a:latin typeface="Courier"/>
+              </a:rPr>
+              <a:t>'tcpserver'</a:t>
+            </a:r>
+            <a:r>
+              <a:rPr>
+                <a:latin typeface="Courier"/>
+              </a:rPr>
+              <a:t>)</a:t>
+            </a:r>
+            <a:br/>
+            <a:r>
+              <a:rPr>
+                <a:latin typeface="Courier"/>
+              </a:rPr>
+              <a:t>logger.warning(</a:t>
+            </a:r>
+            <a:r>
+              <a:rPr>
+                <a:solidFill>
+                  <a:srgbClr val="4070A0"/>
+                </a:solidFill>
+                <a:latin typeface="Courier"/>
+              </a:rPr>
+              <a:t>'Protocol problem: %s'</a:t>
+            </a:r>
+            <a:r>
+              <a:rPr>
+                <a:latin typeface="Courier"/>
+              </a:rPr>
+              <a:t>, </a:t>
+            </a:r>
+            <a:r>
+              <a:rPr>
+                <a:solidFill>
+                  <a:srgbClr val="4070A0"/>
+                </a:solidFill>
+                <a:latin typeface="Courier"/>
+              </a:rPr>
+              <a:t>'connection reset'</a:t>
+            </a:r>
+            <a:r>
+              <a:rPr>
+                <a:latin typeface="Courier"/>
+              </a:rPr>
+              <a:t>, extra</a:t>
+            </a:r>
+            <a:r>
+              <a:rPr>
+                <a:solidFill>
+                  <a:srgbClr val="666666"/>
+                </a:solidFill>
+                <a:latin typeface="Courier"/>
+              </a:rPr>
+              <a:t>=</a:t>
+            </a:r>
+            <a:r>
+              <a:rPr>
+                <a:latin typeface="Courier"/>
+              </a:rPr>
+              <a:t>{</a:t>
+            </a:r>
+            <a:r>
+              <a:rPr>
+                <a:solidFill>
+                  <a:srgbClr val="4070A0"/>
+                </a:solidFill>
+                <a:latin typeface="Courier"/>
+              </a:rPr>
+              <a:t>'clientip'</a:t>
+            </a:r>
+            <a:r>
+              <a:rPr>
+                <a:latin typeface="Courier"/>
+              </a:rPr>
+              <a:t>: </a:t>
+            </a:r>
+            <a:r>
+              <a:rPr>
+                <a:solidFill>
+                  <a:srgbClr val="4070A0"/>
+                </a:solidFill>
+                <a:latin typeface="Courier"/>
+              </a:rPr>
+              <a:t>'192.168.0.1'</a:t>
+            </a:r>
+            <a:r>
+              <a:rPr>
+                <a:latin typeface="Courier"/>
+              </a:rPr>
+              <a:t>, </a:t>
+            </a:r>
+            <a:r>
+              <a:rPr>
+                <a:solidFill>
+                  <a:srgbClr val="4070A0"/>
+                </a:solidFill>
+                <a:latin typeface="Courier"/>
+              </a:rPr>
+              <a:t>'user'</a:t>
+            </a:r>
+            <a:r>
+              <a:rPr>
+                <a:latin typeface="Courier"/>
+              </a:rPr>
+              <a:t>: </a:t>
+            </a:r>
+            <a:r>
+              <a:rPr>
+                <a:solidFill>
+                  <a:srgbClr val="4070A0"/>
+                </a:solidFill>
+                <a:latin typeface="Courier"/>
+              </a:rPr>
+              <a:t>'fbloggs'</a:t>
+            </a:r>
+            <a:r>
+              <a:rPr>
+                <a:latin typeface="Courier"/>
+              </a:rPr>
+              <a:t>})</a:t>
+            </a:r>
+          </a:p>
+        </p:txBody>
+      </p:sp>
+    </p:spTree>
+  </p:cSld>
+</p:sld>
+</file>
+
+<file path=ppt/slides/slide24.xml><?xml version="1.0" encoding="utf-8"?>
+<p:sld xmlns:a="http://schemas.openxmlformats.org/drawingml/2006/main" xmlns:r="http://schemas.openxmlformats.org/officeDocument/2006/relationships" xmlns:p="http://schemas.openxmlformats.org/presentationml/2006/main">
+  <p:cSld>
+    <p:spTree>
+      <p:nvGrpSpPr>
+        <p:cNvPr id="1" name=""/>
+        <p:cNvGrpSpPr/>
+        <p:nvPr/>
+      </p:nvGrpSpPr>
+      <p:grpSpPr>
+        <a:xfrm>
+          <a:off x="0" y="0"/>
+          <a:ext cx="0" cy="0"/>
+          <a:chOff x="0" y="0"/>
+          <a:chExt cx="0" cy="0"/>
+        </a:xfrm>
+      </p:grpSpPr>
+      <p:sp>
+        <p:nvSpPr>
+          <p:cNvPr id="2" name="Title 1"/>
+          <p:cNvSpPr>
+            <a:spLocks noGrp="1"/>
+          </p:cNvSpPr>
+          <p:nvPr>
+            <p:ph type="title"/>
+          </p:nvPr>
+        </p:nvSpPr>
+        <p:spPr/>
+        <p:txBody>
+          <a:bodyPr/>
+          <a:lstStyle/>
+          <a:p>
+            <a:pPr lvl="0" marL="0" indent="0">
+              <a:buNone/>
+            </a:pPr>
+            <a:r>
+              <a:rPr/>
+              <a:t>Something</a:t>
+            </a:r>
+            <a:r>
+              <a:rPr/>
+              <a:t> </a:t>
+            </a:r>
+            <a:r>
+              <a:rPr/>
+              <a:t>went</a:t>
+            </a:r>
+            <a:r>
+              <a:rPr/>
+              <a:t> </a:t>
+            </a:r>
+            <a:r>
+              <a:rPr/>
+              <a:t>wrong</a:t>
+            </a:r>
+          </a:p>
+        </p:txBody>
+      </p:sp>
+      <p:sp>
+        <p:nvSpPr>
+          <p:cNvPr id="3" name="Content Placeholder 2"/>
+          <p:cNvSpPr>
+            <a:spLocks noGrp="1"/>
+          </p:cNvSpPr>
+          <p:nvPr>
+            <p:ph idx="1"/>
+          </p:nvPr>
+        </p:nvSpPr>
+        <p:spPr/>
+        <p:txBody>
+          <a:bodyPr/>
+          <a:lstStyle/>
+          <a:p>
+            <a:pPr lvl="0" marL="1270000" indent="0">
+              <a:buNone/>
+            </a:pPr>
+            <a:r>
+              <a:rPr sz="2000"/>
+              <a:t>Our engineers have been notified and are working on the problem</a:t>
+            </a:r>
+          </a:p>
+          <a:p>
+            <a:pPr lvl="1"/>
+            <a:r>
+              <a:rPr/>
+              <a:t>observability, yes (if the devops engineers actually have been notified)</a:t>
+            </a:r>
+          </a:p>
+          <a:p>
+            <a:pPr lvl="1"/>
+            <a:r>
+              <a:rPr/>
+              <a:t>messages like this are shown to users in the case of unhandled exceptions</a:t>
+            </a:r>
+          </a:p>
+        </p:txBody>
+      </p:sp>
+    </p:spTree>
+  </p:cSld>
+</p:sld>
+</file>
+
+<file path=ppt/slides/slide25.xml><?xml version="1.0" encoding="utf-8"?>
+<p:sld xmlns:a="http://schemas.openxmlformats.org/drawingml/2006/main" xmlns:r="http://schemas.openxmlformats.org/officeDocument/2006/relationships" xmlns:p="http://schemas.openxmlformats.org/presentationml/2006/main">
+  <p:cSld>
+    <p:spTree>
+      <p:nvGrpSpPr>
+        <p:cNvPr id="1" name=""/>
+        <p:cNvGrpSpPr/>
+        <p:nvPr/>
+      </p:nvGrpSpPr>
+      <p:grpSpPr>
+        <a:xfrm>
+          <a:off x="0" y="0"/>
+          <a:ext cx="0" cy="0"/>
+          <a:chOff x="0" y="0"/>
+          <a:chExt cx="0" cy="0"/>
+        </a:xfrm>
+      </p:grpSpPr>
+      <p:sp>
+        <p:nvSpPr>
+          <p:cNvPr id="2" name="Title 1"/>
+          <p:cNvSpPr>
+            <a:spLocks noGrp="1"/>
+          </p:cNvSpPr>
+          <p:nvPr>
+            <p:ph type="title"/>
+          </p:nvPr>
+        </p:nvSpPr>
+        <p:spPr/>
+        <p:txBody>
+          <a:bodyPr/>
+          <a:lstStyle/>
+          <a:p>
+            <a:pPr lvl="0" marL="0" indent="0">
+              <a:buNone/>
+            </a:pPr>
+            <a:r>
+              <a:rPr/>
+              <a:t>Please</a:t>
+            </a:r>
+            <a:r>
+              <a:rPr/>
+              <a:t> </a:t>
+            </a:r>
+            <a:r>
+              <a:rPr/>
+              <a:t>don’t</a:t>
+            </a:r>
+          </a:p>
+        </p:txBody>
+      </p:sp>
+      <p:sp>
+        <p:nvSpPr>
+          <p:cNvPr id="3" name="Content Placeholder 2"/>
+          <p:cNvSpPr>
+            <a:spLocks noGrp="1"/>
+          </p:cNvSpPr>
+          <p:nvPr>
+            <p:ph idx="1"/>
+          </p:nvPr>
+        </p:nvSpPr>
+        <p:spPr/>
+        <p:txBody>
+          <a:bodyPr/>
+          <a:lstStyle/>
+          <a:p>
+            <a:pPr lvl="0" marL="0" indent="0">
+              <a:buNone/>
+            </a:pPr>
+            <a:r>
+              <a:rPr/>
+              <a:t>… make an exception observable and then swallow it</a:t>
+            </a:r>
+          </a:p>
+          <a:p>
+            <a:pPr lvl="1"/>
+            <a:r>
+              <a:rPr/>
+              <a:t>exception handling is different then making the exception observable</a:t>
+            </a:r>
+          </a:p>
+          <a:p>
+            <a:pPr lvl="1"/>
+            <a:r>
+              <a:rPr/>
+              <a:t>always re-throw the exception at the point of writing a metric or logging</a:t>
+            </a:r>
+          </a:p>
+        </p:txBody>
+      </p:sp>
+    </p:spTree>
+  </p:cSld>
+</p:sld>
+</file>
+
+<file path=ppt/slides/slide26.xml><?xml version="1.0" encoding="utf-8"?>
+<p:sld xmlns:a="http://schemas.openxmlformats.org/drawingml/2006/main" xmlns:r="http://schemas.openxmlformats.org/officeDocument/2006/relationships" xmlns:p="http://schemas.openxmlformats.org/presentationml/2006/main">
+  <p:cSld>
+    <p:spTree>
+      <p:nvGrpSpPr>
+        <p:cNvPr id="1" name=""/>
+        <p:cNvGrpSpPr/>
+        <p:nvPr/>
+      </p:nvGrpSpPr>
+      <p:grpSpPr>
+        <a:xfrm>
+          <a:off x="0" y="0"/>
+          <a:ext cx="0" cy="0"/>
+          <a:chOff x="0" y="0"/>
+          <a:chExt cx="0" cy="0"/>
+        </a:xfrm>
+      </p:grpSpPr>
+      <p:sp>
+        <p:nvSpPr>
+          <p:cNvPr id="2" name="Title 1"/>
+          <p:cNvSpPr>
+            <a:spLocks noGrp="1"/>
+          </p:cNvSpPr>
+          <p:nvPr>
+            <p:ph type="title"/>
+          </p:nvPr>
+        </p:nvSpPr>
+        <p:spPr/>
+        <p:txBody>
+          <a:bodyPr/>
+          <a:lstStyle/>
+          <a:p>
+            <a:pPr lvl="0" marL="0" indent="0">
+              <a:buNone/>
+            </a:pPr>
+            <a:r>
+              <a:rPr/>
+              <a:t>Observability</a:t>
+            </a:r>
+          </a:p>
+        </p:txBody>
+      </p:sp>
+      <p:sp>
+        <p:nvSpPr>
+          <p:cNvPr id="3" name="Content Placeholder 2"/>
+          <p:cNvSpPr>
+            <a:spLocks noGrp="1"/>
+          </p:cNvSpPr>
+          <p:nvPr>
+            <p:ph idx="1"/>
+          </p:nvPr>
+        </p:nvSpPr>
+        <p:spPr/>
+        <p:txBody>
+          <a:bodyPr/>
+          <a:lstStyle/>
+          <a:p>
+            <a:pPr lvl="1"/>
+            <a:r>
+              <a:rPr/>
+              <a:t>observability is in the process of changing for the better</a:t>
+            </a:r>
+          </a:p>
+          <a:p>
+            <a:pPr lvl="1"/>
+            <a:r>
+              <a:rPr/>
+              <a:t>the heart of that change will be a newfound ability to correlate across all forms of telemetry: traces, metrics, logs</a:t>
+            </a:r>
+          </a:p>
+          <a:p>
+            <a:pPr lvl="1"/>
+            <a:r>
+              <a:rPr/>
+              <a:t>correlation is the key to unlocking the workflows and automation that we desperately need to keep up with this world of ever expanding complex systems.</a:t>
             </a:r>
           </a:p>
         </p:txBody>

--- a/observability/slides.pptx
+++ b/observability/slides.pptx
@@ -6570,7 +6570,17 @@
             </a:pPr>
             <a:r>
               <a:rPr/>
-              <a:t>Observe the running system and use the umlet vscode plugin to document it with a deployment diagram. Submit the deployment diagram with the uploader at the </a:t>
+              <a:t>Observe the running system and use </a:t>
+            </a:r>
+            <a:r>
+              <a:rPr>
+                <a:hlinkClick r:id="rId3"/>
+              </a:rPr>
+              <a:t>https://www.umletino.com/umletino.html</a:t>
+            </a:r>
+            <a:r>
+              <a:rPr/>
+              <a:t> to document it with a deployment diagram. Submit the deployment diagram with the uploader at the </a:t>
             </a:r>
             <a:r>
               <a:rPr/>

--- a/observability/slides.pptx
+++ b/observability/slides.pptx
@@ -6561,7 +6561,8 @@
               <a:rPr>
                 <a:latin typeface="Courier"/>
               </a:rPr>
-              <a:t>ansible-playbook toaster.yml</a:t>
+              <a:t>pip install -r requirements.txt
+ansible-playbook playbook.yml</a:t>
             </a:r>
           </a:p>
           <a:p>
@@ -6570,13 +6571,13 @@
             </a:pPr>
             <a:r>
               <a:rPr/>
-              <a:t>Observe the running system and use </a:t>
+              <a:t>Follow instructions to observe the running system and use </a:t>
             </a:r>
             <a:r>
               <a:rPr>
                 <a:hlinkClick r:id="rId3"/>
               </a:rPr>
-              <a:t>https://www.umletino.com/umletino.html</a:t>
+              <a:t>umlet</a:t>
             </a:r>
             <a:r>
               <a:rPr/>

--- a/observability/slides.pptx
+++ b/observability/slides.pptx
@@ -1,6 +1,6 @@
 
 <file path=ppt/presentation.xml><?xml version="1.0" encoding="utf-8"?>
-<p:presentation xmlns:a="http://schemas.openxmlformats.org/drawingml/2006/main" xmlns:r="http://schemas.openxmlformats.org/officeDocument/2006/relationships" xmlns:p="http://schemas.openxmlformats.org/presentationml/2006/main" saveSubsetFonts="1" autoCompressPictures="0">
+<p:presentation xmlns:a="http://schemas.openxmlformats.org/drawingml/2006/main" xmlns:p="http://schemas.openxmlformats.org/presentationml/2006/main" xmlns:r="http://schemas.openxmlformats.org/officeDocument/2006/relationships" autoCompressPictures="0" saveSubsetFonts="1">
   <p:sldMasterIdLst>
     <p:sldMasterId id="2147483648" r:id="rId1"/>
   </p:sldMasterIdLst>
@@ -32,14 +32,14 @@
     <p:sldId id="280" r:id="rId26"/>
     <p:sldId id="281" r:id="rId27"/>
   </p:sldIdLst>
-  <p:sldSz cx="9144000" cy="6858000" type="screen4x3"/>
+  <p:sldSz cx="9144000" cy="5143500" type="screen16x9"/>
   <p:notesSz cx="6858000" cy="9144000"/>
   <p:defaultTextStyle>
     <a:defPPr>
       <a:defRPr lang="en-US"/>
     </a:defPPr>
-    <a:lvl1pPr marL="0" algn="l" defTabSz="457200" rtl="0" eaLnBrk="1" latinLnBrk="0" hangingPunct="1">
-      <a:defRPr sz="1800" kern="1200">
+    <a:lvl1pPr algn="l" defTabSz="457200" eaLnBrk="1" hangingPunct="1" latinLnBrk="0" marL="0" rtl="0">
+      <a:defRPr kern="1200" sz="1800">
         <a:solidFill>
           <a:schemeClr val="tx1"/>
         </a:solidFill>
@@ -48,8 +48,8 @@
         <a:cs typeface="+mn-cs"/>
       </a:defRPr>
     </a:lvl1pPr>
-    <a:lvl2pPr marL="457200" algn="l" defTabSz="457200" rtl="0" eaLnBrk="1" latinLnBrk="0" hangingPunct="1">
-      <a:defRPr sz="1800" kern="1200">
+    <a:lvl2pPr algn="l" defTabSz="457200" eaLnBrk="1" hangingPunct="1" latinLnBrk="0" marL="457200" rtl="0">
+      <a:defRPr kern="1200" sz="1800">
         <a:solidFill>
           <a:schemeClr val="tx1"/>
         </a:solidFill>
@@ -58,8 +58,8 @@
         <a:cs typeface="+mn-cs"/>
       </a:defRPr>
     </a:lvl2pPr>
-    <a:lvl3pPr marL="914400" algn="l" defTabSz="457200" rtl="0" eaLnBrk="1" latinLnBrk="0" hangingPunct="1">
-      <a:defRPr sz="1800" kern="1200">
+    <a:lvl3pPr algn="l" defTabSz="457200" eaLnBrk="1" hangingPunct="1" latinLnBrk="0" marL="914400" rtl="0">
+      <a:defRPr kern="1200" sz="1800">
         <a:solidFill>
           <a:schemeClr val="tx1"/>
         </a:solidFill>
@@ -68,8 +68,8 @@
         <a:cs typeface="+mn-cs"/>
       </a:defRPr>
     </a:lvl3pPr>
-    <a:lvl4pPr marL="1371600" algn="l" defTabSz="457200" rtl="0" eaLnBrk="1" latinLnBrk="0" hangingPunct="1">
-      <a:defRPr sz="1800" kern="1200">
+    <a:lvl4pPr algn="l" defTabSz="457200" eaLnBrk="1" hangingPunct="1" latinLnBrk="0" marL="1371600" rtl="0">
+      <a:defRPr kern="1200" sz="1800">
         <a:solidFill>
           <a:schemeClr val="tx1"/>
         </a:solidFill>
@@ -78,8 +78,8 @@
         <a:cs typeface="+mn-cs"/>
       </a:defRPr>
     </a:lvl4pPr>
-    <a:lvl5pPr marL="1828800" algn="l" defTabSz="457200" rtl="0" eaLnBrk="1" latinLnBrk="0" hangingPunct="1">
-      <a:defRPr sz="1800" kern="1200">
+    <a:lvl5pPr algn="l" defTabSz="457200" eaLnBrk="1" hangingPunct="1" latinLnBrk="0" marL="1828800" rtl="0">
+      <a:defRPr kern="1200" sz="1800">
         <a:solidFill>
           <a:schemeClr val="tx1"/>
         </a:solidFill>
@@ -88,8 +88,8 @@
         <a:cs typeface="+mn-cs"/>
       </a:defRPr>
     </a:lvl5pPr>
-    <a:lvl6pPr marL="2286000" algn="l" defTabSz="457200" rtl="0" eaLnBrk="1" latinLnBrk="0" hangingPunct="1">
-      <a:defRPr sz="1800" kern="1200">
+    <a:lvl6pPr algn="l" defTabSz="457200" eaLnBrk="1" hangingPunct="1" latinLnBrk="0" marL="2286000" rtl="0">
+      <a:defRPr kern="1200" sz="1800">
         <a:solidFill>
           <a:schemeClr val="tx1"/>
         </a:solidFill>
@@ -98,8 +98,8 @@
         <a:cs typeface="+mn-cs"/>
       </a:defRPr>
     </a:lvl6pPr>
-    <a:lvl7pPr marL="2743200" algn="l" defTabSz="457200" rtl="0" eaLnBrk="1" latinLnBrk="0" hangingPunct="1">
-      <a:defRPr sz="1800" kern="1200">
+    <a:lvl7pPr algn="l" defTabSz="457200" eaLnBrk="1" hangingPunct="1" latinLnBrk="0" marL="2743200" rtl="0">
+      <a:defRPr kern="1200" sz="1800">
         <a:solidFill>
           <a:schemeClr val="tx1"/>
         </a:solidFill>
@@ -108,8 +108,8 @@
         <a:cs typeface="+mn-cs"/>
       </a:defRPr>
     </a:lvl7pPr>
-    <a:lvl8pPr marL="3200400" algn="l" defTabSz="457200" rtl="0" eaLnBrk="1" latinLnBrk="0" hangingPunct="1">
-      <a:defRPr sz="1800" kern="1200">
+    <a:lvl8pPr algn="l" defTabSz="457200" eaLnBrk="1" hangingPunct="1" latinLnBrk="0" marL="3200400" rtl="0">
+      <a:defRPr kern="1200" sz="1800">
         <a:solidFill>
           <a:schemeClr val="tx1"/>
         </a:solidFill>
@@ -118,8 +118,8 @@
         <a:cs typeface="+mn-cs"/>
       </a:defRPr>
     </a:lvl8pPr>
-    <a:lvl9pPr marL="3657600" algn="l" defTabSz="457200" rtl="0" eaLnBrk="1" latinLnBrk="0" hangingPunct="1">
-      <a:defRPr sz="1800" kern="1200">
+    <a:lvl9pPr algn="l" defTabSz="457200" eaLnBrk="1" hangingPunct="1" latinLnBrk="0" marL="3657600" rtl="0">
+      <a:defRPr kern="1200" sz="1800">
         <a:solidFill>
           <a:schemeClr val="tx1"/>
         </a:solidFill>
@@ -132,12 +132,12 @@
   <p:extLst>
     <p:ext uri="{EFAFB233-063F-42B5-8137-9DF3F51BA10A}">
       <p15:sldGuideLst xmlns:p15="http://schemas.microsoft.com/office/powerpoint/2012/main">
-        <p15:guide id="1" orient="horz" pos="2160">
+        <p15:guide id="1" orient="horz" pos="1620" userDrawn="1">
           <p15:clr>
             <a:srgbClr val="A4A3A4"/>
           </p15:clr>
         </p15:guide>
-        <p15:guide id="2" pos="2880">
+        <p15:guide id="2" pos="2880" userDrawn="1">
           <p15:clr>
             <a:srgbClr val="A4A3A4"/>
           </p15:clr>
@@ -177,8 +177,8 @@
         </p:nvSpPr>
         <p:spPr>
           <a:xfrm>
-            <a:off x="685800" y="2130425"/>
-            <a:ext cx="7772400" cy="1470025"/>
+            <a:off x="685800" y="1597819"/>
+            <a:ext cx="7772400" cy="1102519"/>
           </a:xfrm>
         </p:spPr>
         <p:txBody>
@@ -186,10 +186,9 @@
           <a:lstStyle/>
           <a:p>
             <a:r>
-              <a:rPr lang="en-US" smtClean="0"/>
+              <a:rPr lang="en-US"/>
               <a:t>Click to edit Master title style</a:t>
             </a:r>
-            <a:endParaRPr lang="en-US"/>
           </a:p>
         </p:txBody>
       </p:sp>
@@ -205,8 +204,8 @@
         </p:nvSpPr>
         <p:spPr>
           <a:xfrm>
-            <a:off x="1371600" y="3886200"/>
-            <a:ext cx="6400800" cy="1752600"/>
+            <a:off x="1371600" y="2914650"/>
+            <a:ext cx="6400800" cy="1314450"/>
           </a:xfrm>
         </p:spPr>
         <p:txBody>
@@ -222,7 +221,7 @@
                 </a:solidFill>
               </a:defRPr>
             </a:lvl1pPr>
-            <a:lvl2pPr marL="457200" indent="0" algn="ctr">
+            <a:lvl2pPr marL="342900" indent="0" algn="ctr">
               <a:buNone/>
               <a:defRPr>
                 <a:solidFill>
@@ -232,7 +231,7 @@
                 </a:solidFill>
               </a:defRPr>
             </a:lvl2pPr>
-            <a:lvl3pPr marL="914400" indent="0" algn="ctr">
+            <a:lvl3pPr marL="685800" indent="0" algn="ctr">
               <a:buNone/>
               <a:defRPr>
                 <a:solidFill>
@@ -242,7 +241,7 @@
                 </a:solidFill>
               </a:defRPr>
             </a:lvl3pPr>
-            <a:lvl4pPr marL="1371600" indent="0" algn="ctr">
+            <a:lvl4pPr marL="1028700" indent="0" algn="ctr">
               <a:buNone/>
               <a:defRPr>
                 <a:solidFill>
@@ -252,7 +251,7 @@
                 </a:solidFill>
               </a:defRPr>
             </a:lvl4pPr>
-            <a:lvl5pPr marL="1828800" indent="0" algn="ctr">
+            <a:lvl5pPr marL="1371600" indent="0" algn="ctr">
               <a:buNone/>
               <a:defRPr>
                 <a:solidFill>
@@ -262,7 +261,7 @@
                 </a:solidFill>
               </a:defRPr>
             </a:lvl5pPr>
-            <a:lvl6pPr marL="2286000" indent="0" algn="ctr">
+            <a:lvl6pPr marL="1714500" indent="0" algn="ctr">
               <a:buNone/>
               <a:defRPr>
                 <a:solidFill>
@@ -272,7 +271,7 @@
                 </a:solidFill>
               </a:defRPr>
             </a:lvl6pPr>
-            <a:lvl7pPr marL="2743200" indent="0" algn="ctr">
+            <a:lvl7pPr marL="2057400" indent="0" algn="ctr">
               <a:buNone/>
               <a:defRPr>
                 <a:solidFill>
@@ -282,7 +281,7 @@
                 </a:solidFill>
               </a:defRPr>
             </a:lvl7pPr>
-            <a:lvl8pPr marL="3200400" indent="0" algn="ctr">
+            <a:lvl8pPr marL="2400300" indent="0" algn="ctr">
               <a:buNone/>
               <a:defRPr>
                 <a:solidFill>
@@ -292,7 +291,7 @@
                 </a:solidFill>
               </a:defRPr>
             </a:lvl8pPr>
-            <a:lvl9pPr marL="3657600" indent="0" algn="ctr">
+            <a:lvl9pPr marL="2743200" indent="0" algn="ctr">
               <a:buNone/>
               <a:defRPr>
                 <a:solidFill>
@@ -305,10 +304,9 @@
           </a:lstStyle>
           <a:p>
             <a:r>
-              <a:rPr lang="en-US" smtClean="0"/>
+              <a:rPr lang="en-US"/>
               <a:t>Click to edit Master subtitle style</a:t>
             </a:r>
-            <a:endParaRPr lang="en-US"/>
           </a:p>
         </p:txBody>
       </p:sp>
@@ -329,7 +327,7 @@
           <a:p>
             <a:fld id="{241EB5C9-1307-BA42-ABA2-0BC069CD8E7F}" type="datetimeFigureOut">
               <a:rPr lang="en-US" smtClean="0"/>
-              <a:t>4/5/2019</a:t>
+              <a:t>1/2/22</a:t>
             </a:fld>
             <a:endParaRPr lang="en-US"/>
           </a:p>
@@ -423,10 +421,9 @@
           <a:lstStyle/>
           <a:p>
             <a:r>
-              <a:rPr lang="en-US" smtClean="0"/>
+              <a:rPr lang="en-US"/>
               <a:t>Click to edit Master title style</a:t>
             </a:r>
-            <a:endParaRPr lang="en-US"/>
           </a:p>
         </p:txBody>
       </p:sp>
@@ -447,38 +444,37 @@
           <a:p>
             <a:pPr lvl="0"/>
             <a:r>
-              <a:rPr lang="en-US" smtClean="0"/>
+              <a:rPr lang="en-US"/>
               <a:t>Click to edit Master text styles</a:t>
             </a:r>
           </a:p>
           <a:p>
             <a:pPr lvl="1"/>
             <a:r>
-              <a:rPr lang="en-US" smtClean="0"/>
+              <a:rPr lang="en-US"/>
               <a:t>Second level</a:t>
             </a:r>
           </a:p>
           <a:p>
             <a:pPr lvl="2"/>
             <a:r>
-              <a:rPr lang="en-US" smtClean="0"/>
+              <a:rPr lang="en-US"/>
               <a:t>Third level</a:t>
             </a:r>
           </a:p>
           <a:p>
             <a:pPr lvl="3"/>
             <a:r>
-              <a:rPr lang="en-US" smtClean="0"/>
+              <a:rPr lang="en-US"/>
               <a:t>Fourth level</a:t>
             </a:r>
           </a:p>
           <a:p>
             <a:pPr lvl="4"/>
             <a:r>
-              <a:rPr lang="en-US" smtClean="0"/>
+              <a:rPr lang="en-US"/>
               <a:t>Fifth level</a:t>
             </a:r>
-            <a:endParaRPr lang="en-US"/>
           </a:p>
         </p:txBody>
       </p:sp>
@@ -499,7 +495,7 @@
           <a:p>
             <a:fld id="{241EB5C9-1307-BA42-ABA2-0BC069CD8E7F}" type="datetimeFigureOut">
               <a:rPr lang="en-US" smtClean="0"/>
-              <a:t>4/5/2019</a:t>
+              <a:t>1/2/22</a:t>
             </a:fld>
             <a:endParaRPr lang="en-US"/>
           </a:p>
@@ -589,8 +585,8 @@
         </p:nvSpPr>
         <p:spPr>
           <a:xfrm>
-            <a:off x="6629400" y="274638"/>
-            <a:ext cx="2057400" cy="5851525"/>
+            <a:off x="6629400" y="205979"/>
+            <a:ext cx="2057400" cy="4388644"/>
           </a:xfrm>
         </p:spPr>
         <p:txBody>
@@ -598,10 +594,9 @@
           <a:lstStyle/>
           <a:p>
             <a:r>
-              <a:rPr lang="en-US" smtClean="0"/>
+              <a:rPr lang="en-US"/>
               <a:t>Click to edit Master title style</a:t>
             </a:r>
-            <a:endParaRPr lang="en-US"/>
           </a:p>
         </p:txBody>
       </p:sp>
@@ -617,8 +612,8 @@
         </p:nvSpPr>
         <p:spPr>
           <a:xfrm>
-            <a:off x="457200" y="274638"/>
-            <a:ext cx="6019800" cy="5851525"/>
+            <a:off x="457200" y="205979"/>
+            <a:ext cx="6019800" cy="4388644"/>
           </a:xfrm>
         </p:spPr>
         <p:txBody>
@@ -627,38 +622,37 @@
           <a:p>
             <a:pPr lvl="0"/>
             <a:r>
-              <a:rPr lang="en-US" smtClean="0"/>
+              <a:rPr lang="en-US"/>
               <a:t>Click to edit Master text styles</a:t>
             </a:r>
           </a:p>
           <a:p>
             <a:pPr lvl="1"/>
             <a:r>
-              <a:rPr lang="en-US" smtClean="0"/>
+              <a:rPr lang="en-US"/>
               <a:t>Second level</a:t>
             </a:r>
           </a:p>
           <a:p>
             <a:pPr lvl="2"/>
             <a:r>
-              <a:rPr lang="en-US" smtClean="0"/>
+              <a:rPr lang="en-US"/>
               <a:t>Third level</a:t>
             </a:r>
           </a:p>
           <a:p>
             <a:pPr lvl="3"/>
             <a:r>
-              <a:rPr lang="en-US" smtClean="0"/>
+              <a:rPr lang="en-US"/>
               <a:t>Fourth level</a:t>
             </a:r>
           </a:p>
           <a:p>
             <a:pPr lvl="4"/>
             <a:r>
-              <a:rPr lang="en-US" smtClean="0"/>
+              <a:rPr lang="en-US"/>
               <a:t>Fifth level</a:t>
             </a:r>
-            <a:endParaRPr lang="en-US"/>
           </a:p>
         </p:txBody>
       </p:sp>
@@ -679,7 +673,7 @@
           <a:p>
             <a:fld id="{241EB5C9-1307-BA42-ABA2-0BC069CD8E7F}" type="datetimeFigureOut">
               <a:rPr lang="en-US" smtClean="0"/>
-              <a:t>4/5/2019</a:t>
+              <a:t>1/2/22</a:t>
             </a:fld>
             <a:endParaRPr lang="en-US"/>
           </a:p>
@@ -773,10 +767,9 @@
           <a:lstStyle/>
           <a:p>
             <a:r>
-              <a:rPr lang="en-US" smtClean="0"/>
+              <a:rPr lang="en-US"/>
               <a:t>Click to edit Master title style</a:t>
             </a:r>
-            <a:endParaRPr lang="en-US"/>
           </a:p>
         </p:txBody>
       </p:sp>
@@ -797,38 +790,37 @@
           <a:p>
             <a:pPr lvl="0"/>
             <a:r>
-              <a:rPr lang="en-US" smtClean="0"/>
+              <a:rPr lang="en-US"/>
               <a:t>Click to edit Master text styles</a:t>
             </a:r>
           </a:p>
           <a:p>
             <a:pPr lvl="1"/>
             <a:r>
-              <a:rPr lang="en-US" smtClean="0"/>
+              <a:rPr lang="en-US"/>
               <a:t>Second level</a:t>
             </a:r>
           </a:p>
           <a:p>
             <a:pPr lvl="2"/>
             <a:r>
-              <a:rPr lang="en-US" smtClean="0"/>
+              <a:rPr lang="en-US"/>
               <a:t>Third level</a:t>
             </a:r>
           </a:p>
           <a:p>
             <a:pPr lvl="3"/>
             <a:r>
-              <a:rPr lang="en-US" smtClean="0"/>
+              <a:rPr lang="en-US"/>
               <a:t>Fourth level</a:t>
             </a:r>
           </a:p>
           <a:p>
             <a:pPr lvl="4"/>
             <a:r>
-              <a:rPr lang="en-US" smtClean="0"/>
+              <a:rPr lang="en-US"/>
               <a:t>Fifth level</a:t>
             </a:r>
-            <a:endParaRPr lang="en-US"/>
           </a:p>
         </p:txBody>
       </p:sp>
@@ -849,7 +841,7 @@
           <a:p>
             <a:fld id="{241EB5C9-1307-BA42-ABA2-0BC069CD8E7F}" type="datetimeFigureOut">
               <a:rPr lang="en-US" smtClean="0"/>
-              <a:t>4/5/2019</a:t>
+              <a:t>1/2/22</a:t>
             </a:fld>
             <a:endParaRPr lang="en-US"/>
           </a:p>
@@ -939,23 +931,22 @@
         </p:nvSpPr>
         <p:spPr>
           <a:xfrm>
-            <a:off x="722313" y="4406900"/>
-            <a:ext cx="7772400" cy="1362075"/>
+            <a:off x="722313" y="3305176"/>
+            <a:ext cx="7772400" cy="1021556"/>
           </a:xfrm>
         </p:spPr>
         <p:txBody>
           <a:bodyPr anchor="t"/>
           <a:lstStyle>
             <a:lvl1pPr algn="l">
-              <a:defRPr sz="4000" b="1" cap="all"/>
+              <a:defRPr sz="3000" b="1" cap="all"/>
             </a:lvl1pPr>
           </a:lstStyle>
           <a:p>
             <a:r>
-              <a:rPr lang="en-US" smtClean="0"/>
+              <a:rPr lang="en-US"/>
               <a:t>Click to edit Master title style</a:t>
             </a:r>
-            <a:endParaRPr lang="en-US"/>
           </a:p>
         </p:txBody>
       </p:sp>
@@ -971,8 +962,8 @@
         </p:nvSpPr>
         <p:spPr>
           <a:xfrm>
-            <a:off x="722313" y="2906713"/>
-            <a:ext cx="7772400" cy="1500187"/>
+            <a:off x="722313" y="2180035"/>
+            <a:ext cx="7772400" cy="1125140"/>
           </a:xfrm>
         </p:spPr>
         <p:txBody>
@@ -980,7 +971,7 @@
           <a:lstStyle>
             <a:lvl1pPr marL="0" indent="0">
               <a:buNone/>
-              <a:defRPr sz="2000">
+              <a:defRPr sz="1500">
                 <a:solidFill>
                   <a:schemeClr val="tx1">
                     <a:tint val="75000"/>
@@ -988,9 +979,9 @@
                 </a:solidFill>
               </a:defRPr>
             </a:lvl1pPr>
-            <a:lvl2pPr marL="457200" indent="0">
-              <a:buNone/>
-              <a:defRPr sz="1800">
+            <a:lvl2pPr marL="342900" indent="0">
+              <a:buNone/>
+              <a:defRPr sz="1350">
                 <a:solidFill>
                   <a:schemeClr val="tx1">
                     <a:tint val="75000"/>
@@ -998,9 +989,9 @@
                 </a:solidFill>
               </a:defRPr>
             </a:lvl2pPr>
-            <a:lvl3pPr marL="914400" indent="0">
-              <a:buNone/>
-              <a:defRPr sz="1600">
+            <a:lvl3pPr marL="685800" indent="0">
+              <a:buNone/>
+              <a:defRPr sz="1200">
                 <a:solidFill>
                   <a:schemeClr val="tx1">
                     <a:tint val="75000"/>
@@ -1008,9 +999,9 @@
                 </a:solidFill>
               </a:defRPr>
             </a:lvl3pPr>
-            <a:lvl4pPr marL="1371600" indent="0">
-              <a:buNone/>
-              <a:defRPr sz="1400">
+            <a:lvl4pPr marL="1028700" indent="0">
+              <a:buNone/>
+              <a:defRPr sz="1050">
                 <a:solidFill>
                   <a:schemeClr val="tx1">
                     <a:tint val="75000"/>
@@ -1018,9 +1009,9 @@
                 </a:solidFill>
               </a:defRPr>
             </a:lvl4pPr>
-            <a:lvl5pPr marL="1828800" indent="0">
-              <a:buNone/>
-              <a:defRPr sz="1400">
+            <a:lvl5pPr marL="1371600" indent="0">
+              <a:buNone/>
+              <a:defRPr sz="1050">
                 <a:solidFill>
                   <a:schemeClr val="tx1">
                     <a:tint val="75000"/>
@@ -1028,9 +1019,9 @@
                 </a:solidFill>
               </a:defRPr>
             </a:lvl5pPr>
-            <a:lvl6pPr marL="2286000" indent="0">
-              <a:buNone/>
-              <a:defRPr sz="1400">
+            <a:lvl6pPr marL="1714500" indent="0">
+              <a:buNone/>
+              <a:defRPr sz="1050">
                 <a:solidFill>
                   <a:schemeClr val="tx1">
                     <a:tint val="75000"/>
@@ -1038,9 +1029,9 @@
                 </a:solidFill>
               </a:defRPr>
             </a:lvl6pPr>
-            <a:lvl7pPr marL="2743200" indent="0">
-              <a:buNone/>
-              <a:defRPr sz="1400">
+            <a:lvl7pPr marL="2057400" indent="0">
+              <a:buNone/>
+              <a:defRPr sz="1050">
                 <a:solidFill>
                   <a:schemeClr val="tx1">
                     <a:tint val="75000"/>
@@ -1048,9 +1039,9 @@
                 </a:solidFill>
               </a:defRPr>
             </a:lvl7pPr>
-            <a:lvl8pPr marL="3200400" indent="0">
-              <a:buNone/>
-              <a:defRPr sz="1400">
+            <a:lvl8pPr marL="2400300" indent="0">
+              <a:buNone/>
+              <a:defRPr sz="1050">
                 <a:solidFill>
                   <a:schemeClr val="tx1">
                     <a:tint val="75000"/>
@@ -1058,9 +1049,9 @@
                 </a:solidFill>
               </a:defRPr>
             </a:lvl8pPr>
-            <a:lvl9pPr marL="3657600" indent="0">
-              <a:buNone/>
-              <a:defRPr sz="1400">
+            <a:lvl9pPr marL="2743200" indent="0">
+              <a:buNone/>
+              <a:defRPr sz="1050">
                 <a:solidFill>
                   <a:schemeClr val="tx1">
                     <a:tint val="75000"/>
@@ -1072,7 +1063,7 @@
           <a:p>
             <a:pPr lvl="0"/>
             <a:r>
-              <a:rPr lang="en-US" smtClean="0"/>
+              <a:rPr lang="en-US"/>
               <a:t>Click to edit Master text styles</a:t>
             </a:r>
           </a:p>
@@ -1095,7 +1086,7 @@
           <a:p>
             <a:fld id="{241EB5C9-1307-BA42-ABA2-0BC069CD8E7F}" type="datetimeFigureOut">
               <a:rPr lang="en-US" smtClean="0"/>
-              <a:t>4/5/2019</a:t>
+              <a:t>1/2/22</a:t>
             </a:fld>
             <a:endParaRPr lang="en-US"/>
           </a:p>
@@ -1189,10 +1180,9 @@
           <a:lstStyle/>
           <a:p>
             <a:r>
-              <a:rPr lang="en-US" smtClean="0"/>
+              <a:rPr lang="en-US"/>
               <a:t>Click to edit Master title style</a:t>
             </a:r>
-            <a:endParaRPr lang="en-US"/>
           </a:p>
         </p:txBody>
       </p:sp>
@@ -1208,76 +1198,75 @@
         </p:nvSpPr>
         <p:spPr>
           <a:xfrm>
-            <a:off x="457200" y="1600200"/>
-            <a:ext cx="4038600" cy="4525963"/>
+            <a:off x="457200" y="1200151"/>
+            <a:ext cx="4038600" cy="3394472"/>
           </a:xfrm>
         </p:spPr>
         <p:txBody>
           <a:bodyPr/>
           <a:lstStyle>
             <a:lvl1pPr>
-              <a:defRPr sz="2800"/>
+              <a:defRPr sz="2100"/>
             </a:lvl1pPr>
             <a:lvl2pPr>
-              <a:defRPr sz="2400"/>
+              <a:defRPr sz="1800"/>
             </a:lvl2pPr>
             <a:lvl3pPr>
-              <a:defRPr sz="2000"/>
+              <a:defRPr sz="1500"/>
             </a:lvl3pPr>
             <a:lvl4pPr>
-              <a:defRPr sz="1800"/>
+              <a:defRPr sz="1350"/>
             </a:lvl4pPr>
             <a:lvl5pPr>
-              <a:defRPr sz="1800"/>
+              <a:defRPr sz="1350"/>
             </a:lvl5pPr>
             <a:lvl6pPr>
-              <a:defRPr sz="1800"/>
+              <a:defRPr sz="1350"/>
             </a:lvl6pPr>
             <a:lvl7pPr>
-              <a:defRPr sz="1800"/>
+              <a:defRPr sz="1350"/>
             </a:lvl7pPr>
             <a:lvl8pPr>
-              <a:defRPr sz="1800"/>
+              <a:defRPr sz="1350"/>
             </a:lvl8pPr>
             <a:lvl9pPr>
-              <a:defRPr sz="1800"/>
+              <a:defRPr sz="1350"/>
             </a:lvl9pPr>
           </a:lstStyle>
           <a:p>
             <a:pPr lvl="0"/>
             <a:r>
-              <a:rPr lang="en-US" smtClean="0"/>
+              <a:rPr lang="en-US"/>
               <a:t>Click to edit Master text styles</a:t>
             </a:r>
           </a:p>
           <a:p>
             <a:pPr lvl="1"/>
             <a:r>
-              <a:rPr lang="en-US" smtClean="0"/>
+              <a:rPr lang="en-US"/>
               <a:t>Second level</a:t>
             </a:r>
           </a:p>
           <a:p>
             <a:pPr lvl="2"/>
             <a:r>
-              <a:rPr lang="en-US" smtClean="0"/>
+              <a:rPr lang="en-US"/>
               <a:t>Third level</a:t>
             </a:r>
           </a:p>
           <a:p>
             <a:pPr lvl="3"/>
             <a:r>
-              <a:rPr lang="en-US" smtClean="0"/>
+              <a:rPr lang="en-US"/>
               <a:t>Fourth level</a:t>
             </a:r>
           </a:p>
           <a:p>
             <a:pPr lvl="4"/>
             <a:r>
-              <a:rPr lang="en-US" smtClean="0"/>
+              <a:rPr lang="en-US"/>
               <a:t>Fifth level</a:t>
             </a:r>
-            <a:endParaRPr lang="en-US"/>
           </a:p>
         </p:txBody>
       </p:sp>
@@ -1293,76 +1282,75 @@
         </p:nvSpPr>
         <p:spPr>
           <a:xfrm>
-            <a:off x="4648200" y="1600200"/>
-            <a:ext cx="4038600" cy="4525963"/>
+            <a:off x="4648200" y="1200151"/>
+            <a:ext cx="4038600" cy="3394472"/>
           </a:xfrm>
         </p:spPr>
         <p:txBody>
           <a:bodyPr/>
           <a:lstStyle>
             <a:lvl1pPr>
-              <a:defRPr sz="2800"/>
+              <a:defRPr sz="2100"/>
             </a:lvl1pPr>
             <a:lvl2pPr>
-              <a:defRPr sz="2400"/>
+              <a:defRPr sz="1800"/>
             </a:lvl2pPr>
             <a:lvl3pPr>
-              <a:defRPr sz="2000"/>
+              <a:defRPr sz="1500"/>
             </a:lvl3pPr>
             <a:lvl4pPr>
-              <a:defRPr sz="1800"/>
+              <a:defRPr sz="1350"/>
             </a:lvl4pPr>
             <a:lvl5pPr>
-              <a:defRPr sz="1800"/>
+              <a:defRPr sz="1350"/>
             </a:lvl5pPr>
             <a:lvl6pPr>
-              <a:defRPr sz="1800"/>
+              <a:defRPr sz="1350"/>
             </a:lvl6pPr>
             <a:lvl7pPr>
-              <a:defRPr sz="1800"/>
+              <a:defRPr sz="1350"/>
             </a:lvl7pPr>
             <a:lvl8pPr>
-              <a:defRPr sz="1800"/>
+              <a:defRPr sz="1350"/>
             </a:lvl8pPr>
             <a:lvl9pPr>
-              <a:defRPr sz="1800"/>
+              <a:defRPr sz="1350"/>
             </a:lvl9pPr>
           </a:lstStyle>
           <a:p>
             <a:pPr lvl="0"/>
             <a:r>
-              <a:rPr lang="en-US" smtClean="0"/>
+              <a:rPr lang="en-US"/>
               <a:t>Click to edit Master text styles</a:t>
             </a:r>
           </a:p>
           <a:p>
             <a:pPr lvl="1"/>
             <a:r>
-              <a:rPr lang="en-US" smtClean="0"/>
+              <a:rPr lang="en-US"/>
               <a:t>Second level</a:t>
             </a:r>
           </a:p>
           <a:p>
             <a:pPr lvl="2"/>
             <a:r>
-              <a:rPr lang="en-US" smtClean="0"/>
+              <a:rPr lang="en-US"/>
               <a:t>Third level</a:t>
             </a:r>
           </a:p>
           <a:p>
             <a:pPr lvl="3"/>
             <a:r>
-              <a:rPr lang="en-US" smtClean="0"/>
+              <a:rPr lang="en-US"/>
               <a:t>Fourth level</a:t>
             </a:r>
           </a:p>
           <a:p>
             <a:pPr lvl="4"/>
             <a:r>
-              <a:rPr lang="en-US" smtClean="0"/>
+              <a:rPr lang="en-US"/>
               <a:t>Fifth level</a:t>
             </a:r>
-            <a:endParaRPr lang="en-US"/>
           </a:p>
         </p:txBody>
       </p:sp>
@@ -1383,7 +1371,7 @@
           <a:p>
             <a:fld id="{241EB5C9-1307-BA42-ABA2-0BC069CD8E7F}" type="datetimeFigureOut">
               <a:rPr lang="en-US" smtClean="0"/>
-              <a:t>4/5/2019</a:t>
+              <a:t>1/2/22</a:t>
             </a:fld>
             <a:endParaRPr lang="en-US"/>
           </a:p>
@@ -1481,10 +1469,9 @@
           </a:lstStyle>
           <a:p>
             <a:r>
-              <a:rPr lang="en-US" smtClean="0"/>
+              <a:rPr lang="en-US"/>
               <a:t>Click to edit Master title style</a:t>
             </a:r>
-            <a:endParaRPr lang="en-US"/>
           </a:p>
         </p:txBody>
       </p:sp>
@@ -1500,8 +1487,8 @@
         </p:nvSpPr>
         <p:spPr>
           <a:xfrm>
-            <a:off x="457200" y="1535113"/>
-            <a:ext cx="4040188" cy="639762"/>
+            <a:off x="457200" y="1151335"/>
+            <a:ext cx="4040188" cy="479822"/>
           </a:xfrm>
         </p:spPr>
         <p:txBody>
@@ -1509,45 +1496,45 @@
           <a:lstStyle>
             <a:lvl1pPr marL="0" indent="0">
               <a:buNone/>
-              <a:defRPr sz="2400" b="1"/>
+              <a:defRPr sz="1800" b="1"/>
             </a:lvl1pPr>
-            <a:lvl2pPr marL="457200" indent="0">
-              <a:buNone/>
-              <a:defRPr sz="2000" b="1"/>
+            <a:lvl2pPr marL="342900" indent="0">
+              <a:buNone/>
+              <a:defRPr sz="1500" b="1"/>
             </a:lvl2pPr>
-            <a:lvl3pPr marL="914400" indent="0">
-              <a:buNone/>
-              <a:defRPr sz="1800" b="1"/>
+            <a:lvl3pPr marL="685800" indent="0">
+              <a:buNone/>
+              <a:defRPr sz="1350" b="1"/>
             </a:lvl3pPr>
-            <a:lvl4pPr marL="1371600" indent="0">
-              <a:buNone/>
-              <a:defRPr sz="1600" b="1"/>
+            <a:lvl4pPr marL="1028700" indent="0">
+              <a:buNone/>
+              <a:defRPr sz="1200" b="1"/>
             </a:lvl4pPr>
-            <a:lvl5pPr marL="1828800" indent="0">
-              <a:buNone/>
-              <a:defRPr sz="1600" b="1"/>
+            <a:lvl5pPr marL="1371600" indent="0">
+              <a:buNone/>
+              <a:defRPr sz="1200" b="1"/>
             </a:lvl5pPr>
-            <a:lvl6pPr marL="2286000" indent="0">
-              <a:buNone/>
-              <a:defRPr sz="1600" b="1"/>
+            <a:lvl6pPr marL="1714500" indent="0">
+              <a:buNone/>
+              <a:defRPr sz="1200" b="1"/>
             </a:lvl6pPr>
-            <a:lvl7pPr marL="2743200" indent="0">
-              <a:buNone/>
-              <a:defRPr sz="1600" b="1"/>
+            <a:lvl7pPr marL="2057400" indent="0">
+              <a:buNone/>
+              <a:defRPr sz="1200" b="1"/>
             </a:lvl7pPr>
-            <a:lvl8pPr marL="3200400" indent="0">
-              <a:buNone/>
-              <a:defRPr sz="1600" b="1"/>
+            <a:lvl8pPr marL="2400300" indent="0">
+              <a:buNone/>
+              <a:defRPr sz="1200" b="1"/>
             </a:lvl8pPr>
-            <a:lvl9pPr marL="3657600" indent="0">
-              <a:buNone/>
-              <a:defRPr sz="1600" b="1"/>
+            <a:lvl9pPr marL="2743200" indent="0">
+              <a:buNone/>
+              <a:defRPr sz="1200" b="1"/>
             </a:lvl9pPr>
           </a:lstStyle>
           <a:p>
             <a:pPr lvl="0"/>
             <a:r>
-              <a:rPr lang="en-US" smtClean="0"/>
+              <a:rPr lang="en-US"/>
               <a:t>Click to edit Master text styles</a:t>
             </a:r>
           </a:p>
@@ -1565,76 +1552,75 @@
         </p:nvSpPr>
         <p:spPr>
           <a:xfrm>
-            <a:off x="457200" y="2174875"/>
-            <a:ext cx="4040188" cy="3951288"/>
+            <a:off x="457200" y="1631156"/>
+            <a:ext cx="4040188" cy="2963466"/>
           </a:xfrm>
         </p:spPr>
         <p:txBody>
           <a:bodyPr/>
           <a:lstStyle>
             <a:lvl1pPr>
-              <a:defRPr sz="2400"/>
+              <a:defRPr sz="1800"/>
             </a:lvl1pPr>
             <a:lvl2pPr>
-              <a:defRPr sz="2000"/>
+              <a:defRPr sz="1500"/>
             </a:lvl2pPr>
             <a:lvl3pPr>
-              <a:defRPr sz="1800"/>
+              <a:defRPr sz="1350"/>
             </a:lvl3pPr>
             <a:lvl4pPr>
-              <a:defRPr sz="1600"/>
+              <a:defRPr sz="1200"/>
             </a:lvl4pPr>
             <a:lvl5pPr>
-              <a:defRPr sz="1600"/>
+              <a:defRPr sz="1200"/>
             </a:lvl5pPr>
             <a:lvl6pPr>
-              <a:defRPr sz="1600"/>
+              <a:defRPr sz="1200"/>
             </a:lvl6pPr>
             <a:lvl7pPr>
-              <a:defRPr sz="1600"/>
+              <a:defRPr sz="1200"/>
             </a:lvl7pPr>
             <a:lvl8pPr>
-              <a:defRPr sz="1600"/>
+              <a:defRPr sz="1200"/>
             </a:lvl8pPr>
             <a:lvl9pPr>
-              <a:defRPr sz="1600"/>
+              <a:defRPr sz="1200"/>
             </a:lvl9pPr>
           </a:lstStyle>
           <a:p>
             <a:pPr lvl="0"/>
             <a:r>
-              <a:rPr lang="en-US" smtClean="0"/>
+              <a:rPr lang="en-US"/>
               <a:t>Click to edit Master text styles</a:t>
             </a:r>
           </a:p>
           <a:p>
             <a:pPr lvl="1"/>
             <a:r>
-              <a:rPr lang="en-US" smtClean="0"/>
+              <a:rPr lang="en-US"/>
               <a:t>Second level</a:t>
             </a:r>
           </a:p>
           <a:p>
             <a:pPr lvl="2"/>
             <a:r>
-              <a:rPr lang="en-US" smtClean="0"/>
+              <a:rPr lang="en-US"/>
               <a:t>Third level</a:t>
             </a:r>
           </a:p>
           <a:p>
             <a:pPr lvl="3"/>
             <a:r>
-              <a:rPr lang="en-US" smtClean="0"/>
+              <a:rPr lang="en-US"/>
               <a:t>Fourth level</a:t>
             </a:r>
           </a:p>
           <a:p>
             <a:pPr lvl="4"/>
             <a:r>
-              <a:rPr lang="en-US" smtClean="0"/>
+              <a:rPr lang="en-US"/>
               <a:t>Fifth level</a:t>
             </a:r>
-            <a:endParaRPr lang="en-US"/>
           </a:p>
         </p:txBody>
       </p:sp>
@@ -1650,8 +1636,8 @@
         </p:nvSpPr>
         <p:spPr>
           <a:xfrm>
-            <a:off x="4645025" y="1535113"/>
-            <a:ext cx="4041775" cy="639762"/>
+            <a:off x="4645026" y="1151335"/>
+            <a:ext cx="4041775" cy="479822"/>
           </a:xfrm>
         </p:spPr>
         <p:txBody>
@@ -1659,45 +1645,45 @@
           <a:lstStyle>
             <a:lvl1pPr marL="0" indent="0">
               <a:buNone/>
-              <a:defRPr sz="2400" b="1"/>
+              <a:defRPr sz="1800" b="1"/>
             </a:lvl1pPr>
-            <a:lvl2pPr marL="457200" indent="0">
-              <a:buNone/>
-              <a:defRPr sz="2000" b="1"/>
+            <a:lvl2pPr marL="342900" indent="0">
+              <a:buNone/>
+              <a:defRPr sz="1500" b="1"/>
             </a:lvl2pPr>
-            <a:lvl3pPr marL="914400" indent="0">
-              <a:buNone/>
-              <a:defRPr sz="1800" b="1"/>
+            <a:lvl3pPr marL="685800" indent="0">
+              <a:buNone/>
+              <a:defRPr sz="1350" b="1"/>
             </a:lvl3pPr>
-            <a:lvl4pPr marL="1371600" indent="0">
-              <a:buNone/>
-              <a:defRPr sz="1600" b="1"/>
+            <a:lvl4pPr marL="1028700" indent="0">
+              <a:buNone/>
+              <a:defRPr sz="1200" b="1"/>
             </a:lvl4pPr>
-            <a:lvl5pPr marL="1828800" indent="0">
-              <a:buNone/>
-              <a:defRPr sz="1600" b="1"/>
+            <a:lvl5pPr marL="1371600" indent="0">
+              <a:buNone/>
+              <a:defRPr sz="1200" b="1"/>
             </a:lvl5pPr>
-            <a:lvl6pPr marL="2286000" indent="0">
-              <a:buNone/>
-              <a:defRPr sz="1600" b="1"/>
+            <a:lvl6pPr marL="1714500" indent="0">
+              <a:buNone/>
+              <a:defRPr sz="1200" b="1"/>
             </a:lvl6pPr>
-            <a:lvl7pPr marL="2743200" indent="0">
-              <a:buNone/>
-              <a:defRPr sz="1600" b="1"/>
+            <a:lvl7pPr marL="2057400" indent="0">
+              <a:buNone/>
+              <a:defRPr sz="1200" b="1"/>
             </a:lvl7pPr>
-            <a:lvl8pPr marL="3200400" indent="0">
-              <a:buNone/>
-              <a:defRPr sz="1600" b="1"/>
+            <a:lvl8pPr marL="2400300" indent="0">
+              <a:buNone/>
+              <a:defRPr sz="1200" b="1"/>
             </a:lvl8pPr>
-            <a:lvl9pPr marL="3657600" indent="0">
-              <a:buNone/>
-              <a:defRPr sz="1600" b="1"/>
+            <a:lvl9pPr marL="2743200" indent="0">
+              <a:buNone/>
+              <a:defRPr sz="1200" b="1"/>
             </a:lvl9pPr>
           </a:lstStyle>
           <a:p>
             <a:pPr lvl="0"/>
             <a:r>
-              <a:rPr lang="en-US" smtClean="0"/>
+              <a:rPr lang="en-US"/>
               <a:t>Click to edit Master text styles</a:t>
             </a:r>
           </a:p>
@@ -1715,76 +1701,75 @@
         </p:nvSpPr>
         <p:spPr>
           <a:xfrm>
-            <a:off x="4645025" y="2174875"/>
-            <a:ext cx="4041775" cy="3951288"/>
+            <a:off x="4645026" y="1631156"/>
+            <a:ext cx="4041775" cy="2963466"/>
           </a:xfrm>
         </p:spPr>
         <p:txBody>
           <a:bodyPr/>
           <a:lstStyle>
             <a:lvl1pPr>
-              <a:defRPr sz="2400"/>
+              <a:defRPr sz="1800"/>
             </a:lvl1pPr>
             <a:lvl2pPr>
-              <a:defRPr sz="2000"/>
+              <a:defRPr sz="1500"/>
             </a:lvl2pPr>
             <a:lvl3pPr>
-              <a:defRPr sz="1800"/>
+              <a:defRPr sz="1350"/>
             </a:lvl3pPr>
             <a:lvl4pPr>
-              <a:defRPr sz="1600"/>
+              <a:defRPr sz="1200"/>
             </a:lvl4pPr>
             <a:lvl5pPr>
-              <a:defRPr sz="1600"/>
+              <a:defRPr sz="1200"/>
             </a:lvl5pPr>
             <a:lvl6pPr>
-              <a:defRPr sz="1600"/>
+              <a:defRPr sz="1200"/>
             </a:lvl6pPr>
             <a:lvl7pPr>
-              <a:defRPr sz="1600"/>
+              <a:defRPr sz="1200"/>
             </a:lvl7pPr>
             <a:lvl8pPr>
-              <a:defRPr sz="1600"/>
+              <a:defRPr sz="1200"/>
             </a:lvl8pPr>
             <a:lvl9pPr>
-              <a:defRPr sz="1600"/>
+              <a:defRPr sz="1200"/>
             </a:lvl9pPr>
           </a:lstStyle>
           <a:p>
             <a:pPr lvl="0"/>
             <a:r>
-              <a:rPr lang="en-US" smtClean="0"/>
+              <a:rPr lang="en-US"/>
               <a:t>Click to edit Master text styles</a:t>
             </a:r>
           </a:p>
           <a:p>
             <a:pPr lvl="1"/>
             <a:r>
-              <a:rPr lang="en-US" smtClean="0"/>
+              <a:rPr lang="en-US"/>
               <a:t>Second level</a:t>
             </a:r>
           </a:p>
           <a:p>
             <a:pPr lvl="2"/>
             <a:r>
-              <a:rPr lang="en-US" smtClean="0"/>
+              <a:rPr lang="en-US"/>
               <a:t>Third level</a:t>
             </a:r>
           </a:p>
           <a:p>
             <a:pPr lvl="3"/>
             <a:r>
-              <a:rPr lang="en-US" smtClean="0"/>
+              <a:rPr lang="en-US"/>
               <a:t>Fourth level</a:t>
             </a:r>
           </a:p>
           <a:p>
             <a:pPr lvl="4"/>
             <a:r>
-              <a:rPr lang="en-US" smtClean="0"/>
+              <a:rPr lang="en-US"/>
               <a:t>Fifth level</a:t>
             </a:r>
-            <a:endParaRPr lang="en-US"/>
           </a:p>
         </p:txBody>
       </p:sp>
@@ -1805,7 +1790,7 @@
           <a:p>
             <a:fld id="{241EB5C9-1307-BA42-ABA2-0BC069CD8E7F}" type="datetimeFigureOut">
               <a:rPr lang="en-US" smtClean="0"/>
-              <a:t>4/5/2019</a:t>
+              <a:t>1/2/22</a:t>
             </a:fld>
             <a:endParaRPr lang="en-US"/>
           </a:p>
@@ -1899,10 +1884,9 @@
           <a:lstStyle/>
           <a:p>
             <a:r>
-              <a:rPr lang="en-US" smtClean="0"/>
+              <a:rPr lang="en-US"/>
               <a:t>Click to edit Master title style</a:t>
             </a:r>
-            <a:endParaRPr lang="en-US"/>
           </a:p>
         </p:txBody>
       </p:sp>
@@ -1923,7 +1907,7 @@
           <a:p>
             <a:fld id="{241EB5C9-1307-BA42-ABA2-0BC069CD8E7F}" type="datetimeFigureOut">
               <a:rPr lang="en-US" smtClean="0"/>
-              <a:t>4/5/2019</a:t>
+              <a:t>1/2/22</a:t>
             </a:fld>
             <a:endParaRPr lang="en-US"/>
           </a:p>
@@ -2018,7 +2002,7 @@
           <a:p>
             <a:fld id="{241EB5C9-1307-BA42-ABA2-0BC069CD8E7F}" type="datetimeFigureOut">
               <a:rPr lang="en-US" smtClean="0"/>
-              <a:t>4/5/2019</a:t>
+              <a:t>1/2/22</a:t>
             </a:fld>
             <a:endParaRPr lang="en-US"/>
           </a:p>
@@ -2108,23 +2092,22 @@
         </p:nvSpPr>
         <p:spPr>
           <a:xfrm>
-            <a:off x="457200" y="273050"/>
-            <a:ext cx="3008313" cy="1162050"/>
+            <a:off x="457201" y="204787"/>
+            <a:ext cx="3008313" cy="871538"/>
           </a:xfrm>
         </p:spPr>
         <p:txBody>
           <a:bodyPr anchor="b"/>
           <a:lstStyle>
             <a:lvl1pPr algn="l">
-              <a:defRPr sz="2000" b="1"/>
+              <a:defRPr sz="1500" b="1"/>
             </a:lvl1pPr>
           </a:lstStyle>
           <a:p>
             <a:r>
-              <a:rPr lang="en-US" smtClean="0"/>
+              <a:rPr lang="en-US"/>
               <a:t>Click to edit Master title style</a:t>
             </a:r>
-            <a:endParaRPr lang="en-US"/>
           </a:p>
         </p:txBody>
       </p:sp>
@@ -2140,76 +2123,75 @@
         </p:nvSpPr>
         <p:spPr>
           <a:xfrm>
-            <a:off x="3575050" y="273050"/>
-            <a:ext cx="5111750" cy="5853113"/>
+            <a:off x="3575050" y="204788"/>
+            <a:ext cx="5111750" cy="4389835"/>
           </a:xfrm>
         </p:spPr>
         <p:txBody>
           <a:bodyPr/>
           <a:lstStyle>
             <a:lvl1pPr>
-              <a:defRPr sz="3200"/>
+              <a:defRPr sz="2400"/>
             </a:lvl1pPr>
             <a:lvl2pPr>
-              <a:defRPr sz="2800"/>
+              <a:defRPr sz="2100"/>
             </a:lvl2pPr>
             <a:lvl3pPr>
-              <a:defRPr sz="2400"/>
+              <a:defRPr sz="1800"/>
             </a:lvl3pPr>
             <a:lvl4pPr>
-              <a:defRPr sz="2000"/>
+              <a:defRPr sz="1500"/>
             </a:lvl4pPr>
             <a:lvl5pPr>
-              <a:defRPr sz="2000"/>
+              <a:defRPr sz="1500"/>
             </a:lvl5pPr>
             <a:lvl6pPr>
-              <a:defRPr sz="2000"/>
+              <a:defRPr sz="1500"/>
             </a:lvl6pPr>
             <a:lvl7pPr>
-              <a:defRPr sz="2000"/>
+              <a:defRPr sz="1500"/>
             </a:lvl7pPr>
             <a:lvl8pPr>
-              <a:defRPr sz="2000"/>
+              <a:defRPr sz="1500"/>
             </a:lvl8pPr>
             <a:lvl9pPr>
-              <a:defRPr sz="2000"/>
+              <a:defRPr sz="1500"/>
             </a:lvl9pPr>
           </a:lstStyle>
           <a:p>
             <a:pPr lvl="0"/>
             <a:r>
-              <a:rPr lang="en-US" smtClean="0"/>
+              <a:rPr lang="en-US"/>
               <a:t>Click to edit Master text styles</a:t>
             </a:r>
           </a:p>
           <a:p>
             <a:pPr lvl="1"/>
             <a:r>
-              <a:rPr lang="en-US" smtClean="0"/>
+              <a:rPr lang="en-US"/>
               <a:t>Second level</a:t>
             </a:r>
           </a:p>
           <a:p>
             <a:pPr lvl="2"/>
             <a:r>
-              <a:rPr lang="en-US" smtClean="0"/>
+              <a:rPr lang="en-US"/>
               <a:t>Third level</a:t>
             </a:r>
           </a:p>
           <a:p>
             <a:pPr lvl="3"/>
             <a:r>
-              <a:rPr lang="en-US" smtClean="0"/>
+              <a:rPr lang="en-US"/>
               <a:t>Fourth level</a:t>
             </a:r>
           </a:p>
           <a:p>
             <a:pPr lvl="4"/>
             <a:r>
-              <a:rPr lang="en-US" smtClean="0"/>
+              <a:rPr lang="en-US"/>
               <a:t>Fifth level</a:t>
             </a:r>
-            <a:endParaRPr lang="en-US"/>
           </a:p>
         </p:txBody>
       </p:sp>
@@ -2225,8 +2207,8 @@
         </p:nvSpPr>
         <p:spPr>
           <a:xfrm>
-            <a:off x="457200" y="1435100"/>
-            <a:ext cx="3008313" cy="4691063"/>
+            <a:off x="457201" y="1076326"/>
+            <a:ext cx="3008313" cy="3518297"/>
           </a:xfrm>
         </p:spPr>
         <p:txBody>
@@ -2234,45 +2216,45 @@
           <a:lstStyle>
             <a:lvl1pPr marL="0" indent="0">
               <a:buNone/>
-              <a:defRPr sz="1400"/>
+              <a:defRPr sz="1050"/>
             </a:lvl1pPr>
-            <a:lvl2pPr marL="457200" indent="0">
-              <a:buNone/>
-              <a:defRPr sz="1200"/>
+            <a:lvl2pPr marL="342900" indent="0">
+              <a:buNone/>
+              <a:defRPr sz="900"/>
             </a:lvl2pPr>
-            <a:lvl3pPr marL="914400" indent="0">
-              <a:buNone/>
-              <a:defRPr sz="1000"/>
+            <a:lvl3pPr marL="685800" indent="0">
+              <a:buNone/>
+              <a:defRPr sz="750"/>
             </a:lvl3pPr>
-            <a:lvl4pPr marL="1371600" indent="0">
-              <a:buNone/>
-              <a:defRPr sz="900"/>
+            <a:lvl4pPr marL="1028700" indent="0">
+              <a:buNone/>
+              <a:defRPr sz="675"/>
             </a:lvl4pPr>
-            <a:lvl5pPr marL="1828800" indent="0">
-              <a:buNone/>
-              <a:defRPr sz="900"/>
+            <a:lvl5pPr marL="1371600" indent="0">
+              <a:buNone/>
+              <a:defRPr sz="675"/>
             </a:lvl5pPr>
-            <a:lvl6pPr marL="2286000" indent="0">
-              <a:buNone/>
-              <a:defRPr sz="900"/>
+            <a:lvl6pPr marL="1714500" indent="0">
+              <a:buNone/>
+              <a:defRPr sz="675"/>
             </a:lvl6pPr>
-            <a:lvl7pPr marL="2743200" indent="0">
-              <a:buNone/>
-              <a:defRPr sz="900"/>
+            <a:lvl7pPr marL="2057400" indent="0">
+              <a:buNone/>
+              <a:defRPr sz="675"/>
             </a:lvl7pPr>
-            <a:lvl8pPr marL="3200400" indent="0">
-              <a:buNone/>
-              <a:defRPr sz="900"/>
+            <a:lvl8pPr marL="2400300" indent="0">
+              <a:buNone/>
+              <a:defRPr sz="675"/>
             </a:lvl8pPr>
-            <a:lvl9pPr marL="3657600" indent="0">
-              <a:buNone/>
-              <a:defRPr sz="900"/>
+            <a:lvl9pPr marL="2743200" indent="0">
+              <a:buNone/>
+              <a:defRPr sz="675"/>
             </a:lvl9pPr>
           </a:lstStyle>
           <a:p>
             <a:pPr lvl="0"/>
             <a:r>
-              <a:rPr lang="en-US" smtClean="0"/>
+              <a:rPr lang="en-US"/>
               <a:t>Click to edit Master text styles</a:t>
             </a:r>
           </a:p>
@@ -2295,7 +2277,7 @@
           <a:p>
             <a:fld id="{241EB5C9-1307-BA42-ABA2-0BC069CD8E7F}" type="datetimeFigureOut">
               <a:rPr lang="en-US" smtClean="0"/>
-              <a:t>4/5/2019</a:t>
+              <a:t>1/2/22</a:t>
             </a:fld>
             <a:endParaRPr lang="en-US"/>
           </a:p>
@@ -2385,23 +2367,22 @@
         </p:nvSpPr>
         <p:spPr>
           <a:xfrm>
-            <a:off x="1792288" y="4800600"/>
-            <a:ext cx="5486400" cy="566738"/>
+            <a:off x="1792288" y="3600450"/>
+            <a:ext cx="5486400" cy="425054"/>
           </a:xfrm>
         </p:spPr>
         <p:txBody>
           <a:bodyPr anchor="b"/>
           <a:lstStyle>
             <a:lvl1pPr algn="l">
-              <a:defRPr sz="2000" b="1"/>
+              <a:defRPr sz="1500" b="1"/>
             </a:lvl1pPr>
           </a:lstStyle>
           <a:p>
             <a:r>
-              <a:rPr lang="en-US" smtClean="0"/>
+              <a:rPr lang="en-US"/>
               <a:t>Click to edit Master title style</a:t>
             </a:r>
-            <a:endParaRPr lang="en-US"/>
           </a:p>
         </p:txBody>
       </p:sp>
@@ -2417,8 +2398,8 @@
         </p:nvSpPr>
         <p:spPr>
           <a:xfrm>
-            <a:off x="1792288" y="612775"/>
-            <a:ext cx="5486400" cy="4114800"/>
+            <a:off x="1792288" y="459581"/>
+            <a:ext cx="5486400" cy="3086100"/>
           </a:xfrm>
         </p:spPr>
         <p:txBody>
@@ -2426,39 +2407,39 @@
           <a:lstStyle>
             <a:lvl1pPr marL="0" indent="0">
               <a:buNone/>
-              <a:defRPr sz="3200"/>
+              <a:defRPr sz="2400"/>
             </a:lvl1pPr>
-            <a:lvl2pPr marL="457200" indent="0">
-              <a:buNone/>
-              <a:defRPr sz="2800"/>
+            <a:lvl2pPr marL="342900" indent="0">
+              <a:buNone/>
+              <a:defRPr sz="2100"/>
             </a:lvl2pPr>
-            <a:lvl3pPr marL="914400" indent="0">
-              <a:buNone/>
-              <a:defRPr sz="2400"/>
+            <a:lvl3pPr marL="685800" indent="0">
+              <a:buNone/>
+              <a:defRPr sz="1800"/>
             </a:lvl3pPr>
-            <a:lvl4pPr marL="1371600" indent="0">
-              <a:buNone/>
-              <a:defRPr sz="2000"/>
+            <a:lvl4pPr marL="1028700" indent="0">
+              <a:buNone/>
+              <a:defRPr sz="1500"/>
             </a:lvl4pPr>
-            <a:lvl5pPr marL="1828800" indent="0">
-              <a:buNone/>
-              <a:defRPr sz="2000"/>
+            <a:lvl5pPr marL="1371600" indent="0">
+              <a:buNone/>
+              <a:defRPr sz="1500"/>
             </a:lvl5pPr>
-            <a:lvl6pPr marL="2286000" indent="0">
-              <a:buNone/>
-              <a:defRPr sz="2000"/>
+            <a:lvl6pPr marL="1714500" indent="0">
+              <a:buNone/>
+              <a:defRPr sz="1500"/>
             </a:lvl6pPr>
-            <a:lvl7pPr marL="2743200" indent="0">
-              <a:buNone/>
-              <a:defRPr sz="2000"/>
+            <a:lvl7pPr marL="2057400" indent="0">
+              <a:buNone/>
+              <a:defRPr sz="1500"/>
             </a:lvl7pPr>
-            <a:lvl8pPr marL="3200400" indent="0">
-              <a:buNone/>
-              <a:defRPr sz="2000"/>
+            <a:lvl8pPr marL="2400300" indent="0">
+              <a:buNone/>
+              <a:defRPr sz="1500"/>
             </a:lvl8pPr>
-            <a:lvl9pPr marL="3657600" indent="0">
-              <a:buNone/>
-              <a:defRPr sz="2000"/>
+            <a:lvl9pPr marL="2743200" indent="0">
+              <a:buNone/>
+              <a:defRPr sz="1500"/>
             </a:lvl9pPr>
           </a:lstStyle>
           <a:p>
@@ -2478,8 +2459,8 @@
         </p:nvSpPr>
         <p:spPr>
           <a:xfrm>
-            <a:off x="1792288" y="5367338"/>
-            <a:ext cx="5486400" cy="804862"/>
+            <a:off x="1792288" y="4025503"/>
+            <a:ext cx="5486400" cy="603647"/>
           </a:xfrm>
         </p:spPr>
         <p:txBody>
@@ -2487,45 +2468,45 @@
           <a:lstStyle>
             <a:lvl1pPr marL="0" indent="0">
               <a:buNone/>
-              <a:defRPr sz="1400"/>
+              <a:defRPr sz="1050"/>
             </a:lvl1pPr>
-            <a:lvl2pPr marL="457200" indent="0">
-              <a:buNone/>
-              <a:defRPr sz="1200"/>
+            <a:lvl2pPr marL="342900" indent="0">
+              <a:buNone/>
+              <a:defRPr sz="900"/>
             </a:lvl2pPr>
-            <a:lvl3pPr marL="914400" indent="0">
-              <a:buNone/>
-              <a:defRPr sz="1000"/>
+            <a:lvl3pPr marL="685800" indent="0">
+              <a:buNone/>
+              <a:defRPr sz="750"/>
             </a:lvl3pPr>
-            <a:lvl4pPr marL="1371600" indent="0">
-              <a:buNone/>
-              <a:defRPr sz="900"/>
+            <a:lvl4pPr marL="1028700" indent="0">
+              <a:buNone/>
+              <a:defRPr sz="675"/>
             </a:lvl4pPr>
-            <a:lvl5pPr marL="1828800" indent="0">
-              <a:buNone/>
-              <a:defRPr sz="900"/>
+            <a:lvl5pPr marL="1371600" indent="0">
+              <a:buNone/>
+              <a:defRPr sz="675"/>
             </a:lvl5pPr>
-            <a:lvl6pPr marL="2286000" indent="0">
-              <a:buNone/>
-              <a:defRPr sz="900"/>
+            <a:lvl6pPr marL="1714500" indent="0">
+              <a:buNone/>
+              <a:defRPr sz="675"/>
             </a:lvl6pPr>
-            <a:lvl7pPr marL="2743200" indent="0">
-              <a:buNone/>
-              <a:defRPr sz="900"/>
+            <a:lvl7pPr marL="2057400" indent="0">
+              <a:buNone/>
+              <a:defRPr sz="675"/>
             </a:lvl7pPr>
-            <a:lvl8pPr marL="3200400" indent="0">
-              <a:buNone/>
-              <a:defRPr sz="900"/>
+            <a:lvl8pPr marL="2400300" indent="0">
+              <a:buNone/>
+              <a:defRPr sz="675"/>
             </a:lvl8pPr>
-            <a:lvl9pPr marL="3657600" indent="0">
-              <a:buNone/>
-              <a:defRPr sz="900"/>
+            <a:lvl9pPr marL="2743200" indent="0">
+              <a:buNone/>
+              <a:defRPr sz="675"/>
             </a:lvl9pPr>
           </a:lstStyle>
           <a:p>
             <a:pPr lvl="0"/>
             <a:r>
-              <a:rPr lang="en-US" smtClean="0"/>
+              <a:rPr lang="en-US"/>
               <a:t>Click to edit Master text styles</a:t>
             </a:r>
           </a:p>
@@ -2548,7 +2529,7 @@
           <a:p>
             <a:fld id="{241EB5C9-1307-BA42-ABA2-0BC069CD8E7F}" type="datetimeFigureOut">
               <a:rPr lang="en-US" smtClean="0"/>
-              <a:t>4/5/2019</a:t>
+              <a:t>1/2/22</a:t>
             </a:fld>
             <a:endParaRPr lang="en-US"/>
           </a:p>
@@ -2610,7 +2591,7 @@
 </file>
 
 <file path=ppt/slideMasters/slideMaster1.xml><?xml version="1.0" encoding="utf-8"?>
-<p:sldMaster xmlns:a="http://schemas.openxmlformats.org/drawingml/2006/main" xmlns:r="http://schemas.openxmlformats.org/officeDocument/2006/relationships" xmlns:p="http://schemas.openxmlformats.org/presentationml/2006/main">
+<p:sldMaster xmlns:a="http://schemas.openxmlformats.org/drawingml/2006/main" xmlns:p="http://schemas.openxmlformats.org/presentationml/2006/main" xmlns:r="http://schemas.openxmlformats.org/officeDocument/2006/relationships">
   <p:cSld>
     <p:bg>
       <p:bgRef idx="1001">
@@ -2643,24 +2624,23 @@
         </p:nvSpPr>
         <p:spPr>
           <a:xfrm>
-            <a:off x="457200" y="274638"/>
-            <a:ext cx="8229600" cy="1143000"/>
+            <a:off x="457200" y="205979"/>
+            <a:ext cx="8229600" cy="857250"/>
           </a:xfrm>
           <a:prstGeom prst="rect">
             <a:avLst/>
           </a:prstGeom>
         </p:spPr>
         <p:txBody>
-          <a:bodyPr vert="horz" lIns="91440" tIns="45720" rIns="91440" bIns="45720" rtlCol="0" anchor="ctr">
+          <a:bodyPr anchor="ctr" bIns="45720" lIns="91440" rIns="91440" rtlCol="0" tIns="45720" vert="horz">
             <a:normAutofit/>
           </a:bodyPr>
           <a:lstStyle/>
           <a:p>
             <a:r>
-              <a:rPr lang="en-US" smtClean="0"/>
+              <a:rPr lang="en-US"/>
               <a:t>Click to edit Master title style</a:t>
             </a:r>
-            <a:endParaRPr lang="en-US"/>
           </a:p>
         </p:txBody>
       </p:sp>
@@ -2671,58 +2651,57 @@
             <a:spLocks noGrp="1"/>
           </p:cNvSpPr>
           <p:nvPr>
-            <p:ph type="body" idx="1"/>
+            <p:ph idx="1" type="body"/>
           </p:nvPr>
         </p:nvSpPr>
         <p:spPr>
           <a:xfrm>
-            <a:off x="457200" y="1600200"/>
-            <a:ext cx="8229600" cy="4525963"/>
+            <a:off x="457200" y="1200151"/>
+            <a:ext cx="8229600" cy="3394472"/>
           </a:xfrm>
           <a:prstGeom prst="rect">
             <a:avLst/>
           </a:prstGeom>
         </p:spPr>
         <p:txBody>
-          <a:bodyPr vert="horz" lIns="91440" tIns="45720" rIns="91440" bIns="45720" rtlCol="0">
+          <a:bodyPr bIns="45720" lIns="91440" rIns="91440" rtlCol="0" tIns="45720" vert="horz">
             <a:normAutofit/>
           </a:bodyPr>
           <a:lstStyle/>
           <a:p>
             <a:pPr lvl="0"/>
             <a:r>
-              <a:rPr lang="en-US" smtClean="0"/>
+              <a:rPr lang="en-US"/>
               <a:t>Click to edit Master text styles</a:t>
             </a:r>
           </a:p>
           <a:p>
             <a:pPr lvl="1"/>
             <a:r>
-              <a:rPr lang="en-US" smtClean="0"/>
+              <a:rPr lang="en-US"/>
               <a:t>Second level</a:t>
             </a:r>
           </a:p>
           <a:p>
             <a:pPr lvl="2"/>
             <a:r>
-              <a:rPr lang="en-US" smtClean="0"/>
+              <a:rPr lang="en-US"/>
               <a:t>Third level</a:t>
             </a:r>
           </a:p>
           <a:p>
             <a:pPr lvl="3"/>
             <a:r>
-              <a:rPr lang="en-US" smtClean="0"/>
+              <a:rPr lang="en-US"/>
               <a:t>Fourth level</a:t>
             </a:r>
           </a:p>
           <a:p>
             <a:pPr lvl="4"/>
             <a:r>
-              <a:rPr lang="en-US" smtClean="0"/>
+              <a:rPr lang="en-US"/>
               <a:t>Fifth level</a:t>
             </a:r>
-            <a:endParaRPr lang="en-US"/>
           </a:p>
         </p:txBody>
       </p:sp>
@@ -2733,23 +2712,23 @@
             <a:spLocks noGrp="1"/>
           </p:cNvSpPr>
           <p:nvPr>
-            <p:ph type="dt" sz="half" idx="2"/>
+            <p:ph idx="2" sz="half" type="dt"/>
           </p:nvPr>
         </p:nvSpPr>
         <p:spPr>
           <a:xfrm>
-            <a:off x="457200" y="6356350"/>
-            <a:ext cx="2133600" cy="365125"/>
+            <a:off x="457200" y="4767263"/>
+            <a:ext cx="2133600" cy="273844"/>
           </a:xfrm>
           <a:prstGeom prst="rect">
             <a:avLst/>
           </a:prstGeom>
         </p:spPr>
         <p:txBody>
-          <a:bodyPr vert="horz" lIns="91440" tIns="45720" rIns="91440" bIns="45720" rtlCol="0" anchor="ctr"/>
+          <a:bodyPr anchor="ctr" bIns="45720" lIns="91440" rIns="91440" rtlCol="0" tIns="45720" vert="horz"/>
           <a:lstStyle>
             <a:lvl1pPr algn="l">
-              <a:defRPr sz="1200">
+              <a:defRPr sz="900">
                 <a:solidFill>
                   <a:schemeClr val="tx1">
                     <a:tint val="75000"/>
@@ -2761,7 +2740,7 @@
           <a:p>
             <a:fld id="{241EB5C9-1307-BA42-ABA2-0BC069CD8E7F}" type="datetimeFigureOut">
               <a:rPr lang="en-US" smtClean="0"/>
-              <a:t>4/5/2019</a:t>
+              <a:t>1/2/22</a:t>
             </a:fld>
             <a:endParaRPr lang="en-US"/>
           </a:p>
@@ -2774,23 +2753,23 @@
             <a:spLocks noGrp="1"/>
           </p:cNvSpPr>
           <p:nvPr>
-            <p:ph type="ftr" sz="quarter" idx="3"/>
+            <p:ph idx="3" sz="quarter" type="ftr"/>
           </p:nvPr>
         </p:nvSpPr>
         <p:spPr>
           <a:xfrm>
-            <a:off x="3124200" y="6356350"/>
-            <a:ext cx="2895600" cy="365125"/>
+            <a:off x="3124200" y="4767263"/>
+            <a:ext cx="2895600" cy="273844"/>
           </a:xfrm>
           <a:prstGeom prst="rect">
             <a:avLst/>
           </a:prstGeom>
         </p:spPr>
         <p:txBody>
-          <a:bodyPr vert="horz" lIns="91440" tIns="45720" rIns="91440" bIns="45720" rtlCol="0" anchor="ctr"/>
+          <a:bodyPr anchor="ctr" bIns="45720" lIns="91440" rIns="91440" rtlCol="0" tIns="45720" vert="horz"/>
           <a:lstStyle>
             <a:lvl1pPr algn="ctr">
-              <a:defRPr sz="1200">
+              <a:defRPr sz="900">
                 <a:solidFill>
                   <a:schemeClr val="tx1">
                     <a:tint val="75000"/>
@@ -2811,23 +2790,23 @@
             <a:spLocks noGrp="1"/>
           </p:cNvSpPr>
           <p:nvPr>
-            <p:ph type="sldNum" sz="quarter" idx="4"/>
+            <p:ph idx="4" sz="quarter" type="sldNum"/>
           </p:nvPr>
         </p:nvSpPr>
         <p:spPr>
           <a:xfrm>
-            <a:off x="6553200" y="6356350"/>
-            <a:ext cx="2133600" cy="365125"/>
+            <a:off x="6553200" y="4767263"/>
+            <a:ext cx="2133600" cy="273844"/>
           </a:xfrm>
           <a:prstGeom prst="rect">
             <a:avLst/>
           </a:prstGeom>
         </p:spPr>
         <p:txBody>
-          <a:bodyPr vert="horz" lIns="91440" tIns="45720" rIns="91440" bIns="45720" rtlCol="0" anchor="ctr"/>
+          <a:bodyPr anchor="ctr" bIns="45720" lIns="91440" rIns="91440" rtlCol="0" tIns="45720" vert="horz"/>
           <a:lstStyle>
             <a:lvl1pPr algn="r">
-              <a:defRPr sz="1200">
+              <a:defRPr sz="900">
                 <a:solidFill>
                   <a:schemeClr val="tx1">
                     <a:tint val="75000"/>
@@ -2852,7 +2831,7 @@
       </p:ext>
     </p:extLst>
   </p:cSld>
-  <p:clrMap bg1="lt1" tx1="dk1" bg2="lt2" tx2="dk2" accent1="accent1" accent2="accent2" accent3="accent3" accent4="accent4" accent5="accent5" accent6="accent6" hlink="hlink" folHlink="folHlink"/>
+  <p:clrMap accent1="accent1" accent2="accent2" accent3="accent3" accent4="accent4" accent5="accent5" accent6="accent6" bg1="lt1" bg2="lt2" folHlink="folHlink" hlink="hlink" tx1="dk1" tx2="dk2"/>
   <p:sldLayoutIdLst>
     <p:sldLayoutId id="2147483649" r:id="rId1"/>
     <p:sldLayoutId id="2147483650" r:id="rId2"/>
@@ -2868,12 +2847,12 @@
   </p:sldLayoutIdLst>
   <p:txStyles>
     <p:titleStyle>
-      <a:lvl1pPr algn="ctr" defTabSz="457200" rtl="0" eaLnBrk="1" latinLnBrk="0" hangingPunct="1">
+      <a:lvl1pPr algn="ctr" defTabSz="342900" eaLnBrk="1" hangingPunct="1" latinLnBrk="0" rtl="0">
         <a:spcBef>
           <a:spcPct val="0"/>
         </a:spcBef>
         <a:buNone/>
-        <a:defRPr sz="4400" kern="1200">
+        <a:defRPr kern="1200" sz="3300">
           <a:solidFill>
             <a:schemeClr val="tx1"/>
           </a:solidFill>
@@ -2884,13 +2863,13 @@
       </a:lvl1pPr>
     </p:titleStyle>
     <p:bodyStyle>
-      <a:lvl1pPr marL="342900" indent="-342900" algn="l" defTabSz="457200" rtl="0" eaLnBrk="1" latinLnBrk="0" hangingPunct="1">
+      <a:lvl1pPr algn="l" defTabSz="342900" eaLnBrk="1" hangingPunct="1" indent="-342900" latinLnBrk="0" marL="342900" rtl="0">
         <a:spcBef>
           <a:spcPct val="20000"/>
         </a:spcBef>
         <a:buFont typeface="Arial"/>
         <a:buChar char="•"/>
-        <a:defRPr sz="3200" kern="1200">
+        <a:defRPr kern="1200" sz="2400">
           <a:solidFill>
             <a:schemeClr val="tx1"/>
           </a:solidFill>
@@ -2899,13 +2878,13 @@
           <a:cs typeface="+mn-cs"/>
         </a:defRPr>
       </a:lvl1pPr>
-      <a:lvl2pPr marL="742950" indent="-285750" algn="l" defTabSz="457200" rtl="0" eaLnBrk="1" latinLnBrk="0" hangingPunct="1">
+      <a:lvl2pPr algn="l" defTabSz="342900" eaLnBrk="1" hangingPunct="1" indent="-342900" latinLnBrk="0" marL="685800" rtl="0">
         <a:spcBef>
           <a:spcPct val="20000"/>
         </a:spcBef>
         <a:buFont typeface="Arial"/>
         <a:buChar char="–"/>
-        <a:defRPr sz="2800" kern="1200">
+        <a:defRPr kern="1200" sz="2100">
           <a:solidFill>
             <a:schemeClr val="tx1"/>
           </a:solidFill>
@@ -2914,13 +2893,13 @@
           <a:cs typeface="+mn-cs"/>
         </a:defRPr>
       </a:lvl2pPr>
-      <a:lvl3pPr marL="1143000" indent="-228600" algn="l" defTabSz="457200" rtl="0" eaLnBrk="1" latinLnBrk="0" hangingPunct="1">
+      <a:lvl3pPr algn="l" defTabSz="342900" eaLnBrk="1" hangingPunct="1" indent="-342900" latinLnBrk="0" marL="1028700" rtl="0">
         <a:spcBef>
           <a:spcPct val="20000"/>
         </a:spcBef>
         <a:buFont typeface="Arial"/>
         <a:buChar char="•"/>
-        <a:defRPr sz="2400" kern="1200">
+        <a:defRPr kern="1200" sz="1800">
           <a:solidFill>
             <a:schemeClr val="tx1"/>
           </a:solidFill>
@@ -2929,13 +2908,13 @@
           <a:cs typeface="+mn-cs"/>
         </a:defRPr>
       </a:lvl3pPr>
-      <a:lvl4pPr marL="1600200" indent="-228600" algn="l" defTabSz="457200" rtl="0" eaLnBrk="1" latinLnBrk="0" hangingPunct="1">
+      <a:lvl4pPr algn="l" defTabSz="342900" eaLnBrk="1" hangingPunct="1" indent="-342900" latinLnBrk="0" marL="1371600" rtl="0">
         <a:spcBef>
           <a:spcPct val="20000"/>
         </a:spcBef>
         <a:buFont typeface="Arial"/>
         <a:buChar char="–"/>
-        <a:defRPr sz="2000" kern="1200">
+        <a:defRPr kern="1200" sz="1500">
           <a:solidFill>
             <a:schemeClr val="tx1"/>
           </a:solidFill>
@@ -2944,13 +2923,13 @@
           <a:cs typeface="+mn-cs"/>
         </a:defRPr>
       </a:lvl4pPr>
-      <a:lvl5pPr marL="2057400" indent="-228600" algn="l" defTabSz="457200" rtl="0" eaLnBrk="1" latinLnBrk="0" hangingPunct="1">
+      <a:lvl5pPr algn="l" defTabSz="342900" eaLnBrk="1" hangingPunct="1" indent="-342900" latinLnBrk="0" marL="1714500" rtl="0">
         <a:spcBef>
           <a:spcPct val="20000"/>
         </a:spcBef>
         <a:buFont typeface="Arial"/>
         <a:buChar char="»"/>
-        <a:defRPr sz="2000" kern="1200">
+        <a:defRPr kern="1200" sz="1500">
           <a:solidFill>
             <a:schemeClr val="tx1"/>
           </a:solidFill>
@@ -2959,13 +2938,13 @@
           <a:cs typeface="+mn-cs"/>
         </a:defRPr>
       </a:lvl5pPr>
-      <a:lvl6pPr marL="2514600" indent="-228600" algn="l" defTabSz="457200" rtl="0" eaLnBrk="1" latinLnBrk="0" hangingPunct="1">
+      <a:lvl6pPr algn="l" defTabSz="342900" eaLnBrk="1" hangingPunct="1" indent="-342900" latinLnBrk="0" marL="2057400" rtl="0">
         <a:spcBef>
           <a:spcPct val="20000"/>
         </a:spcBef>
         <a:buFont typeface="Arial"/>
         <a:buChar char="•"/>
-        <a:defRPr sz="2000" kern="1200">
+        <a:defRPr kern="1200" sz="1500">
           <a:solidFill>
             <a:schemeClr val="tx1"/>
           </a:solidFill>
@@ -2974,13 +2953,13 @@
           <a:cs typeface="+mn-cs"/>
         </a:defRPr>
       </a:lvl6pPr>
-      <a:lvl7pPr marL="2971800" indent="-228600" algn="l" defTabSz="457200" rtl="0" eaLnBrk="1" latinLnBrk="0" hangingPunct="1">
+      <a:lvl7pPr algn="l" defTabSz="342900" eaLnBrk="1" hangingPunct="1" indent="-342900" latinLnBrk="0" marL="2400300" rtl="0">
         <a:spcBef>
           <a:spcPct val="20000"/>
         </a:spcBef>
         <a:buFont typeface="Arial"/>
         <a:buChar char="•"/>
-        <a:defRPr sz="2000" kern="1200">
+        <a:defRPr kern="1200" sz="1500">
           <a:solidFill>
             <a:schemeClr val="tx1"/>
           </a:solidFill>
@@ -2989,13 +2968,13 @@
           <a:cs typeface="+mn-cs"/>
         </a:defRPr>
       </a:lvl7pPr>
-      <a:lvl8pPr marL="3429000" indent="-228600" algn="l" defTabSz="457200" rtl="0" eaLnBrk="1" latinLnBrk="0" hangingPunct="1">
+      <a:lvl8pPr algn="l" defTabSz="342900" eaLnBrk="1" hangingPunct="1" indent="-342900" latinLnBrk="0" marL="2743200" rtl="0">
         <a:spcBef>
           <a:spcPct val="20000"/>
         </a:spcBef>
         <a:buFont typeface="Arial"/>
         <a:buChar char="•"/>
-        <a:defRPr sz="2000" kern="1200">
+        <a:defRPr kern="1200" sz="1500">
           <a:solidFill>
             <a:schemeClr val="tx1"/>
           </a:solidFill>
@@ -3004,13 +2983,13 @@
           <a:cs typeface="+mn-cs"/>
         </a:defRPr>
       </a:lvl8pPr>
-      <a:lvl9pPr marL="3886200" indent="-228600" algn="l" defTabSz="457200" rtl="0" eaLnBrk="1" latinLnBrk="0" hangingPunct="1">
+      <a:lvl9pPr algn="l" defTabSz="342900" eaLnBrk="1" hangingPunct="1" indent="-342900" latinLnBrk="0" marL="3086100" rtl="0">
         <a:spcBef>
           <a:spcPct val="20000"/>
         </a:spcBef>
         <a:buFont typeface="Arial"/>
         <a:buChar char="•"/>
-        <a:defRPr sz="2000" kern="1200">
+        <a:defRPr kern="1200" sz="1500">
           <a:solidFill>
             <a:schemeClr val="tx1"/>
           </a:solidFill>
@@ -3024,8 +3003,8 @@
       <a:defPPr>
         <a:defRPr lang="en-US"/>
       </a:defPPr>
-      <a:lvl1pPr marL="0" algn="l" defTabSz="457200" rtl="0" eaLnBrk="1" latinLnBrk="0" hangingPunct="1">
-        <a:defRPr sz="1800" kern="1200">
+      <a:lvl1pPr algn="l" defTabSz="342900" eaLnBrk="1" hangingPunct="1" latinLnBrk="0" marL="0" rtl="0">
+        <a:defRPr kern="1200" sz="1350">
           <a:solidFill>
             <a:schemeClr val="tx1"/>
           </a:solidFill>
@@ -3034,8 +3013,8 @@
           <a:cs typeface="+mn-cs"/>
         </a:defRPr>
       </a:lvl1pPr>
-      <a:lvl2pPr marL="457200" algn="l" defTabSz="457200" rtl="0" eaLnBrk="1" latinLnBrk="0" hangingPunct="1">
-        <a:defRPr sz="1800" kern="1200">
+      <a:lvl2pPr algn="l" defTabSz="342900" eaLnBrk="1" hangingPunct="1" latinLnBrk="0" marL="342900" rtl="0">
+        <a:defRPr kern="1200" sz="1350">
           <a:solidFill>
             <a:schemeClr val="tx1"/>
           </a:solidFill>
@@ -3044,8 +3023,8 @@
           <a:cs typeface="+mn-cs"/>
         </a:defRPr>
       </a:lvl2pPr>
-      <a:lvl3pPr marL="914400" algn="l" defTabSz="457200" rtl="0" eaLnBrk="1" latinLnBrk="0" hangingPunct="1">
-        <a:defRPr sz="1800" kern="1200">
+      <a:lvl3pPr algn="l" defTabSz="342900" eaLnBrk="1" hangingPunct="1" latinLnBrk="0" marL="685800" rtl="0">
+        <a:defRPr kern="1200" sz="1350">
           <a:solidFill>
             <a:schemeClr val="tx1"/>
           </a:solidFill>
@@ -3054,8 +3033,8 @@
           <a:cs typeface="+mn-cs"/>
         </a:defRPr>
       </a:lvl3pPr>
-      <a:lvl4pPr marL="1371600" algn="l" defTabSz="457200" rtl="0" eaLnBrk="1" latinLnBrk="0" hangingPunct="1">
-        <a:defRPr sz="1800" kern="1200">
+      <a:lvl4pPr algn="l" defTabSz="342900" eaLnBrk="1" hangingPunct="1" latinLnBrk="0" marL="1028700" rtl="0">
+        <a:defRPr kern="1200" sz="1350">
           <a:solidFill>
             <a:schemeClr val="tx1"/>
           </a:solidFill>
@@ -3064,8 +3043,8 @@
           <a:cs typeface="+mn-cs"/>
         </a:defRPr>
       </a:lvl4pPr>
-      <a:lvl5pPr marL="1828800" algn="l" defTabSz="457200" rtl="0" eaLnBrk="1" latinLnBrk="0" hangingPunct="1">
-        <a:defRPr sz="1800" kern="1200">
+      <a:lvl5pPr algn="l" defTabSz="342900" eaLnBrk="1" hangingPunct="1" latinLnBrk="0" marL="1371600" rtl="0">
+        <a:defRPr kern="1200" sz="1350">
           <a:solidFill>
             <a:schemeClr val="tx1"/>
           </a:solidFill>
@@ -3074,8 +3053,8 @@
           <a:cs typeface="+mn-cs"/>
         </a:defRPr>
       </a:lvl5pPr>
-      <a:lvl6pPr marL="2286000" algn="l" defTabSz="457200" rtl="0" eaLnBrk="1" latinLnBrk="0" hangingPunct="1">
-        <a:defRPr sz="1800" kern="1200">
+      <a:lvl6pPr algn="l" defTabSz="342900" eaLnBrk="1" hangingPunct="1" latinLnBrk="0" marL="1714500" rtl="0">
+        <a:defRPr kern="1200" sz="1350">
           <a:solidFill>
             <a:schemeClr val="tx1"/>
           </a:solidFill>
@@ -3084,8 +3063,8 @@
           <a:cs typeface="+mn-cs"/>
         </a:defRPr>
       </a:lvl6pPr>
-      <a:lvl7pPr marL="2743200" algn="l" defTabSz="457200" rtl="0" eaLnBrk="1" latinLnBrk="0" hangingPunct="1">
-        <a:defRPr sz="1800" kern="1200">
+      <a:lvl7pPr algn="l" defTabSz="342900" eaLnBrk="1" hangingPunct="1" latinLnBrk="0" marL="2057400" rtl="0">
+        <a:defRPr kern="1200" sz="1350">
           <a:solidFill>
             <a:schemeClr val="tx1"/>
           </a:solidFill>
@@ -3094,8 +3073,8 @@
           <a:cs typeface="+mn-cs"/>
         </a:defRPr>
       </a:lvl7pPr>
-      <a:lvl8pPr marL="3200400" algn="l" defTabSz="457200" rtl="0" eaLnBrk="1" latinLnBrk="0" hangingPunct="1">
-        <a:defRPr sz="1800" kern="1200">
+      <a:lvl8pPr algn="l" defTabSz="342900" eaLnBrk="1" hangingPunct="1" latinLnBrk="0" marL="2400300" rtl="0">
+        <a:defRPr kern="1200" sz="1350">
           <a:solidFill>
             <a:schemeClr val="tx1"/>
           </a:solidFill>
@@ -3104,8 +3083,8 @@
           <a:cs typeface="+mn-cs"/>
         </a:defRPr>
       </a:lvl8pPr>
-      <a:lvl9pPr marL="3657600" algn="l" defTabSz="457200" rtl="0" eaLnBrk="1" latinLnBrk="0" hangingPunct="1">
-        <a:defRPr sz="1800" kern="1200">
+      <a:lvl9pPr algn="l" defTabSz="342900" eaLnBrk="1" hangingPunct="1" latinLnBrk="0" marL="2743200" rtl="0">
+        <a:defRPr kern="1200" sz="1350">
           <a:solidFill>
             <a:schemeClr val="tx1"/>
           </a:solidFill>
@@ -3148,15 +3127,15 @@
         </p:nvSpPr>
         <p:spPr>
           <a:xfrm>
-            <a:off x="685800" y="2130425"/>
-            <a:ext cx="7772400" cy="1470025"/>
+            <a:off x="685800" y="1597819"/>
+            <a:ext cx="7772400" cy="1102519"/>
           </a:xfrm>
         </p:spPr>
         <p:txBody>
           <a:bodyPr/>
           <a:lstStyle/>
           <a:p>
-            <a:pPr lvl="0" marL="0" indent="0">
+            <a:pPr lvl="0" indent="0" marL="0">
               <a:buNone/>
             </a:pPr>
             <a:r>
@@ -3173,20 +3152,20 @@
             <a:spLocks noGrp="1"/>
           </p:cNvSpPr>
           <p:nvPr>
-            <p:ph type="subTitle" idx="1"/>
+            <p:ph idx="1" type="subTitle"/>
           </p:nvPr>
         </p:nvSpPr>
         <p:spPr>
           <a:xfrm>
-            <a:off x="1371600" y="3886200"/>
-            <a:ext cx="6400800" cy="1752600"/>
+            <a:off x="1371600" y="2914650"/>
+            <a:ext cx="6400800" cy="1314450"/>
           </a:xfrm>
         </p:spPr>
         <p:txBody>
           <a:bodyPr/>
           <a:lstStyle/>
           <a:p>
-            <a:pPr lvl="0" marL="0" indent="0">
+            <a:pPr lvl="0" indent="0" marL="0">
               <a:buNone/>
             </a:pPr>
             <a:br/>
@@ -3231,7 +3210,7 @@
           <a:bodyPr/>
           <a:lstStyle/>
           <a:p>
-            <a:pPr lvl="0" marL="0" indent="0">
+            <a:pPr lvl="0" indent="0" marL="0">
               <a:buNone/>
             </a:pPr>
             <a:r>
@@ -3256,28 +3235,28 @@
           <a:bodyPr/>
           <a:lstStyle/>
           <a:p>
-            <a:pPr lvl="1"/>
+            <a:pPr lvl="0"/>
             <a:r>
               <a:rPr/>
               <a:t>care about their own schedules</a:t>
             </a:r>
           </a:p>
           <a:p>
-            <a:pPr lvl="1"/>
+            <a:pPr lvl="0"/>
             <a:r>
               <a:rPr/>
               <a:t>a customized report produced from the database for them</a:t>
             </a:r>
           </a:p>
           <a:p>
-            <a:pPr lvl="1"/>
+            <a:pPr lvl="0"/>
             <a:r>
               <a:rPr/>
               <a:t>care about the scheduled arrival times at each stop</a:t>
             </a:r>
           </a:p>
           <a:p>
-            <a:pPr lvl="1"/>
+            <a:pPr lvl="0"/>
             <a:r>
               <a:rPr/>
               <a:t>could add another difference from schedule attribute to the stop arrival metric in the previous slide with an alert when the metric is greater than 90 seconds in either direction</a:t>
@@ -3322,20 +3301,12 @@
           <a:bodyPr/>
           <a:lstStyle/>
           <a:p>
-            <a:pPr lvl="0" marL="0" indent="0">
+            <a:pPr lvl="0" indent="0" marL="0">
               <a:buNone/>
             </a:pPr>
             <a:r>
               <a:rPr/>
-              <a:t>Staffing</a:t>
-            </a:r>
-            <a:r>
-              <a:rPr/>
-              <a:t> </a:t>
-            </a:r>
-            <a:r>
-              <a:rPr/>
-              <a:t>Coordinators</a:t>
+              <a:t>Staffing Coordinators</a:t>
             </a:r>
           </a:p>
         </p:txBody>
@@ -3355,21 +3326,21 @@
           <a:bodyPr/>
           <a:lstStyle/>
           <a:p>
-            <a:pPr lvl="1"/>
+            <a:pPr lvl="0"/>
             <a:r>
               <a:rPr/>
               <a:t>rely on logs to know any problems with the bus</a:t>
             </a:r>
           </a:p>
           <a:p>
-            <a:pPr lvl="1"/>
+            <a:pPr lvl="0"/>
             <a:r>
               <a:rPr/>
               <a:t>care about ridership metrics somewhat for the rare occasions they could schedule an extra bus</a:t>
             </a:r>
           </a:p>
           <a:p>
-            <a:pPr lvl="1"/>
+            <a:pPr lvl="0"/>
             <a:r>
               <a:rPr/>
               <a:t>care about stop arrival metrics that also include whether the drivers are early or late at stops</a:t>
@@ -3414,44 +3385,12 @@
           <a:bodyPr/>
           <a:lstStyle/>
           <a:p>
-            <a:pPr lvl="0" marL="0" indent="0">
+            <a:pPr lvl="0" indent="0" marL="0">
               <a:buNone/>
             </a:pPr>
             <a:r>
               <a:rPr/>
-              <a:t>Different</a:t>
-            </a:r>
-            <a:r>
-              <a:rPr/>
-              <a:t> </a:t>
-            </a:r>
-            <a:r>
-              <a:rPr/>
-              <a:t>Observers</a:t>
-            </a:r>
-            <a:r>
-              <a:rPr/>
-              <a:t> </a:t>
-            </a:r>
-            <a:r>
-              <a:rPr/>
-              <a:t>Have</a:t>
-            </a:r>
-            <a:r>
-              <a:rPr/>
-              <a:t> </a:t>
-            </a:r>
-            <a:r>
-              <a:rPr/>
-              <a:t>Different</a:t>
-            </a:r>
-            <a:r>
-              <a:rPr/>
-              <a:t> </a:t>
-            </a:r>
-            <a:r>
-              <a:rPr/>
-              <a:t>Interests</a:t>
+              <a:t>Different Observers Have Different Interests</a:t>
             </a:r>
           </a:p>
         </p:txBody>
@@ -3472,7 +3411,7 @@
         </p:blipFill>
         <p:spPr bwMode="auto">
           <a:xfrm>
-            <a:off x="457200" y="2679700"/>
+            <a:off x="457200" y="1714500"/>
             <a:ext cx="8229600" cy="1854200"/>
           </a:xfrm>
           <a:prstGeom prst="rect">
@@ -3494,7 +3433,7 @@
         </p:nvSpPr>
         <p:spPr>
           <a:xfrm>
-            <a:off x="457200" y="5613400"/>
+            <a:off x="457200" y="4076700"/>
             <a:ext cx="8229600" cy="508000"/>
           </a:xfrm>
           <a:prstGeom prst="rect">
@@ -3506,28 +3445,12 @@
           <a:bodyPr/>
           <a:lstStyle/>
           <a:p>
-            <a:pPr lvl="0" marL="0" indent="0" algn="ctr">
+            <a:pPr lvl="0" indent="0" marL="0" algn="ctr">
               <a:buNone/>
             </a:pPr>
             <a:r>
               <a:rPr/>
-              <a:t>Learning</a:t>
-            </a:r>
-            <a:r>
-              <a:rPr/>
-              <a:t> </a:t>
-            </a:r>
-            <a:r>
-              <a:rPr/>
-              <a:t>Open</a:t>
-            </a:r>
-            <a:r>
-              <a:rPr/>
-              <a:t> </a:t>
-            </a:r>
-            <a:r>
-              <a:rPr/>
-              <a:t>Telemetry</a:t>
+              <a:t>Learning Open Telemetry</a:t>
             </a:r>
           </a:p>
         </p:txBody>
@@ -3569,7 +3492,7 @@
           <a:bodyPr/>
           <a:lstStyle/>
           <a:p>
-            <a:pPr lvl="0" marL="0" indent="0">
+            <a:pPr lvl="0" indent="0" marL="0">
               <a:buNone/>
             </a:pPr>
             <a:r>
@@ -3594,21 +3517,21 @@
           <a:bodyPr/>
           <a:lstStyle/>
           <a:p>
-            <a:pPr lvl="1"/>
+            <a:pPr lvl="0"/>
             <a:r>
               <a:rPr/>
               <a:t>bus example traces a particular rider spanning their entire trip.</a:t>
             </a:r>
           </a:p>
           <a:p>
-            <a:pPr lvl="1"/>
+            <a:pPr lvl="0"/>
             <a:r>
               <a:rPr/>
               <a:t>the advantage of tracing is that it provides observability of an actor as they go through multiple services</a:t>
             </a:r>
           </a:p>
           <a:p>
-            <a:pPr lvl="1"/>
+            <a:pPr lvl="0"/>
             <a:r>
               <a:rPr/>
               <a:t>in contrast, logging is from the perspective of the system rather than the actor</a:t>
@@ -3653,7 +3576,7 @@
           <a:bodyPr/>
           <a:lstStyle/>
           <a:p>
-            <a:pPr lvl="0" marL="0" indent="0">
+            <a:pPr lvl="0" indent="0" marL="0">
               <a:buNone/>
             </a:pPr>
             <a:r>
@@ -3678,28 +3601,28 @@
           <a:bodyPr/>
           <a:lstStyle/>
           <a:p>
-            <a:pPr lvl="1"/>
+            <a:pPr lvl="0"/>
             <a:r>
               <a:rPr/>
               <a:t>key performance indicators for the different stakeholders of the system</a:t>
             </a:r>
           </a:p>
           <a:p>
-            <a:pPr lvl="1"/>
+            <a:pPr lvl="0"/>
             <a:r>
               <a:rPr/>
               <a:t>in the bus example utilization would be riders</a:t>
             </a:r>
           </a:p>
           <a:p>
-            <a:pPr lvl="1"/>
+            <a:pPr lvl="0"/>
             <a:r>
               <a:rPr/>
               <a:t>saturation is the riders divided by capacity of the bus</a:t>
             </a:r>
           </a:p>
           <a:p>
-            <a:pPr lvl="1"/>
+            <a:pPr lvl="0"/>
             <a:r>
               <a:rPr/>
               <a:t>errors are drivers being 90 seconds or more early or late at stops</a:t>
@@ -3744,7 +3667,7 @@
           <a:bodyPr/>
           <a:lstStyle/>
           <a:p>
-            <a:pPr lvl="0" marL="0" indent="0">
+            <a:pPr lvl="0" indent="0" marL="0">
               <a:buNone/>
             </a:pPr>
             <a:r>
@@ -3769,7 +3692,7 @@
           <a:bodyPr/>
           <a:lstStyle/>
           <a:p>
-            <a:pPr lvl="0" marL="0" indent="0">
+            <a:pPr lvl="0" indent="0" marL="0">
               <a:buNone/>
             </a:pPr>
             <a:r>
@@ -3778,7 +3701,7 @@
             </a:r>
           </a:p>
           <a:p>
-            <a:pPr lvl="0" marL="0" indent="0">
+            <a:pPr lvl="0" indent="0" marL="0">
               <a:buNone/>
             </a:pPr>
             <a:r>
@@ -3787,7 +3710,7 @@
             </a:r>
           </a:p>
           <a:p>
-            <a:pPr lvl="0" marL="0" indent="0">
+            <a:pPr lvl="0" indent="0" marL="0">
               <a:buNone/>
             </a:pPr>
             <a:r>
@@ -3796,7 +3719,7 @@
             </a:r>
           </a:p>
           <a:p>
-            <a:pPr lvl="0" marL="0" indent="0">
+            <a:pPr lvl="0" indent="0" marL="0">
               <a:buNone/>
             </a:pPr>
             <a:r>
@@ -3843,20 +3766,12 @@
           <a:bodyPr/>
           <a:lstStyle/>
           <a:p>
-            <a:pPr lvl="0" marL="0" indent="0">
+            <a:pPr lvl="0" indent="0" marL="0">
               <a:buNone/>
             </a:pPr>
             <a:r>
               <a:rPr/>
-              <a:t>REDS</a:t>
-            </a:r>
-            <a:r>
-              <a:rPr/>
-              <a:t> </a:t>
-            </a:r>
-            <a:r>
-              <a:rPr/>
-              <a:t>adds</a:t>
+              <a:t>REDS adds</a:t>
             </a:r>
           </a:p>
         </p:txBody>
@@ -3876,28 +3791,28 @@
           <a:bodyPr/>
           <a:lstStyle/>
           <a:p>
-            <a:pPr lvl="1"/>
+            <a:pPr lvl="0"/>
             <a:r>
               <a:rPr/>
               <a:t>requests, for instance the number of riders that start trips</a:t>
             </a:r>
           </a:p>
           <a:p>
-            <a:pPr lvl="1"/>
+            <a:pPr lvl="0"/>
             <a:r>
               <a:rPr/>
               <a:t>duration, the time they spend on the bus system</a:t>
             </a:r>
           </a:p>
           <a:p>
-            <a:pPr lvl="1"/>
+            <a:pPr lvl="0"/>
             <a:r>
               <a:rPr/>
               <a:t>in the GRT we don’t tap off so this one is tricky</a:t>
             </a:r>
           </a:p>
           <a:p>
-            <a:pPr lvl="1"/>
+            <a:pPr lvl="0"/>
             <a:r>
               <a:rPr/>
               <a:t>if we narrow focus to the ticket purchasing app see that errors, requests, and duration tell us something about our user experience</a:t>
@@ -3942,28 +3857,12 @@
           <a:bodyPr/>
           <a:lstStyle/>
           <a:p>
-            <a:pPr lvl="0" marL="0" indent="0">
+            <a:pPr lvl="0" indent="0" marL="0">
               <a:buNone/>
             </a:pPr>
             <a:r>
               <a:rPr/>
-              <a:t>Google</a:t>
-            </a:r>
-            <a:r>
-              <a:rPr/>
-              <a:t> </a:t>
-            </a:r>
-            <a:r>
-              <a:rPr/>
-              <a:t>Golden</a:t>
-            </a:r>
-            <a:r>
-              <a:rPr/>
-              <a:t> </a:t>
-            </a:r>
-            <a:r>
-              <a:rPr/>
-              <a:t>Signals</a:t>
+              <a:t>Google Golden Signals</a:t>
             </a:r>
           </a:p>
         </p:txBody>
@@ -3983,7 +3882,7 @@
           <a:bodyPr/>
           <a:lstStyle/>
           <a:p>
-            <a:pPr lvl="0" marL="1270000" indent="0">
+            <a:pPr lvl="0" indent="0" marL="1270000">
               <a:buNone/>
             </a:pPr>
             <a:r>
@@ -3992,7 +3891,7 @@
             </a:r>
           </a:p>
           <a:p>
-            <a:pPr lvl="0" marL="0" indent="0">
+            <a:pPr lvl="0" indent="0" marL="0">
               <a:spcBef>
                 <a:spcPts val="3000"/>
               </a:spcBef>
@@ -4004,7 +3903,7 @@
             </a:r>
           </a:p>
           <a:p>
-            <a:pPr lvl="1"/>
+            <a:pPr lvl="0"/>
             <a:r>
               <a:rPr/>
               <a:t>The time it takes to service a request.</a:t>
@@ -4049,36 +3948,12 @@
           <a:bodyPr/>
           <a:lstStyle/>
           <a:p>
-            <a:pPr lvl="0" marL="0" indent="0">
+            <a:pPr lvl="0" indent="0" marL="0">
               <a:buNone/>
             </a:pPr>
             <a:r>
               <a:rPr/>
-              <a:t>Google</a:t>
-            </a:r>
-            <a:r>
-              <a:rPr/>
-              <a:t> </a:t>
-            </a:r>
-            <a:r>
-              <a:rPr/>
-              <a:t>Golden</a:t>
-            </a:r>
-            <a:r>
-              <a:rPr/>
-              <a:t> </a:t>
-            </a:r>
-            <a:r>
-              <a:rPr/>
-              <a:t>Signals</a:t>
-            </a:r>
-            <a:r>
-              <a:rPr/>
-              <a:t> </a:t>
-            </a:r>
-            <a:r>
-              <a:rPr/>
-              <a:t>(cont.)</a:t>
+              <a:t>Google Golden Signals (cont.)</a:t>
             </a:r>
           </a:p>
         </p:txBody>
@@ -4098,7 +3973,7 @@
           <a:bodyPr/>
           <a:lstStyle/>
           <a:p>
-            <a:pPr lvl="0" marL="0" indent="0">
+            <a:pPr lvl="0" indent="0" marL="0">
               <a:spcBef>
                 <a:spcPts val="3000"/>
               </a:spcBef>
@@ -4110,14 +3985,14 @@
             </a:r>
           </a:p>
           <a:p>
-            <a:pPr lvl="1"/>
+            <a:pPr lvl="0"/>
             <a:r>
               <a:rPr/>
               <a:t>A measure of how much demand is being placed on your system.</a:t>
             </a:r>
           </a:p>
           <a:p>
-            <a:pPr lvl="0" marL="0" indent="0">
+            <a:pPr lvl="0" indent="0" marL="0">
               <a:spcBef>
                 <a:spcPts val="3000"/>
               </a:spcBef>
@@ -4129,14 +4004,14 @@
             </a:r>
           </a:p>
           <a:p>
-            <a:pPr lvl="1"/>
+            <a:pPr lvl="0"/>
             <a:r>
               <a:rPr/>
               <a:t>The rate of requests that fail.</a:t>
             </a:r>
           </a:p>
           <a:p>
-            <a:pPr lvl="0" marL="0" indent="0">
+            <a:pPr lvl="0" indent="0" marL="0">
               <a:spcBef>
                 <a:spcPts val="3000"/>
               </a:spcBef>
@@ -4148,7 +4023,7 @@
             </a:r>
           </a:p>
           <a:p>
-            <a:pPr lvl="1"/>
+            <a:pPr lvl="0"/>
             <a:r>
               <a:rPr/>
               <a:t>How “full” your service is.</a:t>
@@ -4193,7 +4068,7 @@
           <a:bodyPr/>
           <a:lstStyle/>
           <a:p>
-            <a:pPr lvl="0" marL="0" indent="0">
+            <a:pPr lvl="0" indent="0" marL="0">
               <a:buNone/>
             </a:pPr>
             <a:r>
@@ -4219,8 +4094,8 @@
         </p:blipFill>
         <p:spPr bwMode="auto">
           <a:xfrm>
-            <a:off x="1485900" y="1600200"/>
-            <a:ext cx="6184900" cy="4013200"/>
+            <a:off x="2349500" y="1193800"/>
+            <a:ext cx="4445000" cy="2882900"/>
           </a:xfrm>
           <a:prstGeom prst="rect">
             <a:avLst/>
@@ -4241,7 +4116,7 @@
         </p:nvSpPr>
         <p:spPr>
           <a:xfrm>
-            <a:off x="457200" y="5613400"/>
+            <a:off x="457200" y="4076700"/>
             <a:ext cx="8229600" cy="508000"/>
           </a:xfrm>
           <a:prstGeom prst="rect">
@@ -4253,7 +4128,7 @@
           <a:bodyPr/>
           <a:lstStyle/>
           <a:p>
-            <a:pPr lvl="0" marL="0" indent="0" algn="ctr">
+            <a:pPr lvl="0" indent="0" marL="0" algn="ctr">
               <a:buNone/>
             </a:pPr>
             <a:r>
@@ -4300,7 +4175,7 @@
           <a:bodyPr/>
           <a:lstStyle/>
           <a:p>
-            <a:pPr lvl="0" marL="0" indent="0">
+            <a:pPr lvl="0" indent="0" marL="0">
               <a:buNone/>
             </a:pPr>
             <a:r>
@@ -4325,28 +4200,28 @@
           <a:bodyPr/>
           <a:lstStyle/>
           <a:p>
-            <a:pPr lvl="1"/>
+            <a:pPr lvl="0"/>
             <a:r>
               <a:rPr/>
               <a:t>Introduce the Challenge/Activity</a:t>
             </a:r>
           </a:p>
           <a:p>
-            <a:pPr lvl="1"/>
+            <a:pPr lvl="0"/>
             <a:r>
               <a:rPr/>
               <a:t>Theory to support learning outcomes and the Activity</a:t>
             </a:r>
           </a:p>
           <a:p>
-            <a:pPr lvl="1"/>
+            <a:pPr lvl="0"/>
             <a:r>
               <a:rPr/>
               <a:t>Initial demo of activity</a:t>
             </a:r>
           </a:p>
           <a:p>
-            <a:pPr lvl="0" marL="0" indent="0">
+            <a:pPr lvl="0" indent="0" marL="0">
               <a:buNone/>
             </a:pPr>
             <a:r>
@@ -4393,44 +4268,12 @@
           <a:bodyPr/>
           <a:lstStyle/>
           <a:p>
-            <a:pPr lvl="0" marL="0" indent="0">
+            <a:pPr lvl="0" indent="0" marL="0">
               <a:buNone/>
             </a:pPr>
             <a:r>
               <a:rPr/>
-              <a:t>Logs</a:t>
-            </a:r>
-            <a:r>
-              <a:rPr/>
-              <a:t> </a:t>
-            </a:r>
-            <a:r>
-              <a:rPr/>
-              <a:t>…</a:t>
-            </a:r>
-            <a:r>
-              <a:rPr/>
-              <a:t> </a:t>
-            </a:r>
-            <a:r>
-              <a:rPr/>
-              <a:t>topic</a:t>
-            </a:r>
-            <a:r>
-              <a:rPr/>
-              <a:t> </a:t>
-            </a:r>
-            <a:r>
-              <a:rPr/>
-              <a:t>by</a:t>
-            </a:r>
-            <a:r>
-              <a:rPr/>
-              <a:t> </a:t>
-            </a:r>
-            <a:r>
-              <a:rPr/>
-              <a:t>themselves</a:t>
+              <a:t>Logs … topic by themselves</a:t>
             </a:r>
           </a:p>
         </p:txBody>
@@ -4450,28 +4293,28 @@
           <a:bodyPr/>
           <a:lstStyle/>
           <a:p>
-            <a:pPr lvl="1"/>
+            <a:pPr lvl="0"/>
             <a:r>
               <a:rPr/>
               <a:t>text-based messages meant for human consumption that describe the state of a system or service</a:t>
             </a:r>
           </a:p>
           <a:p>
-            <a:pPr lvl="1"/>
+            <a:pPr lvl="0"/>
             <a:r>
               <a:rPr/>
               <a:t>for instance, that a file couldn’t be written because the storage device was out of space</a:t>
             </a:r>
           </a:p>
           <a:p>
-            <a:pPr lvl="1"/>
+            <a:pPr lvl="0"/>
             <a:r>
               <a:rPr/>
               <a:t>full observability, by contrast, track available storage capacity</a:t>
             </a:r>
           </a:p>
           <a:p>
-            <a:pPr lvl="1"/>
+            <a:pPr lvl="0"/>
             <a:r>
               <a:rPr/>
               <a:t>leading indicators to prevent a failure that can be logged</a:t>
@@ -4516,20 +4359,12 @@
           <a:bodyPr/>
           <a:lstStyle/>
           <a:p>
-            <a:pPr lvl="0" marL="0" indent="0">
+            <a:pPr lvl="0" indent="0" marL="0">
               <a:buNone/>
             </a:pPr>
             <a:r>
               <a:rPr/>
-              <a:t>Log</a:t>
-            </a:r>
-            <a:r>
-              <a:rPr/>
-              <a:t> </a:t>
-            </a:r>
-            <a:r>
-              <a:rPr/>
-              <a:t>levels</a:t>
+              <a:t>Log levels</a:t>
             </a:r>
           </a:p>
         </p:txBody>
@@ -4545,8 +4380,8 @@
           </p:nvPr>
         </p:nvGraphicFramePr>
         <p:xfrm>
-          <a:off x="457200" y="1600200"/>
-          <a:ext cx="8229600" cy="4521200"/>
+          <a:off x="457200" y="1193800"/>
+          <a:ext cx="8229600" cy="3390900"/>
         </p:xfrm>
         <a:graphic>
           <a:graphicData uri="http://schemas.openxmlformats.org/drawingml/2006/table">
@@ -4564,7 +4399,7 @@
                     <a:bodyPr/>
                     <a:lstStyle/>
                     <a:p>
-                      <a:pPr lvl="0" marL="0" indent="0">
+                      <a:pPr lvl="0" indent="0" marL="0">
                         <a:buNone/>
                       </a:pPr>
                       <a:r>
@@ -4580,68 +4415,12 @@
                     <a:bodyPr/>
                     <a:lstStyle/>
                     <a:p>
-                      <a:pPr lvl="0" marL="0" indent="0">
+                      <a:pPr lvl="0" indent="0" marL="0">
                         <a:buNone/>
                       </a:pPr>
                       <a:r>
                         <a:rPr/>
-                        <a:t>What</a:t>
-                      </a:r>
-                      <a:r>
-                        <a:rPr/>
-                        <a:t> </a:t>
-                      </a:r>
-                      <a:r>
-                        <a:rPr/>
-                        <a:t>it</a:t>
-                      </a:r>
-                      <a:r>
-                        <a:rPr/>
-                        <a:t> </a:t>
-                      </a:r>
-                      <a:r>
-                        <a:rPr/>
-                        <a:t>means</a:t>
-                      </a:r>
-                      <a:r>
-                        <a:rPr/>
-                        <a:t> </a:t>
-                      </a:r>
-                      <a:r>
-                        <a:rPr/>
-                        <a:t>/</a:t>
-                      </a:r>
-                      <a:r>
-                        <a:rPr/>
-                        <a:t> </a:t>
-                      </a:r>
-                      <a:r>
-                        <a:rPr/>
-                        <a:t>When</a:t>
-                      </a:r>
-                      <a:r>
-                        <a:rPr/>
-                        <a:t> </a:t>
-                      </a:r>
-                      <a:r>
-                        <a:rPr/>
-                        <a:t>to</a:t>
-                      </a:r>
-                      <a:r>
-                        <a:rPr/>
-                        <a:t> </a:t>
-                      </a:r>
-                      <a:r>
-                        <a:rPr/>
-                        <a:t>use</a:t>
-                      </a:r>
-                      <a:r>
-                        <a:rPr/>
-                        <a:t> </a:t>
-                      </a:r>
-                      <a:r>
-                        <a:rPr/>
-                        <a:t>it</a:t>
+                        <a:t>What it means / When to use it</a:t>
                       </a:r>
                     </a:p>
                   </a:txBody>
@@ -4654,7 +4433,7 @@
                     <a:bodyPr/>
                     <a:lstStyle/>
                     <a:p>
-                      <a:pPr lvl="0" marL="0" indent="0">
+                      <a:pPr lvl="0" indent="0" marL="0">
                         <a:buNone/>
                       </a:pPr>
                       <a:r>
@@ -4669,308 +4448,12 @@
                     <a:bodyPr/>
                     <a:lstStyle/>
                     <a:p>
-                      <a:pPr lvl="0" marL="0" indent="0">
+                      <a:pPr lvl="0" indent="0" marL="0">
                         <a:buNone/>
                       </a:pPr>
                       <a:r>
                         <a:rPr/>
-                        <a:t>When</a:t>
-                      </a:r>
-                      <a:r>
-                        <a:rPr/>
-                        <a:t> </a:t>
-                      </a:r>
-                      <a:r>
-                        <a:rPr/>
-                        <a:t>set</a:t>
-                      </a:r>
-                      <a:r>
-                        <a:rPr/>
-                        <a:t> </a:t>
-                      </a:r>
-                      <a:r>
-                        <a:rPr/>
-                        <a:t>on</a:t>
-                      </a:r>
-                      <a:r>
-                        <a:rPr/>
-                        <a:t> </a:t>
-                      </a:r>
-                      <a:r>
-                        <a:rPr/>
-                        <a:t>a</a:t>
-                      </a:r>
-                      <a:r>
-                        <a:rPr/>
-                        <a:t> </a:t>
-                      </a:r>
-                      <a:r>
-                        <a:rPr/>
-                        <a:t>logger,</a:t>
-                      </a:r>
-                      <a:r>
-                        <a:rPr/>
-                        <a:t> </a:t>
-                      </a:r>
-                      <a:r>
-                        <a:rPr/>
-                        <a:t>indicates</a:t>
-                      </a:r>
-                      <a:r>
-                        <a:rPr/>
-                        <a:t> </a:t>
-                      </a:r>
-                      <a:r>
-                        <a:rPr/>
-                        <a:t>that</a:t>
-                      </a:r>
-                      <a:r>
-                        <a:rPr/>
-                        <a:t> </a:t>
-                      </a:r>
-                      <a:r>
-                        <a:rPr/>
-                        <a:t>ancestor</a:t>
-                      </a:r>
-                      <a:r>
-                        <a:rPr/>
-                        <a:t> </a:t>
-                      </a:r>
-                      <a:r>
-                        <a:rPr/>
-                        <a:t>loggers</a:t>
-                      </a:r>
-                      <a:r>
-                        <a:rPr/>
-                        <a:t> </a:t>
-                      </a:r>
-                      <a:r>
-                        <a:rPr/>
-                        <a:t>are</a:t>
-                      </a:r>
-                      <a:r>
-                        <a:rPr/>
-                        <a:t> </a:t>
-                      </a:r>
-                      <a:r>
-                        <a:rPr/>
-                        <a:t>to</a:t>
-                      </a:r>
-                      <a:r>
-                        <a:rPr/>
-                        <a:t> </a:t>
-                      </a:r>
-                      <a:r>
-                        <a:rPr/>
-                        <a:t>be</a:t>
-                      </a:r>
-                      <a:r>
-                        <a:rPr/>
-                        <a:t> </a:t>
-                      </a:r>
-                      <a:r>
-                        <a:rPr/>
-                        <a:t>consulted</a:t>
-                      </a:r>
-                      <a:r>
-                        <a:rPr/>
-                        <a:t> </a:t>
-                      </a:r>
-                      <a:r>
-                        <a:rPr/>
-                        <a:t>to</a:t>
-                      </a:r>
-                      <a:r>
-                        <a:rPr/>
-                        <a:t> </a:t>
-                      </a:r>
-                      <a:r>
-                        <a:rPr/>
-                        <a:t>determine</a:t>
-                      </a:r>
-                      <a:r>
-                        <a:rPr/>
-                        <a:t> </a:t>
-                      </a:r>
-                      <a:r>
-                        <a:rPr/>
-                        <a:t>the</a:t>
-                      </a:r>
-                      <a:r>
-                        <a:rPr/>
-                        <a:t> </a:t>
-                      </a:r>
-                      <a:r>
-                        <a:rPr/>
-                        <a:t>effective</a:t>
-                      </a:r>
-                      <a:r>
-                        <a:rPr/>
-                        <a:t> </a:t>
-                      </a:r>
-                      <a:r>
-                        <a:rPr/>
-                        <a:t>level.</a:t>
-                      </a:r>
-                      <a:r>
-                        <a:rPr/>
-                        <a:t> </a:t>
-                      </a:r>
-                      <a:r>
-                        <a:rPr/>
-                        <a:t>If</a:t>
-                      </a:r>
-                      <a:r>
-                        <a:rPr/>
-                        <a:t> </a:t>
-                      </a:r>
-                      <a:r>
-                        <a:rPr/>
-                        <a:t>that</a:t>
-                      </a:r>
-                      <a:r>
-                        <a:rPr/>
-                        <a:t> </a:t>
-                      </a:r>
-                      <a:r>
-                        <a:rPr/>
-                        <a:t>still</a:t>
-                      </a:r>
-                      <a:r>
-                        <a:rPr/>
-                        <a:t> </a:t>
-                      </a:r>
-                      <a:r>
-                        <a:rPr/>
-                        <a:t>resolves</a:t>
-                      </a:r>
-                      <a:r>
-                        <a:rPr/>
-                        <a:t> </a:t>
-                      </a:r>
-                      <a:r>
-                        <a:rPr/>
-                        <a:t>to</a:t>
-                      </a:r>
-                      <a:r>
-                        <a:rPr/>
-                        <a:t> </a:t>
-                      </a:r>
-                      <a:r>
-                        <a:rPr/>
-                        <a:t>NOTSET,</a:t>
-                      </a:r>
-                      <a:r>
-                        <a:rPr/>
-                        <a:t> </a:t>
-                      </a:r>
-                      <a:r>
-                        <a:rPr/>
-                        <a:t>then</a:t>
-                      </a:r>
-                      <a:r>
-                        <a:rPr/>
-                        <a:t> </a:t>
-                      </a:r>
-                      <a:r>
-                        <a:rPr/>
-                        <a:t>all</a:t>
-                      </a:r>
-                      <a:r>
-                        <a:rPr/>
-                        <a:t> </a:t>
-                      </a:r>
-                      <a:r>
-                        <a:rPr/>
-                        <a:t>events</a:t>
-                      </a:r>
-                      <a:r>
-                        <a:rPr/>
-                        <a:t> </a:t>
-                      </a:r>
-                      <a:r>
-                        <a:rPr/>
-                        <a:t>are</a:t>
-                      </a:r>
-                      <a:r>
-                        <a:rPr/>
-                        <a:t> </a:t>
-                      </a:r>
-                      <a:r>
-                        <a:rPr/>
-                        <a:t>logged.</a:t>
-                      </a:r>
-                      <a:r>
-                        <a:rPr/>
-                        <a:t> </a:t>
-                      </a:r>
-                      <a:r>
-                        <a:rPr/>
-                        <a:t>When</a:t>
-                      </a:r>
-                      <a:r>
-                        <a:rPr/>
-                        <a:t> </a:t>
-                      </a:r>
-                      <a:r>
-                        <a:rPr/>
-                        <a:t>set</a:t>
-                      </a:r>
-                      <a:r>
-                        <a:rPr/>
-                        <a:t> </a:t>
-                      </a:r>
-                      <a:r>
-                        <a:rPr/>
-                        <a:t>on</a:t>
-                      </a:r>
-                      <a:r>
-                        <a:rPr/>
-                        <a:t> </a:t>
-                      </a:r>
-                      <a:r>
-                        <a:rPr/>
-                        <a:t>a</a:t>
-                      </a:r>
-                      <a:r>
-                        <a:rPr/>
-                        <a:t> </a:t>
-                      </a:r>
-                      <a:r>
-                        <a:rPr/>
-                        <a:t>handler,</a:t>
-                      </a:r>
-                      <a:r>
-                        <a:rPr/>
-                        <a:t> </a:t>
-                      </a:r>
-                      <a:r>
-                        <a:rPr/>
-                        <a:t>all</a:t>
-                      </a:r>
-                      <a:r>
-                        <a:rPr/>
-                        <a:t> </a:t>
-                      </a:r>
-                      <a:r>
-                        <a:rPr/>
-                        <a:t>events</a:t>
-                      </a:r>
-                      <a:r>
-                        <a:rPr/>
-                        <a:t> </a:t>
-                      </a:r>
-                      <a:r>
-                        <a:rPr/>
-                        <a:t>are</a:t>
-                      </a:r>
-                      <a:r>
-                        <a:rPr/>
-                        <a:t> </a:t>
-                      </a:r>
-                      <a:r>
-                        <a:rPr/>
-                        <a:t>handled.</a:t>
+                        <a:t>When set on a logger, indicates that ancestor loggers are to be consulted to determine the effective level. If that still resolves to NOTSET, then all events are logged. When set on a handler, all events are handled.</a:t>
                       </a:r>
                     </a:p>
                   </a:txBody>
@@ -4982,7 +4465,7 @@
                     <a:bodyPr/>
                     <a:lstStyle/>
                     <a:p>
-                      <a:pPr lvl="0" marL="0" indent="0">
+                      <a:pPr lvl="0" indent="0" marL="0">
                         <a:buNone/>
                       </a:pPr>
                       <a:r>
@@ -4997,116 +4480,12 @@
                     <a:bodyPr/>
                     <a:lstStyle/>
                     <a:p>
-                      <a:pPr lvl="0" marL="0" indent="0">
+                      <a:pPr lvl="0" indent="0" marL="0">
                         <a:buNone/>
                       </a:pPr>
                       <a:r>
                         <a:rPr/>
-                        <a:t>Detailed</a:t>
-                      </a:r>
-                      <a:r>
-                        <a:rPr/>
-                        <a:t> </a:t>
-                      </a:r>
-                      <a:r>
-                        <a:rPr/>
-                        <a:t>information,</a:t>
-                      </a:r>
-                      <a:r>
-                        <a:rPr/>
-                        <a:t> </a:t>
-                      </a:r>
-                      <a:r>
-                        <a:rPr/>
-                        <a:t>typically</a:t>
-                      </a:r>
-                      <a:r>
-                        <a:rPr/>
-                        <a:t> </a:t>
-                      </a:r>
-                      <a:r>
-                        <a:rPr/>
-                        <a:t>only</a:t>
-                      </a:r>
-                      <a:r>
-                        <a:rPr/>
-                        <a:t> </a:t>
-                      </a:r>
-                      <a:r>
-                        <a:rPr/>
-                        <a:t>of</a:t>
-                      </a:r>
-                      <a:r>
-                        <a:rPr/>
-                        <a:t> </a:t>
-                      </a:r>
-                      <a:r>
-                        <a:rPr/>
-                        <a:t>interest</a:t>
-                      </a:r>
-                      <a:r>
-                        <a:rPr/>
-                        <a:t> </a:t>
-                      </a:r>
-                      <a:r>
-                        <a:rPr/>
-                        <a:t>to</a:t>
-                      </a:r>
-                      <a:r>
-                        <a:rPr/>
-                        <a:t> </a:t>
-                      </a:r>
-                      <a:r>
-                        <a:rPr/>
-                        <a:t>a</a:t>
-                      </a:r>
-                      <a:r>
-                        <a:rPr/>
-                        <a:t> </a:t>
-                      </a:r>
-                      <a:r>
-                        <a:rPr/>
-                        <a:t>developer</a:t>
-                      </a:r>
-                      <a:r>
-                        <a:rPr/>
-                        <a:t> </a:t>
-                      </a:r>
-                      <a:r>
-                        <a:rPr/>
-                        <a:t>trying</a:t>
-                      </a:r>
-                      <a:r>
-                        <a:rPr/>
-                        <a:t> </a:t>
-                      </a:r>
-                      <a:r>
-                        <a:rPr/>
-                        <a:t>to</a:t>
-                      </a:r>
-                      <a:r>
-                        <a:rPr/>
-                        <a:t> </a:t>
-                      </a:r>
-                      <a:r>
-                        <a:rPr/>
-                        <a:t>diagnose</a:t>
-                      </a:r>
-                      <a:r>
-                        <a:rPr/>
-                        <a:t> </a:t>
-                      </a:r>
-                      <a:r>
-                        <a:rPr/>
-                        <a:t>a</a:t>
-                      </a:r>
-                      <a:r>
-                        <a:rPr/>
-                        <a:t> </a:t>
-                      </a:r>
-                      <a:r>
-                        <a:rPr/>
-                        <a:t>problem.</a:t>
+                        <a:t>Detailed information, typically only of interest to a developer trying to diagnose a problem.</a:t>
                       </a:r>
                     </a:p>
                   </a:txBody>
@@ -5118,7 +4497,7 @@
                     <a:bodyPr/>
                     <a:lstStyle/>
                     <a:p>
-                      <a:pPr lvl="0" marL="0" indent="0">
+                      <a:pPr lvl="0" indent="0" marL="0">
                         <a:buNone/>
                       </a:pPr>
                       <a:r>
@@ -5133,60 +4512,12 @@
                     <a:bodyPr/>
                     <a:lstStyle/>
                     <a:p>
-                      <a:pPr lvl="0" marL="0" indent="0">
+                      <a:pPr lvl="0" indent="0" marL="0">
                         <a:buNone/>
                       </a:pPr>
                       <a:r>
                         <a:rPr/>
-                        <a:t>Confirmation</a:t>
-                      </a:r>
-                      <a:r>
-                        <a:rPr/>
-                        <a:t> </a:t>
-                      </a:r>
-                      <a:r>
-                        <a:rPr/>
-                        <a:t>that</a:t>
-                      </a:r>
-                      <a:r>
-                        <a:rPr/>
-                        <a:t> </a:t>
-                      </a:r>
-                      <a:r>
-                        <a:rPr/>
-                        <a:t>things</a:t>
-                      </a:r>
-                      <a:r>
-                        <a:rPr/>
-                        <a:t> </a:t>
-                      </a:r>
-                      <a:r>
-                        <a:rPr/>
-                        <a:t>are</a:t>
-                      </a:r>
-                      <a:r>
-                        <a:rPr/>
-                        <a:t> </a:t>
-                      </a:r>
-                      <a:r>
-                        <a:rPr/>
-                        <a:t>working</a:t>
-                      </a:r>
-                      <a:r>
-                        <a:rPr/>
-                        <a:t> </a:t>
-                      </a:r>
-                      <a:r>
-                        <a:rPr/>
-                        <a:t>as</a:t>
-                      </a:r>
-                      <a:r>
-                        <a:rPr/>
-                        <a:t> </a:t>
-                      </a:r>
-                      <a:r>
-                        <a:rPr/>
-                        <a:t>expected.</a:t>
+                        <a:t>Confirmation that things are working as expected.</a:t>
                       </a:r>
                     </a:p>
                   </a:txBody>
@@ -5233,28 +4564,12 @@
           <a:bodyPr/>
           <a:lstStyle/>
           <a:p>
-            <a:pPr lvl="0" marL="0" indent="0">
+            <a:pPr lvl="0" indent="0" marL="0">
               <a:buNone/>
             </a:pPr>
             <a:r>
               <a:rPr/>
-              <a:t>Log</a:t>
-            </a:r>
-            <a:r>
-              <a:rPr/>
-              <a:t> </a:t>
-            </a:r>
-            <a:r>
-              <a:rPr/>
-              <a:t>levels</a:t>
-            </a:r>
-            <a:r>
-              <a:rPr/>
-              <a:t> </a:t>
-            </a:r>
-            <a:r>
-              <a:rPr/>
-              <a:t>(cont)</a:t>
+              <a:t>Log levels (cont)</a:t>
             </a:r>
           </a:p>
         </p:txBody>
@@ -5270,8 +4585,8 @@
           </p:nvPr>
         </p:nvGraphicFramePr>
         <p:xfrm>
-          <a:off x="457200" y="1600200"/>
-          <a:ext cx="8229600" cy="4521200"/>
+          <a:off x="457200" y="1193800"/>
+          <a:ext cx="8229600" cy="3390900"/>
         </p:xfrm>
         <a:graphic>
           <a:graphicData uri="http://schemas.openxmlformats.org/drawingml/2006/table">
@@ -5289,7 +4604,7 @@
                     <a:bodyPr/>
                     <a:lstStyle/>
                     <a:p>
-                      <a:pPr lvl="0" marL="0" indent="0">
+                      <a:pPr lvl="0" indent="0" marL="0">
                         <a:buNone/>
                       </a:pPr>
                       <a:r>
@@ -5305,68 +4620,12 @@
                     <a:bodyPr/>
                     <a:lstStyle/>
                     <a:p>
-                      <a:pPr lvl="0" marL="0" indent="0">
+                      <a:pPr lvl="0" indent="0" marL="0">
                         <a:buNone/>
                       </a:pPr>
                       <a:r>
                         <a:rPr/>
-                        <a:t>What</a:t>
-                      </a:r>
-                      <a:r>
-                        <a:rPr/>
-                        <a:t> </a:t>
-                      </a:r>
-                      <a:r>
-                        <a:rPr/>
-                        <a:t>it</a:t>
-                      </a:r>
-                      <a:r>
-                        <a:rPr/>
-                        <a:t> </a:t>
-                      </a:r>
-                      <a:r>
-                        <a:rPr/>
-                        <a:t>means</a:t>
-                      </a:r>
-                      <a:r>
-                        <a:rPr/>
-                        <a:t> </a:t>
-                      </a:r>
-                      <a:r>
-                        <a:rPr/>
-                        <a:t>/</a:t>
-                      </a:r>
-                      <a:r>
-                        <a:rPr/>
-                        <a:t> </a:t>
-                      </a:r>
-                      <a:r>
-                        <a:rPr/>
-                        <a:t>When</a:t>
-                      </a:r>
-                      <a:r>
-                        <a:rPr/>
-                        <a:t> </a:t>
-                      </a:r>
-                      <a:r>
-                        <a:rPr/>
-                        <a:t>to</a:t>
-                      </a:r>
-                      <a:r>
-                        <a:rPr/>
-                        <a:t> </a:t>
-                      </a:r>
-                      <a:r>
-                        <a:rPr/>
-                        <a:t>use</a:t>
-                      </a:r>
-                      <a:r>
-                        <a:rPr/>
-                        <a:t> </a:t>
-                      </a:r>
-                      <a:r>
-                        <a:rPr/>
-                        <a:t>it</a:t>
+                        <a:t>What it means / When to use it</a:t>
                       </a:r>
                     </a:p>
                   </a:txBody>
@@ -5379,7 +4638,7 @@
                     <a:bodyPr/>
                     <a:lstStyle/>
                     <a:p>
-                      <a:pPr lvl="0" marL="0" indent="0">
+                      <a:pPr lvl="0" indent="0" marL="0">
                         <a:buNone/>
                       </a:pPr>
                       <a:r>
@@ -5394,228 +4653,12 @@
                     <a:bodyPr/>
                     <a:lstStyle/>
                     <a:p>
-                      <a:pPr lvl="0" marL="0" indent="0">
+                      <a:pPr lvl="0" indent="0" marL="0">
                         <a:buNone/>
                       </a:pPr>
                       <a:r>
                         <a:rPr/>
-                        <a:t>An</a:t>
-                      </a:r>
-                      <a:r>
-                        <a:rPr/>
-                        <a:t> </a:t>
-                      </a:r>
-                      <a:r>
-                        <a:rPr/>
-                        <a:t>indication</a:t>
-                      </a:r>
-                      <a:r>
-                        <a:rPr/>
-                        <a:t> </a:t>
-                      </a:r>
-                      <a:r>
-                        <a:rPr/>
-                        <a:t>that</a:t>
-                      </a:r>
-                      <a:r>
-                        <a:rPr/>
-                        <a:t> </a:t>
-                      </a:r>
-                      <a:r>
-                        <a:rPr/>
-                        <a:t>something</a:t>
-                      </a:r>
-                      <a:r>
-                        <a:rPr/>
-                        <a:t> </a:t>
-                      </a:r>
-                      <a:r>
-                        <a:rPr/>
-                        <a:t>unexpected</a:t>
-                      </a:r>
-                      <a:r>
-                        <a:rPr/>
-                        <a:t> </a:t>
-                      </a:r>
-                      <a:r>
-                        <a:rPr/>
-                        <a:t>happened,</a:t>
-                      </a:r>
-                      <a:r>
-                        <a:rPr/>
-                        <a:t> </a:t>
-                      </a:r>
-                      <a:r>
-                        <a:rPr/>
-                        <a:t>or</a:t>
-                      </a:r>
-                      <a:r>
-                        <a:rPr/>
-                        <a:t> </a:t>
-                      </a:r>
-                      <a:r>
-                        <a:rPr/>
-                        <a:t>that</a:t>
-                      </a:r>
-                      <a:r>
-                        <a:rPr/>
-                        <a:t> </a:t>
-                      </a:r>
-                      <a:r>
-                        <a:rPr/>
-                        <a:t>a</a:t>
-                      </a:r>
-                      <a:r>
-                        <a:rPr/>
-                        <a:t> </a:t>
-                      </a:r>
-                      <a:r>
-                        <a:rPr/>
-                        <a:t>problem</a:t>
-                      </a:r>
-                      <a:r>
-                        <a:rPr/>
-                        <a:t> </a:t>
-                      </a:r>
-                      <a:r>
-                        <a:rPr/>
-                        <a:t>might</a:t>
-                      </a:r>
-                      <a:r>
-                        <a:rPr/>
-                        <a:t> </a:t>
-                      </a:r>
-                      <a:r>
-                        <a:rPr/>
-                        <a:t>occur</a:t>
-                      </a:r>
-                      <a:r>
-                        <a:rPr/>
-                        <a:t> </a:t>
-                      </a:r>
-                      <a:r>
-                        <a:rPr/>
-                        <a:t>in</a:t>
-                      </a:r>
-                      <a:r>
-                        <a:rPr/>
-                        <a:t> </a:t>
-                      </a:r>
-                      <a:r>
-                        <a:rPr/>
-                        <a:t>the</a:t>
-                      </a:r>
-                      <a:r>
-                        <a:rPr/>
-                        <a:t> </a:t>
-                      </a:r>
-                      <a:r>
-                        <a:rPr/>
-                        <a:t>near</a:t>
-                      </a:r>
-                      <a:r>
-                        <a:rPr/>
-                        <a:t> </a:t>
-                      </a:r>
-                      <a:r>
-                        <a:rPr/>
-                        <a:t>future</a:t>
-                      </a:r>
-                      <a:r>
-                        <a:rPr/>
-                        <a:t> </a:t>
-                      </a:r>
-                      <a:r>
-                        <a:rPr/>
-                        <a:t>(e.g. </a:t>
-                      </a:r>
-                      <a:r>
-                        <a:rPr/>
-                        <a:t>‘</a:t>
-                      </a:r>
-                      <a:r>
-                        <a:rPr/>
-                        <a:t>disk</a:t>
-                      </a:r>
-                      <a:r>
-                        <a:rPr/>
-                        <a:t> </a:t>
-                      </a:r>
-                      <a:r>
-                        <a:rPr/>
-                        <a:t>space</a:t>
-                      </a:r>
-                      <a:r>
-                        <a:rPr/>
-                        <a:t> </a:t>
-                      </a:r>
-                      <a:r>
-                        <a:rPr/>
-                        <a:t>low</a:t>
-                      </a:r>
-                      <a:r>
-                        <a:rPr/>
-                        <a:t>’</a:t>
-                      </a:r>
-                      <a:r>
-                        <a:rPr/>
-                        <a:t>).</a:t>
-                      </a:r>
-                      <a:r>
-                        <a:rPr/>
-                        <a:t> </a:t>
-                      </a:r>
-                      <a:r>
-                        <a:rPr/>
-                        <a:t>The</a:t>
-                      </a:r>
-                      <a:r>
-                        <a:rPr/>
-                        <a:t> </a:t>
-                      </a:r>
-                      <a:r>
-                        <a:rPr/>
-                        <a:t>software</a:t>
-                      </a:r>
-                      <a:r>
-                        <a:rPr/>
-                        <a:t> </a:t>
-                      </a:r>
-                      <a:r>
-                        <a:rPr/>
-                        <a:t>is</a:t>
-                      </a:r>
-                      <a:r>
-                        <a:rPr/>
-                        <a:t> </a:t>
-                      </a:r>
-                      <a:r>
-                        <a:rPr/>
-                        <a:t>still</a:t>
-                      </a:r>
-                      <a:r>
-                        <a:rPr/>
-                        <a:t> </a:t>
-                      </a:r>
-                      <a:r>
-                        <a:rPr/>
-                        <a:t>working</a:t>
-                      </a:r>
-                      <a:r>
-                        <a:rPr/>
-                        <a:t> </a:t>
-                      </a:r>
-                      <a:r>
-                        <a:rPr/>
-                        <a:t>as</a:t>
-                      </a:r>
-                      <a:r>
-                        <a:rPr/>
-                        <a:t> </a:t>
-                      </a:r>
-                      <a:r>
-                        <a:rPr/>
-                        <a:t>expected.</a:t>
+                        <a:t>An indication that something unexpected happened, or that a problem might occur in the near future (e.g. ‘disk space low’). The software is still working as expected.</a:t>
                       </a:r>
                     </a:p>
                   </a:txBody>
@@ -5627,7 +4670,7 @@
                     <a:bodyPr/>
                     <a:lstStyle/>
                     <a:p>
-                      <a:pPr lvl="0" marL="0" indent="0">
+                      <a:pPr lvl="0" indent="0" marL="0">
                         <a:buNone/>
                       </a:pPr>
                       <a:r>
@@ -5642,132 +4685,12 @@
                     <a:bodyPr/>
                     <a:lstStyle/>
                     <a:p>
-                      <a:pPr lvl="0" marL="0" indent="0">
+                      <a:pPr lvl="0" indent="0" marL="0">
                         <a:buNone/>
                       </a:pPr>
                       <a:r>
                         <a:rPr/>
-                        <a:t>Due</a:t>
-                      </a:r>
-                      <a:r>
-                        <a:rPr/>
-                        <a:t> </a:t>
-                      </a:r>
-                      <a:r>
-                        <a:rPr/>
-                        <a:t>to</a:t>
-                      </a:r>
-                      <a:r>
-                        <a:rPr/>
-                        <a:t> </a:t>
-                      </a:r>
-                      <a:r>
-                        <a:rPr/>
-                        <a:t>a</a:t>
-                      </a:r>
-                      <a:r>
-                        <a:rPr/>
-                        <a:t> </a:t>
-                      </a:r>
-                      <a:r>
-                        <a:rPr/>
-                        <a:t>more</a:t>
-                      </a:r>
-                      <a:r>
-                        <a:rPr/>
-                        <a:t> </a:t>
-                      </a:r>
-                      <a:r>
-                        <a:rPr/>
-                        <a:t>serious</a:t>
-                      </a:r>
-                      <a:r>
-                        <a:rPr/>
-                        <a:t> </a:t>
-                      </a:r>
-                      <a:r>
-                        <a:rPr/>
-                        <a:t>problem,</a:t>
-                      </a:r>
-                      <a:r>
-                        <a:rPr/>
-                        <a:t> </a:t>
-                      </a:r>
-                      <a:r>
-                        <a:rPr/>
-                        <a:t>the</a:t>
-                      </a:r>
-                      <a:r>
-                        <a:rPr/>
-                        <a:t> </a:t>
-                      </a:r>
-                      <a:r>
-                        <a:rPr/>
-                        <a:t>software</a:t>
-                      </a:r>
-                      <a:r>
-                        <a:rPr/>
-                        <a:t> </a:t>
-                      </a:r>
-                      <a:r>
-                        <a:rPr/>
-                        <a:t>has</a:t>
-                      </a:r>
-                      <a:r>
-                        <a:rPr/>
-                        <a:t> </a:t>
-                      </a:r>
-                      <a:r>
-                        <a:rPr/>
-                        <a:t>not</a:t>
-                      </a:r>
-                      <a:r>
-                        <a:rPr/>
-                        <a:t> </a:t>
-                      </a:r>
-                      <a:r>
-                        <a:rPr/>
-                        <a:t>been</a:t>
-                      </a:r>
-                      <a:r>
-                        <a:rPr/>
-                        <a:t> </a:t>
-                      </a:r>
-                      <a:r>
-                        <a:rPr/>
-                        <a:t>able</a:t>
-                      </a:r>
-                      <a:r>
-                        <a:rPr/>
-                        <a:t> </a:t>
-                      </a:r>
-                      <a:r>
-                        <a:rPr/>
-                        <a:t>to</a:t>
-                      </a:r>
-                      <a:r>
-                        <a:rPr/>
-                        <a:t> </a:t>
-                      </a:r>
-                      <a:r>
-                        <a:rPr/>
-                        <a:t>perform</a:t>
-                      </a:r>
-                      <a:r>
-                        <a:rPr/>
-                        <a:t> </a:t>
-                      </a:r>
-                      <a:r>
-                        <a:rPr/>
-                        <a:t>some</a:t>
-                      </a:r>
-                      <a:r>
-                        <a:rPr/>
-                        <a:t> </a:t>
-                      </a:r>
-                      <a:r>
-                        <a:rPr/>
-                        <a:t>function.</a:t>
+                        <a:t>Due to a more serious problem, the software has not been able to perform some function.</a:t>
                       </a:r>
                     </a:p>
                   </a:txBody>
@@ -5779,7 +4702,7 @@
                     <a:bodyPr/>
                     <a:lstStyle/>
                     <a:p>
-                      <a:pPr lvl="0" marL="0" indent="0">
+                      <a:pPr lvl="0" indent="0" marL="0">
                         <a:buNone/>
                       </a:pPr>
                       <a:r>
@@ -5794,116 +4717,12 @@
                     <a:bodyPr/>
                     <a:lstStyle/>
                     <a:p>
-                      <a:pPr lvl="0" marL="0" indent="0">
+                      <a:pPr lvl="0" indent="0" marL="0">
                         <a:buNone/>
                       </a:pPr>
                       <a:r>
                         <a:rPr/>
-                        <a:t>A</a:t>
-                      </a:r>
-                      <a:r>
-                        <a:rPr/>
-                        <a:t> </a:t>
-                      </a:r>
-                      <a:r>
-                        <a:rPr/>
-                        <a:t>serious</a:t>
-                      </a:r>
-                      <a:r>
-                        <a:rPr/>
-                        <a:t> </a:t>
-                      </a:r>
-                      <a:r>
-                        <a:rPr/>
-                        <a:t>error,</a:t>
-                      </a:r>
-                      <a:r>
-                        <a:rPr/>
-                        <a:t> </a:t>
-                      </a:r>
-                      <a:r>
-                        <a:rPr/>
-                        <a:t>indicating</a:t>
-                      </a:r>
-                      <a:r>
-                        <a:rPr/>
-                        <a:t> </a:t>
-                      </a:r>
-                      <a:r>
-                        <a:rPr/>
-                        <a:t>that</a:t>
-                      </a:r>
-                      <a:r>
-                        <a:rPr/>
-                        <a:t> </a:t>
-                      </a:r>
-                      <a:r>
-                        <a:rPr/>
-                        <a:t>the</a:t>
-                      </a:r>
-                      <a:r>
-                        <a:rPr/>
-                        <a:t> </a:t>
-                      </a:r>
-                      <a:r>
-                        <a:rPr/>
-                        <a:t>program</a:t>
-                      </a:r>
-                      <a:r>
-                        <a:rPr/>
-                        <a:t> </a:t>
-                      </a:r>
-                      <a:r>
-                        <a:rPr/>
-                        <a:t>itself</a:t>
-                      </a:r>
-                      <a:r>
-                        <a:rPr/>
-                        <a:t> </a:t>
-                      </a:r>
-                      <a:r>
-                        <a:rPr/>
-                        <a:t>may</a:t>
-                      </a:r>
-                      <a:r>
-                        <a:rPr/>
-                        <a:t> </a:t>
-                      </a:r>
-                      <a:r>
-                        <a:rPr/>
-                        <a:t>be</a:t>
-                      </a:r>
-                      <a:r>
-                        <a:rPr/>
-                        <a:t> </a:t>
-                      </a:r>
-                      <a:r>
-                        <a:rPr/>
-                        <a:t>unable</a:t>
-                      </a:r>
-                      <a:r>
-                        <a:rPr/>
-                        <a:t> </a:t>
-                      </a:r>
-                      <a:r>
-                        <a:rPr/>
-                        <a:t>to</a:t>
-                      </a:r>
-                      <a:r>
-                        <a:rPr/>
-                        <a:t> </a:t>
-                      </a:r>
-                      <a:r>
-                        <a:rPr/>
-                        <a:t>continue</a:t>
-                      </a:r>
-                      <a:r>
-                        <a:rPr/>
-                        <a:t> </a:t>
-                      </a:r>
-                      <a:r>
-                        <a:rPr/>
-                        <a:t>running.</a:t>
+                        <a:t>A serious error, indicating that the program itself may be unable to continue running.</a:t>
                       </a:r>
                     </a:p>
                   </a:txBody>
@@ -5950,20 +4769,12 @@
           <a:bodyPr/>
           <a:lstStyle/>
           <a:p>
-            <a:pPr lvl="0" marL="0" indent="0">
+            <a:pPr lvl="0" indent="0" marL="0">
               <a:buNone/>
             </a:pPr>
             <a:r>
               <a:rPr/>
-              <a:t>Log</a:t>
-            </a:r>
-            <a:r>
-              <a:rPr/>
-              <a:t> </a:t>
-            </a:r>
-            <a:r>
-              <a:rPr/>
-              <a:t>models</a:t>
+              <a:t>Log models</a:t>
             </a:r>
           </a:p>
         </p:txBody>
@@ -5983,7 +4794,7 @@
           <a:bodyPr/>
           <a:lstStyle/>
           <a:p>
-            <a:pPr lvl="0" marL="0" indent="0">
+            <a:pPr lvl="0" indent="0" marL="0">
               <a:buNone/>
             </a:pPr>
             <a:r>
@@ -5995,11 +4806,20 @@
             <a:pPr lvl="0" indent="0">
               <a:buNone/>
             </a:pPr>
+            <a:r>
+              <a:rPr b="1">
+                <a:solidFill>
+                  <a:srgbClr val="008000"/>
+                </a:solidFill>
+                <a:latin typeface="Courier"/>
+              </a:rPr>
+              <a:t>import</a:t>
+            </a:r>
             <a:r>
               <a:rPr>
                 <a:latin typeface="Courier"/>
               </a:rPr>
-              <a:t>import logging</a:t>
+              <a:t> logging</a:t>
             </a:r>
             <a:br/>
             <a:br/>
@@ -6007,7 +4827,16 @@
               <a:rPr>
                 <a:latin typeface="Courier"/>
               </a:rPr>
-              <a:t>logging.basicConfig(format</a:t>
+              <a:t>logging.basicConfig(</a:t>
+            </a:r>
+            <a:r>
+              <a:rPr>
+                <a:solidFill>
+                  <a:srgbClr val="008000"/>
+                </a:solidFill>
+                <a:latin typeface="Courier"/>
+              </a:rPr>
+              <a:t>format</a:t>
             </a:r>
             <a:r>
               <a:rPr>
@@ -6222,28 +5051,12 @@
           <a:bodyPr/>
           <a:lstStyle/>
           <a:p>
-            <a:pPr lvl="0" marL="0" indent="0">
+            <a:pPr lvl="0" indent="0" marL="0">
               <a:buNone/>
             </a:pPr>
             <a:r>
               <a:rPr/>
-              <a:t>Something</a:t>
-            </a:r>
-            <a:r>
-              <a:rPr/>
-              <a:t> </a:t>
-            </a:r>
-            <a:r>
-              <a:rPr/>
-              <a:t>went</a:t>
-            </a:r>
-            <a:r>
-              <a:rPr/>
-              <a:t> </a:t>
-            </a:r>
-            <a:r>
-              <a:rPr/>
-              <a:t>wrong</a:t>
+              <a:t>Something went wrong</a:t>
             </a:r>
           </a:p>
         </p:txBody>
@@ -6263,7 +5076,7 @@
           <a:bodyPr/>
           <a:lstStyle/>
           <a:p>
-            <a:pPr lvl="0" marL="1270000" indent="0">
+            <a:pPr lvl="0" indent="0" marL="1270000">
               <a:buNone/>
             </a:pPr>
             <a:r>
@@ -6272,14 +5085,14 @@
             </a:r>
           </a:p>
           <a:p>
-            <a:pPr lvl="1"/>
+            <a:pPr lvl="0"/>
             <a:r>
               <a:rPr/>
               <a:t>observability, yes (if the devops engineers actually have been notified)</a:t>
             </a:r>
           </a:p>
           <a:p>
-            <a:pPr lvl="1"/>
+            <a:pPr lvl="0"/>
             <a:r>
               <a:rPr/>
               <a:t>messages like this are shown to users in the case of unhandled exceptions</a:t>
@@ -6324,20 +5137,12 @@
           <a:bodyPr/>
           <a:lstStyle/>
           <a:p>
-            <a:pPr lvl="0" marL="0" indent="0">
+            <a:pPr lvl="0" indent="0" marL="0">
               <a:buNone/>
             </a:pPr>
             <a:r>
               <a:rPr/>
-              <a:t>Please</a:t>
-            </a:r>
-            <a:r>
-              <a:rPr/>
-              <a:t> </a:t>
-            </a:r>
-            <a:r>
-              <a:rPr/>
-              <a:t>don’t</a:t>
+              <a:t>Please don’t</a:t>
             </a:r>
           </a:p>
         </p:txBody>
@@ -6357,7 +5162,7 @@
           <a:bodyPr/>
           <a:lstStyle/>
           <a:p>
-            <a:pPr lvl="0" marL="0" indent="0">
+            <a:pPr lvl="0" indent="0" marL="0">
               <a:buNone/>
             </a:pPr>
             <a:r>
@@ -6366,14 +5171,14 @@
             </a:r>
           </a:p>
           <a:p>
-            <a:pPr lvl="1"/>
+            <a:pPr lvl="0"/>
             <a:r>
               <a:rPr/>
               <a:t>exception handling is different then making the exception observable</a:t>
             </a:r>
           </a:p>
           <a:p>
-            <a:pPr lvl="1"/>
+            <a:pPr lvl="0"/>
             <a:r>
               <a:rPr/>
               <a:t>always re-throw the exception at the point of writing a metric or logging</a:t>
@@ -6418,7 +5223,7 @@
           <a:bodyPr/>
           <a:lstStyle/>
           <a:p>
-            <a:pPr lvl="0" marL="0" indent="0">
+            <a:pPr lvl="0" indent="0" marL="0">
               <a:buNone/>
             </a:pPr>
             <a:r>
@@ -6443,21 +5248,21 @@
           <a:bodyPr/>
           <a:lstStyle/>
           <a:p>
-            <a:pPr lvl="1"/>
+            <a:pPr lvl="0"/>
             <a:r>
               <a:rPr/>
               <a:t>observability is in the process of changing for the better</a:t>
             </a:r>
           </a:p>
           <a:p>
-            <a:pPr lvl="1"/>
+            <a:pPr lvl="0"/>
             <a:r>
               <a:rPr/>
               <a:t>the heart of that change will be a newfound ability to correlate across all forms of telemetry: traces, metrics, logs</a:t>
             </a:r>
           </a:p>
           <a:p>
-            <a:pPr lvl="1"/>
+            <a:pPr lvl="0"/>
             <a:r>
               <a:rPr/>
               <a:t>correlation is the key to unlocking the workflows and automation that we desperately need to keep up with this world of ever expanding complex systems.</a:t>
@@ -6502,20 +5307,12 @@
           <a:bodyPr/>
           <a:lstStyle/>
           <a:p>
-            <a:pPr lvl="0" marL="0" indent="0">
+            <a:pPr lvl="0" indent="0" marL="0">
               <a:buNone/>
             </a:pPr>
             <a:r>
               <a:rPr/>
-              <a:t>The</a:t>
-            </a:r>
-            <a:r>
-              <a:rPr/>
-              <a:t> </a:t>
-            </a:r>
-            <a:r>
-              <a:rPr/>
-              <a:t>Challenge</a:t>
+              <a:t>The Challenge</a:t>
             </a:r>
           </a:p>
         </p:txBody>
@@ -6535,7 +5332,7 @@
           <a:bodyPr/>
           <a:lstStyle/>
           <a:p>
-            <a:pPr lvl="0" marL="0" indent="0">
+            <a:pPr lvl="0" indent="0" marL="0">
               <a:buNone/>
             </a:pPr>
             <a:r>
@@ -6566,7 +5363,7 @@
             </a:r>
           </a:p>
           <a:p>
-            <a:pPr lvl="0" marL="0" indent="0">
+            <a:pPr lvl="0" indent="0" marL="0">
               <a:buNone/>
             </a:pPr>
             <a:r>
@@ -6581,15 +5378,7 @@
             </a:r>
             <a:r>
               <a:rPr/>
-              <a:t> to document it with a deployment diagram. Submit the deployment diagram with the uploader at the </a:t>
-            </a:r>
-            <a:r>
-              <a:rPr/>
-              <a:t>end of the presentation</a:t>
-            </a:r>
-            <a:r>
-              <a:rPr/>
-              <a:t>.</a:t>
+              <a:t> to document it with a deployment diagram. Submit the deployment diagram with the uploader at the end of the presentation.</a:t>
             </a:r>
           </a:p>
         </p:txBody>
@@ -6631,28 +5420,12 @@
           <a:bodyPr/>
           <a:lstStyle/>
           <a:p>
-            <a:pPr lvl="0" marL="0" indent="0">
+            <a:pPr lvl="0" indent="0" marL="0">
               <a:buNone/>
             </a:pPr>
             <a:r>
               <a:rPr/>
-              <a:t>Unit</a:t>
-            </a:r>
-            <a:r>
-              <a:rPr/>
-              <a:t> </a:t>
-            </a:r>
-            <a:r>
-              <a:rPr/>
-              <a:t>Learning</a:t>
-            </a:r>
-            <a:r>
-              <a:rPr/>
-              <a:t> </a:t>
-            </a:r>
-            <a:r>
-              <a:rPr/>
-              <a:t>Objectives</a:t>
+              <a:t>Unit Learning Objectives</a:t>
             </a:r>
           </a:p>
         </p:txBody>
@@ -6672,28 +5445,28 @@
           <a:bodyPr/>
           <a:lstStyle/>
           <a:p>
-            <a:pPr lvl="1"/>
+            <a:pPr lvl="0"/>
             <a:r>
               <a:rPr/>
               <a:t>Explain the advantages tracing has over plain logging for root cause analysis of an issue.</a:t>
             </a:r>
           </a:p>
           <a:p>
-            <a:pPr lvl="1"/>
+            <a:pPr lvl="0"/>
             <a:r>
               <a:rPr/>
               <a:t>Consider metrics like utilization, saturation and errors for system health.</a:t>
             </a:r>
           </a:p>
           <a:p>
-            <a:pPr lvl="1"/>
+            <a:pPr lvl="0"/>
             <a:r>
               <a:rPr/>
               <a:t>Give reasons for REDS/Google golden metrics being an improvement for understanding how happy users will be with a system.</a:t>
             </a:r>
           </a:p>
           <a:p>
-            <a:pPr lvl="1"/>
+            <a:pPr lvl="0"/>
             <a:r>
               <a:rPr/>
               <a:t>Consider logs, log levels and log models as a way of understanding software issues.</a:t>
@@ -6738,44 +5511,12 @@
           <a:bodyPr/>
           <a:lstStyle/>
           <a:p>
-            <a:pPr lvl="0" marL="0" indent="0">
+            <a:pPr lvl="0" indent="0" marL="0">
               <a:buNone/>
             </a:pPr>
             <a:r>
               <a:rPr/>
-              <a:t>Who</a:t>
-            </a:r>
-            <a:r>
-              <a:rPr/>
-              <a:t> </a:t>
-            </a:r>
-            <a:r>
-              <a:rPr/>
-              <a:t>came</a:t>
-            </a:r>
-            <a:r>
-              <a:rPr/>
-              <a:t> </a:t>
-            </a:r>
-            <a:r>
-              <a:rPr/>
-              <a:t>by</a:t>
-            </a:r>
-            <a:r>
-              <a:rPr/>
-              <a:t> </a:t>
-            </a:r>
-            <a:r>
-              <a:rPr/>
-              <a:t>bus</a:t>
-            </a:r>
-            <a:r>
-              <a:rPr/>
-              <a:t> </a:t>
-            </a:r>
-            <a:r>
-              <a:rPr/>
-              <a:t>today?</a:t>
+              <a:t>Who came by bus today?</a:t>
             </a:r>
           </a:p>
         </p:txBody>
@@ -6796,8 +5537,8 @@
         </p:blipFill>
         <p:spPr bwMode="auto">
           <a:xfrm>
-            <a:off x="1562100" y="1600200"/>
-            <a:ext cx="6019800" cy="4013200"/>
+            <a:off x="2413000" y="1193800"/>
+            <a:ext cx="4318000" cy="2882900"/>
           </a:xfrm>
           <a:prstGeom prst="rect">
             <a:avLst/>
@@ -6818,7 +5559,7 @@
         </p:nvSpPr>
         <p:spPr>
           <a:xfrm>
-            <a:off x="457200" y="5613400"/>
+            <a:off x="457200" y="4076700"/>
             <a:ext cx="8229600" cy="508000"/>
           </a:xfrm>
           <a:prstGeom prst="rect">
@@ -6830,20 +5571,12 @@
           <a:bodyPr/>
           <a:lstStyle/>
           <a:p>
-            <a:pPr lvl="0" marL="0" indent="0" algn="ctr">
+            <a:pPr lvl="0" indent="0" marL="0" algn="ctr">
               <a:buNone/>
             </a:pPr>
             <a:r>
               <a:rPr/>
-              <a:t>GRT</a:t>
-            </a:r>
-            <a:r>
-              <a:rPr/>
-              <a:t> </a:t>
-            </a:r>
-            <a:r>
-              <a:rPr/>
-              <a:t>Map</a:t>
+              <a:t>GRT Map</a:t>
             </a:r>
           </a:p>
         </p:txBody>
@@ -6885,20 +5618,12 @@
           <a:bodyPr/>
           <a:lstStyle/>
           <a:p>
-            <a:pPr lvl="0" marL="0" indent="0">
+            <a:pPr lvl="0" indent="0" marL="0">
               <a:buNone/>
             </a:pPr>
             <a:r>
               <a:rPr/>
-              <a:t>Bus</a:t>
-            </a:r>
-            <a:r>
-              <a:rPr/>
-              <a:t> </a:t>
-            </a:r>
-            <a:r>
-              <a:rPr/>
-              <a:t>Stakeholders</a:t>
+              <a:t>Bus Stakeholders</a:t>
             </a:r>
           </a:p>
         </p:txBody>
@@ -6918,7 +5643,7 @@
           <a:bodyPr/>
           <a:lstStyle/>
           <a:p>
-            <a:pPr lvl="0" marL="0" indent="0">
+            <a:pPr lvl="0" indent="0" marL="0">
               <a:spcBef>
                 <a:spcPts val="3000"/>
               </a:spcBef>
@@ -6930,42 +5655,42 @@
             </a:r>
           </a:p>
           <a:p>
-            <a:pPr lvl="1"/>
+            <a:pPr lvl="0"/>
             <a:r>
               <a:rPr/>
               <a:t>riders</a:t>
             </a:r>
           </a:p>
           <a:p>
-            <a:pPr lvl="1"/>
+            <a:pPr lvl="0"/>
             <a:r>
               <a:rPr/>
               <a:t>municipality</a:t>
             </a:r>
           </a:p>
           <a:p>
-            <a:pPr lvl="1"/>
+            <a:pPr lvl="0"/>
             <a:r>
               <a:rPr/>
               <a:t>the garage</a:t>
             </a:r>
           </a:p>
           <a:p>
-            <a:pPr lvl="1"/>
+            <a:pPr lvl="0"/>
             <a:r>
               <a:rPr/>
               <a:t>drivers</a:t>
             </a:r>
           </a:p>
           <a:p>
-            <a:pPr lvl="1"/>
+            <a:pPr lvl="0"/>
             <a:r>
               <a:rPr/>
               <a:t>staffing coordinators</a:t>
             </a:r>
           </a:p>
           <a:p>
-            <a:pPr lvl="0" marL="0" indent="0">
+            <a:pPr lvl="0" indent="0" marL="0">
               <a:buNone/>
             </a:pPr>
             <a:r>
@@ -7012,44 +5737,12 @@
           <a:bodyPr/>
           <a:lstStyle/>
           <a:p>
-            <a:pPr lvl="0" marL="0" indent="0">
+            <a:pPr lvl="0" indent="0" marL="0">
               <a:buNone/>
             </a:pPr>
             <a:r>
               <a:rPr/>
-              <a:t>Riders</a:t>
-            </a:r>
-            <a:r>
-              <a:rPr/>
-              <a:t> </a:t>
-            </a:r>
-            <a:r>
-              <a:rPr/>
-              <a:t>(users</a:t>
-            </a:r>
-            <a:r>
-              <a:rPr/>
-              <a:t> </a:t>
-            </a:r>
-            <a:r>
-              <a:rPr/>
-              <a:t>of</a:t>
-            </a:r>
-            <a:r>
-              <a:rPr/>
-              <a:t> </a:t>
-            </a:r>
-            <a:r>
-              <a:rPr/>
-              <a:t>the</a:t>
-            </a:r>
-            <a:r>
-              <a:rPr/>
-              <a:t> </a:t>
-            </a:r>
-            <a:r>
-              <a:rPr/>
-              <a:t>system)</a:t>
+              <a:t>Riders (users of the system)</a:t>
             </a:r>
           </a:p>
         </p:txBody>
@@ -7069,28 +5762,28 @@
           <a:bodyPr/>
           <a:lstStyle/>
           <a:p>
-            <a:pPr lvl="1"/>
+            <a:pPr lvl="0"/>
             <a:r>
               <a:rPr/>
               <a:t>care about the current location of the bus they wish to get on</a:t>
             </a:r>
           </a:p>
           <a:p>
-            <a:pPr lvl="1"/>
+            <a:pPr lvl="0"/>
             <a:r>
               <a:rPr/>
               <a:t>a metric with attributes of bus: 1234, route: 201, lat: 43.48171410601913, long: -80.51813393653605 timestamp: 1725052424</a:t>
             </a:r>
           </a:p>
           <a:p>
-            <a:pPr lvl="1"/>
+            <a:pPr lvl="0"/>
             <a:r>
               <a:rPr/>
               <a:t>the eta of the bus at their location</a:t>
             </a:r>
           </a:p>
           <a:p>
-            <a:pPr lvl="1"/>
+            <a:pPr lvl="0"/>
             <a:r>
               <a:rPr/>
               <a:t>projection from a time series of the last 4 stops and the time it took last time</a:t>
@@ -7135,7 +5828,7 @@
           <a:bodyPr/>
           <a:lstStyle/>
           <a:p>
-            <a:pPr lvl="0" marL="0" indent="0">
+            <a:pPr lvl="0" indent="0" marL="0">
               <a:buNone/>
             </a:pPr>
             <a:r>
@@ -7160,21 +5853,21 @@
           <a:bodyPr/>
           <a:lstStyle/>
           <a:p>
-            <a:pPr lvl="1"/>
+            <a:pPr lvl="0"/>
             <a:r>
               <a:rPr/>
               <a:t>care about which buses riders take, how many transfers, what time of day, how many riders are on each bus at any time and place</a:t>
             </a:r>
           </a:p>
           <a:p>
-            <a:pPr lvl="1"/>
+            <a:pPr lvl="0"/>
             <a:r>
               <a:rPr/>
               <a:t>tracing a rider from when they get on their first bus to when they get off their last</a:t>
             </a:r>
           </a:p>
           <a:p>
-            <a:pPr lvl="1"/>
+            <a:pPr lvl="0"/>
             <a:r>
               <a:rPr/>
               <a:t>a metric with attributes of bus: 1234, route: 201, lat: 43.48171410601913, long: -80.51813393653605 timestamp: 1725052424, riders: 42</a:t>
@@ -7219,7 +5912,7 @@
           <a:bodyPr/>
           <a:lstStyle/>
           <a:p>
-            <a:pPr lvl="0" marL="0" indent="0">
+            <a:pPr lvl="0" indent="0" marL="0">
               <a:buNone/>
             </a:pPr>
             <a:r>
@@ -7244,28 +5937,28 @@
           <a:bodyPr/>
           <a:lstStyle/>
           <a:p>
-            <a:pPr lvl="1"/>
+            <a:pPr lvl="0"/>
             <a:r>
               <a:rPr/>
               <a:t>care about problem logs for the particular bus that they have in front of them</a:t>
             </a:r>
           </a:p>
           <a:p>
-            <a:pPr lvl="1"/>
+            <a:pPr lvl="0"/>
             <a:r>
               <a:rPr/>
               <a:t>need sensor data for other things like predictive maintenance</a:t>
             </a:r>
           </a:p>
           <a:p>
-            <a:pPr lvl="1"/>
+            <a:pPr lvl="0"/>
             <a:r>
               <a:rPr/>
               <a:t>this could also be from logs on the bus or from metrics reported directly by sensors</a:t>
             </a:r>
           </a:p>
           <a:p>
-            <a:pPr lvl="1"/>
+            <a:pPr lvl="0"/>
             <a:r>
               <a:rPr/>
               <a:t>metrics would allow them to get the bus in for predictive maintenance</a:t>
@@ -7596,4 +6289,265 @@
   </a:objectDefaults>
   <a:extraClrSchemeLst/>
 </a:theme>
+</file>
+
+<file path=ppt/theme/theme2.xml><?xml version="1.0" encoding="utf-8"?>
+<a:theme xmlns:a="http://schemas.openxmlformats.org/drawingml/2006/main" name="Office Theme">
+  <a:themeElements>
+    <a:clrScheme name="Office">
+      <a:dk1>
+        <a:sysClr val="windowText" lastClr="000000"/>
+      </a:dk1>
+      <a:lt1>
+        <a:sysClr val="window" lastClr="FFFFFF"/>
+      </a:lt1>
+      <a:dk2>
+        <a:srgbClr val="44546A"/>
+      </a:dk2>
+      <a:lt2>
+        <a:srgbClr val="E7E6E6"/>
+      </a:lt2>
+      <a:accent1>
+        <a:srgbClr val="5B9BD5"/>
+      </a:accent1>
+      <a:accent2>
+        <a:srgbClr val="ED7D31"/>
+      </a:accent2>
+      <a:accent3>
+        <a:srgbClr val="A5A5A5"/>
+      </a:accent3>
+      <a:accent4>
+        <a:srgbClr val="FFC000"/>
+      </a:accent4>
+      <a:accent5>
+        <a:srgbClr val="4472C4"/>
+      </a:accent5>
+      <a:accent6>
+        <a:srgbClr val="70AD47"/>
+      </a:accent6>
+      <a:hlink>
+        <a:srgbClr val="0563C1"/>
+      </a:hlink>
+      <a:folHlink>
+        <a:srgbClr val="954F72"/>
+      </a:folHlink>
+    </a:clrScheme>
+    <a:fontScheme name="Office">
+      <a:majorFont>
+        <a:latin typeface="Calibri Light" panose="020F0302020204030204"/>
+        <a:ea typeface=""/>
+        <a:cs typeface=""/>
+        <a:font script="Jpan" typeface="ＭＳ Ｐゴシック"/>
+        <a:font script="Hang" typeface="맑은 고딕"/>
+        <a:font script="Hans" typeface="宋体"/>
+        <a:font script="Hant" typeface="新細明體"/>
+        <a:font script="Arab" typeface="Times New Roman"/>
+        <a:font script="Hebr" typeface="Times New Roman"/>
+        <a:font script="Thai" typeface="Angsana New"/>
+        <a:font script="Ethi" typeface="Nyala"/>
+        <a:font script="Beng" typeface="Vrinda"/>
+        <a:font script="Gujr" typeface="Shruti"/>
+        <a:font script="Khmr" typeface="MoolBoran"/>
+        <a:font script="Knda" typeface="Tunga"/>
+        <a:font script="Guru" typeface="Raavi"/>
+        <a:font script="Cans" typeface="Euphemia"/>
+        <a:font script="Cher" typeface="Plantagenet Cherokee"/>
+        <a:font script="Yiii" typeface="Microsoft Yi Baiti"/>
+        <a:font script="Tibt" typeface="Microsoft Himalaya"/>
+        <a:font script="Thaa" typeface="MV Boli"/>
+        <a:font script="Deva" typeface="Mangal"/>
+        <a:font script="Telu" typeface="Gautami"/>
+        <a:font script="Taml" typeface="Latha"/>
+        <a:font script="Syrc" typeface="Estrangelo Edessa"/>
+        <a:font script="Orya" typeface="Kalinga"/>
+        <a:font script="Mlym" typeface="Kartika"/>
+        <a:font script="Laoo" typeface="DokChampa"/>
+        <a:font script="Sinh" typeface="Iskoola Pota"/>
+        <a:font script="Mong" typeface="Mongolian Baiti"/>
+        <a:font script="Viet" typeface="Times New Roman"/>
+        <a:font script="Uigh" typeface="Microsoft Uighur"/>
+        <a:font script="Geor" typeface="Sylfaen"/>
+      </a:majorFont>
+      <a:minorFont>
+        <a:latin typeface="Calibri" panose="020F0502020204030204"/>
+        <a:ea typeface=""/>
+        <a:cs typeface=""/>
+        <a:font script="Jpan" typeface="ＭＳ Ｐゴシック"/>
+        <a:font script="Hang" typeface="맑은 고딕"/>
+        <a:font script="Hans" typeface="宋体"/>
+        <a:font script="Hant" typeface="新細明體"/>
+        <a:font script="Arab" typeface="Arial"/>
+        <a:font script="Hebr" typeface="Arial"/>
+        <a:font script="Thai" typeface="Cordia New"/>
+        <a:font script="Ethi" typeface="Nyala"/>
+        <a:font script="Beng" typeface="Vrinda"/>
+        <a:font script="Gujr" typeface="Shruti"/>
+        <a:font script="Khmr" typeface="DaunPenh"/>
+        <a:font script="Knda" typeface="Tunga"/>
+        <a:font script="Guru" typeface="Raavi"/>
+        <a:font script="Cans" typeface="Euphemia"/>
+        <a:font script="Cher" typeface="Plantagenet Cherokee"/>
+        <a:font script="Yiii" typeface="Microsoft Yi Baiti"/>
+        <a:font script="Tibt" typeface="Microsoft Himalaya"/>
+        <a:font script="Thaa" typeface="MV Boli"/>
+        <a:font script="Deva" typeface="Mangal"/>
+        <a:font script="Telu" typeface="Gautami"/>
+        <a:font script="Taml" typeface="Latha"/>
+        <a:font script="Syrc" typeface="Estrangelo Edessa"/>
+        <a:font script="Orya" typeface="Kalinga"/>
+        <a:font script="Mlym" typeface="Kartika"/>
+        <a:font script="Laoo" typeface="DokChampa"/>
+        <a:font script="Sinh" typeface="Iskoola Pota"/>
+        <a:font script="Mong" typeface="Mongolian Baiti"/>
+        <a:font script="Viet" typeface="Arial"/>
+        <a:font script="Uigh" typeface="Microsoft Uighur"/>
+        <a:font script="Geor" typeface="Sylfaen"/>
+      </a:minorFont>
+    </a:fontScheme>
+    <a:fmtScheme name="Office">
+      <a:fillStyleLst>
+        <a:solidFill>
+          <a:schemeClr val="phClr"/>
+        </a:solidFill>
+        <a:gradFill rotWithShape="1">
+          <a:gsLst>
+            <a:gs pos="0">
+              <a:schemeClr val="phClr">
+                <a:lumMod val="110000"/>
+                <a:satMod val="105000"/>
+                <a:tint val="67000"/>
+              </a:schemeClr>
+            </a:gs>
+            <a:gs pos="50000">
+              <a:schemeClr val="phClr">
+                <a:lumMod val="105000"/>
+                <a:satMod val="103000"/>
+                <a:tint val="73000"/>
+              </a:schemeClr>
+            </a:gs>
+            <a:gs pos="100000">
+              <a:schemeClr val="phClr">
+                <a:lumMod val="105000"/>
+                <a:satMod val="109000"/>
+                <a:tint val="81000"/>
+              </a:schemeClr>
+            </a:gs>
+          </a:gsLst>
+          <a:lin ang="5400000" scaled="0"/>
+        </a:gradFill>
+        <a:gradFill rotWithShape="1">
+          <a:gsLst>
+            <a:gs pos="0">
+              <a:schemeClr val="phClr">
+                <a:satMod val="103000"/>
+                <a:lumMod val="102000"/>
+                <a:tint val="94000"/>
+              </a:schemeClr>
+            </a:gs>
+            <a:gs pos="50000">
+              <a:schemeClr val="phClr">
+                <a:satMod val="110000"/>
+                <a:lumMod val="100000"/>
+                <a:shade val="100000"/>
+              </a:schemeClr>
+            </a:gs>
+            <a:gs pos="100000">
+              <a:schemeClr val="phClr">
+                <a:lumMod val="99000"/>
+                <a:satMod val="120000"/>
+                <a:shade val="78000"/>
+              </a:schemeClr>
+            </a:gs>
+          </a:gsLst>
+          <a:lin ang="5400000" scaled="0"/>
+        </a:gradFill>
+      </a:fillStyleLst>
+      <a:lnStyleLst>
+        <a:ln w="6350" cap="flat" cmpd="sng" algn="ctr">
+          <a:solidFill>
+            <a:schemeClr val="phClr"/>
+          </a:solidFill>
+          <a:prstDash val="solid"/>
+          <a:miter lim="800000"/>
+        </a:ln>
+        <a:ln w="12700" cap="flat" cmpd="sng" algn="ctr">
+          <a:solidFill>
+            <a:schemeClr val="phClr"/>
+          </a:solidFill>
+          <a:prstDash val="solid"/>
+          <a:miter lim="800000"/>
+        </a:ln>
+        <a:ln w="19050" cap="flat" cmpd="sng" algn="ctr">
+          <a:solidFill>
+            <a:schemeClr val="phClr"/>
+          </a:solidFill>
+          <a:prstDash val="solid"/>
+          <a:miter lim="800000"/>
+        </a:ln>
+      </a:lnStyleLst>
+      <a:effectStyleLst>
+        <a:effectStyle>
+          <a:effectLst/>
+        </a:effectStyle>
+        <a:effectStyle>
+          <a:effectLst/>
+        </a:effectStyle>
+        <a:effectStyle>
+          <a:effectLst>
+            <a:outerShdw blurRad="57150" dist="19050" dir="5400000" algn="ctr" rotWithShape="0">
+              <a:srgbClr val="000000">
+                <a:alpha val="63000"/>
+              </a:srgbClr>
+            </a:outerShdw>
+          </a:effectLst>
+        </a:effectStyle>
+      </a:effectStyleLst>
+      <a:bgFillStyleLst>
+        <a:solidFill>
+          <a:schemeClr val="phClr"/>
+        </a:solidFill>
+        <a:solidFill>
+          <a:schemeClr val="phClr">
+            <a:tint val="95000"/>
+            <a:satMod val="170000"/>
+          </a:schemeClr>
+        </a:solidFill>
+        <a:gradFill rotWithShape="1">
+          <a:gsLst>
+            <a:gs pos="0">
+              <a:schemeClr val="phClr">
+                <a:tint val="93000"/>
+                <a:satMod val="150000"/>
+                <a:shade val="98000"/>
+                <a:lumMod val="102000"/>
+              </a:schemeClr>
+            </a:gs>
+            <a:gs pos="50000">
+              <a:schemeClr val="phClr">
+                <a:tint val="98000"/>
+                <a:satMod val="130000"/>
+                <a:shade val="90000"/>
+                <a:lumMod val="103000"/>
+              </a:schemeClr>
+            </a:gs>
+            <a:gs pos="100000">
+              <a:schemeClr val="phClr">
+                <a:shade val="63000"/>
+                <a:satMod val="120000"/>
+              </a:schemeClr>
+            </a:gs>
+          </a:gsLst>
+          <a:lin ang="5400000" scaled="0"/>
+        </a:gradFill>
+      </a:bgFillStyleLst>
+    </a:fmtScheme>
+  </a:themeElements>
+  <a:objectDefaults/>
+  <a:extraClrSchemeLst/>
+  <a:extLst>
+    <a:ext uri="{05A4C25C-085E-4340-85A3-A5531E510DB2}">
+      <thm15:themeFamily xmlns:thm15="http://schemas.microsoft.com/office/thememl/2012/main" name="Office Theme" id="{62F939B6-93AF-4DB8-9C6B-D6C7DFDC589F}" vid="{4A3C46E8-61CC-4603-A589-7422A47A8E4A}"/>
+    </a:ext>
+  </a:extLst>
+</a:theme>
 </file>